--- a/Presentations/Meeting-05.pptx
+++ b/Presentations/Meeting-05.pptx
@@ -9,18 +9,18 @@
     <p:sldId id="266" r:id="rId3"/>
     <p:sldId id="267" r:id="rId4"/>
     <p:sldId id="258" r:id="rId5"/>
-    <p:sldId id="269" r:id="rId6"/>
-    <p:sldId id="268" r:id="rId7"/>
-    <p:sldId id="270" r:id="rId8"/>
-    <p:sldId id="271" r:id="rId9"/>
+    <p:sldId id="270" r:id="rId6"/>
+    <p:sldId id="272" r:id="rId7"/>
+    <p:sldId id="274" r:id="rId8"/>
+    <p:sldId id="269" r:id="rId9"/>
     <p:sldId id="273" r:id="rId10"/>
-    <p:sldId id="272" r:id="rId11"/>
-    <p:sldId id="274" r:id="rId12"/>
-    <p:sldId id="265" r:id="rId13"/>
-    <p:sldId id="275" r:id="rId14"/>
-    <p:sldId id="277" r:id="rId15"/>
-    <p:sldId id="279" r:id="rId16"/>
-    <p:sldId id="278" r:id="rId17"/>
+    <p:sldId id="265" r:id="rId11"/>
+    <p:sldId id="275" r:id="rId12"/>
+    <p:sldId id="277" r:id="rId13"/>
+    <p:sldId id="279" r:id="rId14"/>
+    <p:sldId id="278" r:id="rId15"/>
+    <p:sldId id="271" r:id="rId16"/>
+    <p:sldId id="268" r:id="rId17"/>
   </p:sldIdLst>
   <p:sldSz cx="12192000" cy="6858000"/>
   <p:notesSz cx="6858000" cy="9144000"/>
@@ -138,6 +138,1383 @@
 <file path=ppt/changesInfos/changesInfo1.xml><?xml version="1.0" encoding="utf-8"?>
 <pc:chgInfo xmlns:a="http://schemas.openxmlformats.org/drawingml/2006/main" xmlns:r="http://schemas.openxmlformats.org/officeDocument/2006/relationships" xmlns:ac="http://schemas.microsoft.com/office/drawing/2013/main/command" xmlns:pc="http://schemas.microsoft.com/office/powerpoint/2013/main/command">
   <pc:docChgLst>
+    <pc:chgData name="Sai Sriram Duddu" userId="bb03187e-d4be-49a3-a01a-6c6b6c86d441" providerId="ADAL" clId="{E96AB373-B61F-4EA3-83A7-3DE95BC47E21}"/>
+    <pc:docChg chg="undo custSel addSld delSld modSld sldOrd">
+      <pc:chgData name="Sai Sriram Duddu" userId="bb03187e-d4be-49a3-a01a-6c6b6c86d441" providerId="ADAL" clId="{E96AB373-B61F-4EA3-83A7-3DE95BC47E21}" dt="2025-01-09T14:59:47.164" v="1321" actId="729"/>
+      <pc:docMkLst>
+        <pc:docMk/>
+      </pc:docMkLst>
+      <pc:sldChg chg="add del mod modShow">
+        <pc:chgData name="Sai Sriram Duddu" userId="bb03187e-d4be-49a3-a01a-6c6b6c86d441" providerId="ADAL" clId="{E96AB373-B61F-4EA3-83A7-3DE95BC47E21}" dt="2025-01-09T13:07:41.167" v="47" actId="729"/>
+        <pc:sldMkLst>
+          <pc:docMk/>
+          <pc:sldMk cId="109857222" sldId="256"/>
+        </pc:sldMkLst>
+      </pc:sldChg>
+      <pc:sldChg chg="addSp modSp del mod">
+        <pc:chgData name="Sai Sriram Duddu" userId="bb03187e-d4be-49a3-a01a-6c6b6c86d441" providerId="ADAL" clId="{E96AB373-B61F-4EA3-83A7-3DE95BC47E21}" dt="2025-01-09T13:10:30.308" v="101" actId="47"/>
+        <pc:sldMkLst>
+          <pc:docMk/>
+          <pc:sldMk cId="1393826277" sldId="257"/>
+        </pc:sldMkLst>
+        <pc:spChg chg="mod">
+          <ac:chgData name="Sai Sriram Duddu" userId="bb03187e-d4be-49a3-a01a-6c6b6c86d441" providerId="ADAL" clId="{E96AB373-B61F-4EA3-83A7-3DE95BC47E21}" dt="2025-01-09T13:03:46.221" v="14" actId="1076"/>
+          <ac:spMkLst>
+            <pc:docMk/>
+            <pc:sldMk cId="1393826277" sldId="257"/>
+            <ac:spMk id="3" creationId="{BB793951-A8E2-1F75-7595-9FF33974F85B}"/>
+          </ac:spMkLst>
+        </pc:spChg>
+        <pc:spChg chg="mod">
+          <ac:chgData name="Sai Sriram Duddu" userId="bb03187e-d4be-49a3-a01a-6c6b6c86d441" providerId="ADAL" clId="{E96AB373-B61F-4EA3-83A7-3DE95BC47E21}" dt="2025-01-09T13:03:31.678" v="13" actId="14100"/>
+          <ac:spMkLst>
+            <pc:docMk/>
+            <pc:sldMk cId="1393826277" sldId="257"/>
+            <ac:spMk id="5" creationId="{5C3FB91F-E481-C596-ABA0-0F882E6D3636}"/>
+          </ac:spMkLst>
+        </pc:spChg>
+        <pc:spChg chg="add mod">
+          <ac:chgData name="Sai Sriram Duddu" userId="bb03187e-d4be-49a3-a01a-6c6b6c86d441" providerId="ADAL" clId="{E96AB373-B61F-4EA3-83A7-3DE95BC47E21}" dt="2025-01-09T13:03:06.110" v="7" actId="11529"/>
+          <ac:spMkLst>
+            <pc:docMk/>
+            <pc:sldMk cId="1393826277" sldId="257"/>
+            <ac:spMk id="6" creationId="{45283890-6C4C-B597-ACB5-5530150A5602}"/>
+          </ac:spMkLst>
+        </pc:spChg>
+        <pc:spChg chg="add mod">
+          <ac:chgData name="Sai Sriram Duddu" userId="bb03187e-d4be-49a3-a01a-6c6b6c86d441" providerId="ADAL" clId="{E96AB373-B61F-4EA3-83A7-3DE95BC47E21}" dt="2025-01-09T13:04:04.205" v="19" actId="1076"/>
+          <ac:spMkLst>
+            <pc:docMk/>
+            <pc:sldMk cId="1393826277" sldId="257"/>
+            <ac:spMk id="7" creationId="{B1F3989B-9AF8-4FBA-7393-0BA6BFBE25A1}"/>
+          </ac:spMkLst>
+        </pc:spChg>
+        <pc:spChg chg="add mod">
+          <ac:chgData name="Sai Sriram Duddu" userId="bb03187e-d4be-49a3-a01a-6c6b6c86d441" providerId="ADAL" clId="{E96AB373-B61F-4EA3-83A7-3DE95BC47E21}" dt="2025-01-09T13:04:08.253" v="20" actId="1076"/>
+          <ac:spMkLst>
+            <pc:docMk/>
+            <pc:sldMk cId="1393826277" sldId="257"/>
+            <ac:spMk id="8" creationId="{0CA2FAF0-764F-631D-8235-24B6FD58436A}"/>
+          </ac:spMkLst>
+        </pc:spChg>
+        <pc:picChg chg="add mod">
+          <ac:chgData name="Sai Sriram Duddu" userId="bb03187e-d4be-49a3-a01a-6c6b6c86d441" providerId="ADAL" clId="{E96AB373-B61F-4EA3-83A7-3DE95BC47E21}" dt="2025-01-09T13:04:24.604" v="21" actId="1076"/>
+          <ac:picMkLst>
+            <pc:docMk/>
+            <pc:sldMk cId="1393826277" sldId="257"/>
+            <ac:picMk id="1026" creationId="{66F9AE72-FB19-4D40-8A73-A2DC7FBC73BA}"/>
+          </ac:picMkLst>
+        </pc:picChg>
+        <pc:picChg chg="add mod">
+          <ac:chgData name="Sai Sriram Duddu" userId="bb03187e-d4be-49a3-a01a-6c6b6c86d441" providerId="ADAL" clId="{E96AB373-B61F-4EA3-83A7-3DE95BC47E21}" dt="2025-01-09T13:05:07.812" v="30" actId="1076"/>
+          <ac:picMkLst>
+            <pc:docMk/>
+            <pc:sldMk cId="1393826277" sldId="257"/>
+            <ac:picMk id="1028" creationId="{E32F6876-296E-B0CE-D791-39CB1AA7DF9E}"/>
+          </ac:picMkLst>
+        </pc:picChg>
+        <pc:picChg chg="add mod">
+          <ac:chgData name="Sai Sriram Duddu" userId="bb03187e-d4be-49a3-a01a-6c6b6c86d441" providerId="ADAL" clId="{E96AB373-B61F-4EA3-83A7-3DE95BC47E21}" dt="2025-01-09T13:06:21.219" v="40" actId="1076"/>
+          <ac:picMkLst>
+            <pc:docMk/>
+            <pc:sldMk cId="1393826277" sldId="257"/>
+            <ac:picMk id="1030" creationId="{280E3C3F-D140-4751-1A71-CCB646D46594}"/>
+          </ac:picMkLst>
+        </pc:picChg>
+      </pc:sldChg>
+      <pc:sldChg chg="addSp delSp modSp mod">
+        <pc:chgData name="Sai Sriram Duddu" userId="bb03187e-d4be-49a3-a01a-6c6b6c86d441" providerId="ADAL" clId="{E96AB373-B61F-4EA3-83A7-3DE95BC47E21}" dt="2025-01-09T13:15:23.625" v="144" actId="1076"/>
+        <pc:sldMkLst>
+          <pc:docMk/>
+          <pc:sldMk cId="3912054776" sldId="258"/>
+        </pc:sldMkLst>
+        <pc:spChg chg="mod">
+          <ac:chgData name="Sai Sriram Duddu" userId="bb03187e-d4be-49a3-a01a-6c6b6c86d441" providerId="ADAL" clId="{E96AB373-B61F-4EA3-83A7-3DE95BC47E21}" dt="2025-01-09T13:11:03.386" v="107" actId="1076"/>
+          <ac:spMkLst>
+            <pc:docMk/>
+            <pc:sldMk cId="3912054776" sldId="258"/>
+            <ac:spMk id="2" creationId="{89071A27-A478-2742-799B-F165819D68CB}"/>
+          </ac:spMkLst>
+        </pc:spChg>
+        <pc:spChg chg="add mod">
+          <ac:chgData name="Sai Sriram Duddu" userId="bb03187e-d4be-49a3-a01a-6c6b6c86d441" providerId="ADAL" clId="{E96AB373-B61F-4EA3-83A7-3DE95BC47E21}" dt="2025-01-09T13:10:47.154" v="103"/>
+          <ac:spMkLst>
+            <pc:docMk/>
+            <pc:sldMk cId="3912054776" sldId="258"/>
+            <ac:spMk id="7" creationId="{08F60B56-264E-9E0B-F2B8-68C2FFE270EE}"/>
+          </ac:spMkLst>
+        </pc:spChg>
+        <pc:spChg chg="add del mod">
+          <ac:chgData name="Sai Sriram Duddu" userId="bb03187e-d4be-49a3-a01a-6c6b6c86d441" providerId="ADAL" clId="{E96AB373-B61F-4EA3-83A7-3DE95BC47E21}" dt="2025-01-09T13:15:16.640" v="140" actId="478"/>
+          <ac:spMkLst>
+            <pc:docMk/>
+            <pc:sldMk cId="3912054776" sldId="258"/>
+            <ac:spMk id="9" creationId="{CFF3DEB8-7287-4068-4621-8C34B14121C0}"/>
+          </ac:spMkLst>
+        </pc:spChg>
+        <pc:picChg chg="mod">
+          <ac:chgData name="Sai Sriram Duddu" userId="bb03187e-d4be-49a3-a01a-6c6b6c86d441" providerId="ADAL" clId="{E96AB373-B61F-4EA3-83A7-3DE95BC47E21}" dt="2025-01-09T13:15:23.625" v="144" actId="1076"/>
+          <ac:picMkLst>
+            <pc:docMk/>
+            <pc:sldMk cId="3912054776" sldId="258"/>
+            <ac:picMk id="3" creationId="{4FBA1187-A056-75AD-EF75-D06BDFD135C3}"/>
+          </ac:picMkLst>
+        </pc:picChg>
+        <pc:picChg chg="add mod">
+          <ac:chgData name="Sai Sriram Duddu" userId="bb03187e-d4be-49a3-a01a-6c6b6c86d441" providerId="ADAL" clId="{E96AB373-B61F-4EA3-83A7-3DE95BC47E21}" dt="2025-01-09T13:10:47.154" v="103"/>
+          <ac:picMkLst>
+            <pc:docMk/>
+            <pc:sldMk cId="3912054776" sldId="258"/>
+            <ac:picMk id="4" creationId="{4CC93EFB-06B9-918A-7B04-1D84D4BF3B47}"/>
+          </ac:picMkLst>
+        </pc:picChg>
+        <pc:picChg chg="add mod">
+          <ac:chgData name="Sai Sriram Duddu" userId="bb03187e-d4be-49a3-a01a-6c6b6c86d441" providerId="ADAL" clId="{E96AB373-B61F-4EA3-83A7-3DE95BC47E21}" dt="2025-01-09T13:10:47.154" v="103"/>
+          <ac:picMkLst>
+            <pc:docMk/>
+            <pc:sldMk cId="3912054776" sldId="258"/>
+            <ac:picMk id="5" creationId="{96447EF6-3FA3-5E3D-63FD-E1CABB40C5A6}"/>
+          </ac:picMkLst>
+        </pc:picChg>
+        <pc:picChg chg="add del mod">
+          <ac:chgData name="Sai Sriram Duddu" userId="bb03187e-d4be-49a3-a01a-6c6b6c86d441" providerId="ADAL" clId="{E96AB373-B61F-4EA3-83A7-3DE95BC47E21}" dt="2025-01-09T13:15:17.832" v="141" actId="478"/>
+          <ac:picMkLst>
+            <pc:docMk/>
+            <pc:sldMk cId="3912054776" sldId="258"/>
+            <ac:picMk id="10" creationId="{F8D7B963-CC7F-8C43-B67E-0F3C9E76B442}"/>
+          </ac:picMkLst>
+        </pc:picChg>
+        <pc:cxnChg chg="add mod">
+          <ac:chgData name="Sai Sriram Duddu" userId="bb03187e-d4be-49a3-a01a-6c6b6c86d441" providerId="ADAL" clId="{E96AB373-B61F-4EA3-83A7-3DE95BC47E21}" dt="2025-01-09T13:10:47.154" v="103"/>
+          <ac:cxnSpMkLst>
+            <pc:docMk/>
+            <pc:sldMk cId="3912054776" sldId="258"/>
+            <ac:cxnSpMk id="6" creationId="{8D1B7CE9-47C1-D4D4-4A7B-EA14E875AA9C}"/>
+          </ac:cxnSpMkLst>
+        </pc:cxnChg>
+      </pc:sldChg>
+      <pc:sldChg chg="addSp delSp modSp del mod">
+        <pc:chgData name="Sai Sriram Duddu" userId="bb03187e-d4be-49a3-a01a-6c6b6c86d441" providerId="ADAL" clId="{E96AB373-B61F-4EA3-83A7-3DE95BC47E21}" dt="2025-01-09T13:17:04.619" v="167" actId="47"/>
+        <pc:sldMkLst>
+          <pc:docMk/>
+          <pc:sldMk cId="1506417800" sldId="260"/>
+        </pc:sldMkLst>
+        <pc:spChg chg="mod">
+          <ac:chgData name="Sai Sriram Duddu" userId="bb03187e-d4be-49a3-a01a-6c6b6c86d441" providerId="ADAL" clId="{E96AB373-B61F-4EA3-83A7-3DE95BC47E21}" dt="2025-01-09T13:12:45.946" v="120" actId="1076"/>
+          <ac:spMkLst>
+            <pc:docMk/>
+            <pc:sldMk cId="1506417800" sldId="260"/>
+            <ac:spMk id="2" creationId="{89071A27-A478-2742-799B-F165819D68CB}"/>
+          </ac:spMkLst>
+        </pc:spChg>
+        <pc:picChg chg="add del">
+          <ac:chgData name="Sai Sriram Duddu" userId="bb03187e-d4be-49a3-a01a-6c6b6c86d441" providerId="ADAL" clId="{E96AB373-B61F-4EA3-83A7-3DE95BC47E21}" dt="2025-01-09T13:13:19.538" v="128" actId="21"/>
+          <ac:picMkLst>
+            <pc:docMk/>
+            <pc:sldMk cId="1506417800" sldId="260"/>
+            <ac:picMk id="5" creationId="{7E468E66-379F-5F73-91CF-AA9C12A98347}"/>
+          </ac:picMkLst>
+        </pc:picChg>
+      </pc:sldChg>
+      <pc:sldChg chg="modSp del mod">
+        <pc:chgData name="Sai Sriram Duddu" userId="bb03187e-d4be-49a3-a01a-6c6b6c86d441" providerId="ADAL" clId="{E96AB373-B61F-4EA3-83A7-3DE95BC47E21}" dt="2025-01-09T13:17:06.663" v="168" actId="47"/>
+        <pc:sldMkLst>
+          <pc:docMk/>
+          <pc:sldMk cId="296242756" sldId="261"/>
+        </pc:sldMkLst>
+        <pc:spChg chg="mod">
+          <ac:chgData name="Sai Sriram Duddu" userId="bb03187e-d4be-49a3-a01a-6c6b6c86d441" providerId="ADAL" clId="{E96AB373-B61F-4EA3-83A7-3DE95BC47E21}" dt="2025-01-09T13:16:27.017" v="158" actId="1076"/>
+          <ac:spMkLst>
+            <pc:docMk/>
+            <pc:sldMk cId="296242756" sldId="261"/>
+            <ac:spMk id="2" creationId="{89071A27-A478-2742-799B-F165819D68CB}"/>
+          </ac:spMkLst>
+        </pc:spChg>
+        <pc:picChg chg="mod">
+          <ac:chgData name="Sai Sriram Duddu" userId="bb03187e-d4be-49a3-a01a-6c6b6c86d441" providerId="ADAL" clId="{E96AB373-B61F-4EA3-83A7-3DE95BC47E21}" dt="2025-01-09T13:16:42.242" v="163" actId="1076"/>
+          <ac:picMkLst>
+            <pc:docMk/>
+            <pc:sldMk cId="296242756" sldId="261"/>
+            <ac:picMk id="3" creationId="{EA9CB35F-0211-20B9-0709-2EFC4673FF37}"/>
+          </ac:picMkLst>
+        </pc:picChg>
+      </pc:sldChg>
+      <pc:sldChg chg="del">
+        <pc:chgData name="Sai Sriram Duddu" userId="bb03187e-d4be-49a3-a01a-6c6b6c86d441" providerId="ADAL" clId="{E96AB373-B61F-4EA3-83A7-3DE95BC47E21}" dt="2025-01-09T13:26:35.630" v="386" actId="47"/>
+        <pc:sldMkLst>
+          <pc:docMk/>
+          <pc:sldMk cId="3371928542" sldId="262"/>
+        </pc:sldMkLst>
+      </pc:sldChg>
+      <pc:sldChg chg="modSp del mod">
+        <pc:chgData name="Sai Sriram Duddu" userId="bb03187e-d4be-49a3-a01a-6c6b6c86d441" providerId="ADAL" clId="{E96AB373-B61F-4EA3-83A7-3DE95BC47E21}" dt="2025-01-09T13:32:19.640" v="449" actId="47"/>
+        <pc:sldMkLst>
+          <pc:docMk/>
+          <pc:sldMk cId="1738757831" sldId="263"/>
+        </pc:sldMkLst>
+        <pc:picChg chg="mod">
+          <ac:chgData name="Sai Sriram Duddu" userId="bb03187e-d4be-49a3-a01a-6c6b6c86d441" providerId="ADAL" clId="{E96AB373-B61F-4EA3-83A7-3DE95BC47E21}" dt="2025-01-09T13:19:16.007" v="268" actId="1076"/>
+          <ac:picMkLst>
+            <pc:docMk/>
+            <pc:sldMk cId="1738757831" sldId="263"/>
+            <ac:picMk id="6" creationId="{E4C41A77-6F63-DD2A-BDFF-07E2B5F33310}"/>
+          </ac:picMkLst>
+        </pc:picChg>
+      </pc:sldChg>
+      <pc:sldChg chg="del">
+        <pc:chgData name="Sai Sriram Duddu" userId="bb03187e-d4be-49a3-a01a-6c6b6c86d441" providerId="ADAL" clId="{E96AB373-B61F-4EA3-83A7-3DE95BC47E21}" dt="2025-01-09T13:32:21.403" v="450" actId="47"/>
+        <pc:sldMkLst>
+          <pc:docMk/>
+          <pc:sldMk cId="1151284761" sldId="264"/>
+        </pc:sldMkLst>
+      </pc:sldChg>
+      <pc:sldChg chg="modSp mod ord modShow">
+        <pc:chgData name="Sai Sriram Duddu" userId="bb03187e-d4be-49a3-a01a-6c6b6c86d441" providerId="ADAL" clId="{E96AB373-B61F-4EA3-83A7-3DE95BC47E21}" dt="2025-01-09T14:59:47.164" v="1321" actId="729"/>
+        <pc:sldMkLst>
+          <pc:docMk/>
+          <pc:sldMk cId="2100241455" sldId="265"/>
+        </pc:sldMkLst>
+        <pc:spChg chg="mod">
+          <ac:chgData name="Sai Sriram Duddu" userId="bb03187e-d4be-49a3-a01a-6c6b6c86d441" providerId="ADAL" clId="{E96AB373-B61F-4EA3-83A7-3DE95BC47E21}" dt="2025-01-09T13:08:26.636" v="87" actId="14100"/>
+          <ac:spMkLst>
+            <pc:docMk/>
+            <pc:sldMk cId="2100241455" sldId="265"/>
+            <ac:spMk id="2" creationId="{2D5C4B6F-977F-7831-C3DE-155ED9784EC9}"/>
+          </ac:spMkLst>
+        </pc:spChg>
+      </pc:sldChg>
+      <pc:sldChg chg="addSp delSp modSp add mod setBg delDesignElem">
+        <pc:chgData name="Sai Sriram Duddu" userId="bb03187e-d4be-49a3-a01a-6c6b6c86d441" providerId="ADAL" clId="{E96AB373-B61F-4EA3-83A7-3DE95BC47E21}" dt="2025-01-09T13:07:30.502" v="46" actId="1076"/>
+        <pc:sldMkLst>
+          <pc:docMk/>
+          <pc:sldMk cId="2319279040" sldId="266"/>
+        </pc:sldMkLst>
+        <pc:spChg chg="add mod">
+          <ac:chgData name="Sai Sriram Duddu" userId="bb03187e-d4be-49a3-a01a-6c6b6c86d441" providerId="ADAL" clId="{E96AB373-B61F-4EA3-83A7-3DE95BC47E21}" dt="2025-01-09T13:07:30.502" v="46" actId="1076"/>
+          <ac:spMkLst>
+            <pc:docMk/>
+            <pc:sldMk cId="2319279040" sldId="266"/>
+            <ac:spMk id="4" creationId="{3F5879B3-5CC2-C4BD-58B1-EA356783D074}"/>
+          </ac:spMkLst>
+        </pc:spChg>
+        <pc:spChg chg="del">
+          <ac:chgData name="Sai Sriram Duddu" userId="bb03187e-d4be-49a3-a01a-6c6b6c86d441" providerId="ADAL" clId="{E96AB373-B61F-4EA3-83A7-3DE95BC47E21}" dt="2025-01-09T13:06:54.322" v="42"/>
+          <ac:spMkLst>
+            <pc:docMk/>
+            <pc:sldMk cId="2319279040" sldId="266"/>
+            <ac:spMk id="1043" creationId="{EE5F705A-5E81-4B3A-8EF4-911982DB313C}"/>
+          </ac:spMkLst>
+        </pc:spChg>
+        <pc:spChg chg="del">
+          <ac:chgData name="Sai Sriram Duddu" userId="bb03187e-d4be-49a3-a01a-6c6b6c86d441" providerId="ADAL" clId="{E96AB373-B61F-4EA3-83A7-3DE95BC47E21}" dt="2025-01-09T13:06:54.322" v="42"/>
+          <ac:spMkLst>
+            <pc:docMk/>
+            <pc:sldMk cId="2319279040" sldId="266"/>
+            <ac:spMk id="1044" creationId="{AD8F92D9-1751-4ABF-9CB7-D198C9A05A46}"/>
+          </ac:spMkLst>
+        </pc:spChg>
+        <pc:spChg chg="del">
+          <ac:chgData name="Sai Sriram Duddu" userId="bb03187e-d4be-49a3-a01a-6c6b6c86d441" providerId="ADAL" clId="{E96AB373-B61F-4EA3-83A7-3DE95BC47E21}" dt="2025-01-09T13:06:54.322" v="42"/>
+          <ac:spMkLst>
+            <pc:docMk/>
+            <pc:sldMk cId="2319279040" sldId="266"/>
+            <ac:spMk id="1045" creationId="{6D6B998F-CA62-4EE6-B7E7-046377D4F7EF}"/>
+          </ac:spMkLst>
+        </pc:spChg>
+      </pc:sldChg>
+      <pc:sldChg chg="addSp delSp modSp add mod ord">
+        <pc:chgData name="Sai Sriram Duddu" userId="bb03187e-d4be-49a3-a01a-6c6b6c86d441" providerId="ADAL" clId="{E96AB373-B61F-4EA3-83A7-3DE95BC47E21}" dt="2025-01-09T13:10:42.963" v="102" actId="571"/>
+        <pc:sldMkLst>
+          <pc:docMk/>
+          <pc:sldMk cId="3438411504" sldId="267"/>
+        </pc:sldMkLst>
+        <pc:spChg chg="add mod">
+          <ac:chgData name="Sai Sriram Duddu" userId="bb03187e-d4be-49a3-a01a-6c6b6c86d441" providerId="ADAL" clId="{E96AB373-B61F-4EA3-83A7-3DE95BC47E21}" dt="2025-01-09T13:10:04.539" v="97"/>
+          <ac:spMkLst>
+            <pc:docMk/>
+            <pc:sldMk cId="3438411504" sldId="267"/>
+            <ac:spMk id="5" creationId="{8F38F825-7841-6C3C-7934-0447F2612368}"/>
+          </ac:spMkLst>
+        </pc:spChg>
+        <pc:spChg chg="add mod">
+          <ac:chgData name="Sai Sriram Duddu" userId="bb03187e-d4be-49a3-a01a-6c6b6c86d441" providerId="ADAL" clId="{E96AB373-B61F-4EA3-83A7-3DE95BC47E21}" dt="2025-01-09T13:10:04.539" v="97"/>
+          <ac:spMkLst>
+            <pc:docMk/>
+            <pc:sldMk cId="3438411504" sldId="267"/>
+            <ac:spMk id="7" creationId="{05895ECB-A4A5-D56C-2223-C079D5D7C418}"/>
+          </ac:spMkLst>
+        </pc:spChg>
+        <pc:spChg chg="add mod">
+          <ac:chgData name="Sai Sriram Duddu" userId="bb03187e-d4be-49a3-a01a-6c6b6c86d441" providerId="ADAL" clId="{E96AB373-B61F-4EA3-83A7-3DE95BC47E21}" dt="2025-01-09T13:10:04.539" v="97"/>
+          <ac:spMkLst>
+            <pc:docMk/>
+            <pc:sldMk cId="3438411504" sldId="267"/>
+            <ac:spMk id="8" creationId="{8198DBB9-23EE-DB8E-1C7F-189331C83EFF}"/>
+          </ac:spMkLst>
+        </pc:spChg>
+        <pc:spChg chg="del mod">
+          <ac:chgData name="Sai Sriram Duddu" userId="bb03187e-d4be-49a3-a01a-6c6b6c86d441" providerId="ADAL" clId="{E96AB373-B61F-4EA3-83A7-3DE95BC47E21}" dt="2025-01-09T13:10:07.970" v="98" actId="478"/>
+          <ac:spMkLst>
+            <pc:docMk/>
+            <pc:sldMk cId="3438411504" sldId="267"/>
+            <ac:spMk id="10" creationId="{C4728E1A-44C8-D2D9-73A2-EA556235626F}"/>
+          </ac:spMkLst>
+        </pc:spChg>
+        <pc:spChg chg="add mod">
+          <ac:chgData name="Sai Sriram Duddu" userId="bb03187e-d4be-49a3-a01a-6c6b6c86d441" providerId="ADAL" clId="{E96AB373-B61F-4EA3-83A7-3DE95BC47E21}" dt="2025-01-09T13:10:04.539" v="97"/>
+          <ac:spMkLst>
+            <pc:docMk/>
+            <pc:sldMk cId="3438411504" sldId="267"/>
+            <ac:spMk id="12" creationId="{81A188C9-9569-AC27-C321-249ECF5A3B45}"/>
+          </ac:spMkLst>
+        </pc:spChg>
+        <pc:spChg chg="add mod">
+          <ac:chgData name="Sai Sriram Duddu" userId="bb03187e-d4be-49a3-a01a-6c6b6c86d441" providerId="ADAL" clId="{E96AB373-B61F-4EA3-83A7-3DE95BC47E21}" dt="2025-01-09T13:10:04.539" v="97"/>
+          <ac:spMkLst>
+            <pc:docMk/>
+            <pc:sldMk cId="3438411504" sldId="267"/>
+            <ac:spMk id="14" creationId="{BC64A721-65E7-4FF0-EACA-597161811CD8}"/>
+          </ac:spMkLst>
+        </pc:spChg>
+        <pc:spChg chg="add mod">
+          <ac:chgData name="Sai Sriram Duddu" userId="bb03187e-d4be-49a3-a01a-6c6b6c86d441" providerId="ADAL" clId="{E96AB373-B61F-4EA3-83A7-3DE95BC47E21}" dt="2025-01-09T13:10:04.539" v="97"/>
+          <ac:spMkLst>
+            <pc:docMk/>
+            <pc:sldMk cId="3438411504" sldId="267"/>
+            <ac:spMk id="15" creationId="{27EBDFE7-6959-55CE-E472-A1407DAE2552}"/>
+          </ac:spMkLst>
+        </pc:spChg>
+        <pc:spChg chg="add mod">
+          <ac:chgData name="Sai Sriram Duddu" userId="bb03187e-d4be-49a3-a01a-6c6b6c86d441" providerId="ADAL" clId="{E96AB373-B61F-4EA3-83A7-3DE95BC47E21}" dt="2025-01-09T13:10:04.539" v="97"/>
+          <ac:spMkLst>
+            <pc:docMk/>
+            <pc:sldMk cId="3438411504" sldId="267"/>
+            <ac:spMk id="16" creationId="{9D713794-63A0-283D-5D44-852B82337882}"/>
+          </ac:spMkLst>
+        </pc:spChg>
+        <pc:spChg chg="add mod">
+          <ac:chgData name="Sai Sriram Duddu" userId="bb03187e-d4be-49a3-a01a-6c6b6c86d441" providerId="ADAL" clId="{E96AB373-B61F-4EA3-83A7-3DE95BC47E21}" dt="2025-01-09T13:10:14.459" v="100" actId="1076"/>
+          <ac:spMkLst>
+            <pc:docMk/>
+            <pc:sldMk cId="3438411504" sldId="267"/>
+            <ac:spMk id="19" creationId="{B8B4AD0E-82F2-F49C-75F4-2FB37583AACA}"/>
+          </ac:spMkLst>
+        </pc:spChg>
+        <pc:spChg chg="add mod">
+          <ac:chgData name="Sai Sriram Duddu" userId="bb03187e-d4be-49a3-a01a-6c6b6c86d441" providerId="ADAL" clId="{E96AB373-B61F-4EA3-83A7-3DE95BC47E21}" dt="2025-01-09T13:10:14.459" v="100" actId="1076"/>
+          <ac:spMkLst>
+            <pc:docMk/>
+            <pc:sldMk cId="3438411504" sldId="267"/>
+            <ac:spMk id="20" creationId="{1E6C30CD-4E8D-D06B-A2F9-FF3E321904E4}"/>
+          </ac:spMkLst>
+        </pc:spChg>
+        <pc:spChg chg="add mod">
+          <ac:chgData name="Sai Sriram Duddu" userId="bb03187e-d4be-49a3-a01a-6c6b6c86d441" providerId="ADAL" clId="{E96AB373-B61F-4EA3-83A7-3DE95BC47E21}" dt="2025-01-09T13:10:14.459" v="100" actId="1076"/>
+          <ac:spMkLst>
+            <pc:docMk/>
+            <pc:sldMk cId="3438411504" sldId="267"/>
+            <ac:spMk id="21" creationId="{9960202F-EA93-4865-08AD-F78D76909011}"/>
+          </ac:spMkLst>
+        </pc:spChg>
+        <pc:spChg chg="add mod">
+          <ac:chgData name="Sai Sriram Duddu" userId="bb03187e-d4be-49a3-a01a-6c6b6c86d441" providerId="ADAL" clId="{E96AB373-B61F-4EA3-83A7-3DE95BC47E21}" dt="2025-01-09T13:10:14.459" v="100" actId="1076"/>
+          <ac:spMkLst>
+            <pc:docMk/>
+            <pc:sldMk cId="3438411504" sldId="267"/>
+            <ac:spMk id="22" creationId="{531DF5AF-DF2C-02B8-7B04-B76232DFD13B}"/>
+          </ac:spMkLst>
+        </pc:spChg>
+        <pc:spChg chg="add mod">
+          <ac:chgData name="Sai Sriram Duddu" userId="bb03187e-d4be-49a3-a01a-6c6b6c86d441" providerId="ADAL" clId="{E96AB373-B61F-4EA3-83A7-3DE95BC47E21}" dt="2025-01-09T13:10:14.459" v="100" actId="1076"/>
+          <ac:spMkLst>
+            <pc:docMk/>
+            <pc:sldMk cId="3438411504" sldId="267"/>
+            <ac:spMk id="24" creationId="{8C491093-06E4-8A8D-2614-013E15599EB5}"/>
+          </ac:spMkLst>
+        </pc:spChg>
+        <pc:spChg chg="add mod">
+          <ac:chgData name="Sai Sriram Duddu" userId="bb03187e-d4be-49a3-a01a-6c6b6c86d441" providerId="ADAL" clId="{E96AB373-B61F-4EA3-83A7-3DE95BC47E21}" dt="2025-01-09T13:10:14.459" v="100" actId="1076"/>
+          <ac:spMkLst>
+            <pc:docMk/>
+            <pc:sldMk cId="3438411504" sldId="267"/>
+            <ac:spMk id="25" creationId="{70983BAB-84DD-2DA8-B91D-CD4A2DEF53A3}"/>
+          </ac:spMkLst>
+        </pc:spChg>
+        <pc:spChg chg="add mod">
+          <ac:chgData name="Sai Sriram Duddu" userId="bb03187e-d4be-49a3-a01a-6c6b6c86d441" providerId="ADAL" clId="{E96AB373-B61F-4EA3-83A7-3DE95BC47E21}" dt="2025-01-09T13:10:14.459" v="100" actId="1076"/>
+          <ac:spMkLst>
+            <pc:docMk/>
+            <pc:sldMk cId="3438411504" sldId="267"/>
+            <ac:spMk id="26" creationId="{C1104D17-7246-E67D-E02B-AB08D175AE63}"/>
+          </ac:spMkLst>
+        </pc:spChg>
+        <pc:spChg chg="add mod">
+          <ac:chgData name="Sai Sriram Duddu" userId="bb03187e-d4be-49a3-a01a-6c6b6c86d441" providerId="ADAL" clId="{E96AB373-B61F-4EA3-83A7-3DE95BC47E21}" dt="2025-01-09T13:10:42.963" v="102" actId="571"/>
+          <ac:spMkLst>
+            <pc:docMk/>
+            <pc:sldMk cId="3438411504" sldId="267"/>
+            <ac:spMk id="32" creationId="{E29F73D0-A948-6436-8958-21CC1E666EA2}"/>
+          </ac:spMkLst>
+        </pc:spChg>
+        <pc:picChg chg="del">
+          <ac:chgData name="Sai Sriram Duddu" userId="bb03187e-d4be-49a3-a01a-6c6b6c86d441" providerId="ADAL" clId="{E96AB373-B61F-4EA3-83A7-3DE95BC47E21}" dt="2025-01-09T13:10:07.970" v="98" actId="478"/>
+          <ac:picMkLst>
+            <pc:docMk/>
+            <pc:sldMk cId="3438411504" sldId="267"/>
+            <ac:picMk id="11" creationId="{C55F9EEB-4E8F-DFBE-345B-F1C3F75F9942}"/>
+          </ac:picMkLst>
+        </pc:picChg>
+        <pc:picChg chg="add mod">
+          <ac:chgData name="Sai Sriram Duddu" userId="bb03187e-d4be-49a3-a01a-6c6b6c86d441" providerId="ADAL" clId="{E96AB373-B61F-4EA3-83A7-3DE95BC47E21}" dt="2025-01-09T13:10:04.539" v="97"/>
+          <ac:picMkLst>
+            <pc:docMk/>
+            <pc:sldMk cId="3438411504" sldId="267"/>
+            <ac:picMk id="13" creationId="{BF4F1B81-987A-08EB-B523-44F2B2EA76F0}"/>
+          </ac:picMkLst>
+        </pc:picChg>
+        <pc:picChg chg="add mod">
+          <ac:chgData name="Sai Sriram Duddu" userId="bb03187e-d4be-49a3-a01a-6c6b6c86d441" providerId="ADAL" clId="{E96AB373-B61F-4EA3-83A7-3DE95BC47E21}" dt="2025-01-09T13:10:04.539" v="97"/>
+          <ac:picMkLst>
+            <pc:docMk/>
+            <pc:sldMk cId="3438411504" sldId="267"/>
+            <ac:picMk id="17" creationId="{FA8ABFE8-40E4-E0D2-8622-D65B92AC6C28}"/>
+          </ac:picMkLst>
+        </pc:picChg>
+        <pc:picChg chg="add mod">
+          <ac:chgData name="Sai Sriram Duddu" userId="bb03187e-d4be-49a3-a01a-6c6b6c86d441" providerId="ADAL" clId="{E96AB373-B61F-4EA3-83A7-3DE95BC47E21}" dt="2025-01-09T13:10:04.539" v="97"/>
+          <ac:picMkLst>
+            <pc:docMk/>
+            <pc:sldMk cId="3438411504" sldId="267"/>
+            <ac:picMk id="18" creationId="{719DAC58-5AEA-67A9-07C4-75CCB84A6E98}"/>
+          </ac:picMkLst>
+        </pc:picChg>
+        <pc:picChg chg="add mod">
+          <ac:chgData name="Sai Sriram Duddu" userId="bb03187e-d4be-49a3-a01a-6c6b6c86d441" providerId="ADAL" clId="{E96AB373-B61F-4EA3-83A7-3DE95BC47E21}" dt="2025-01-09T13:10:14.459" v="100" actId="1076"/>
+          <ac:picMkLst>
+            <pc:docMk/>
+            <pc:sldMk cId="3438411504" sldId="267"/>
+            <ac:picMk id="23" creationId="{34E4548C-60FC-2797-B59F-0A05361015E7}"/>
+          </ac:picMkLst>
+        </pc:picChg>
+        <pc:picChg chg="add mod">
+          <ac:chgData name="Sai Sriram Duddu" userId="bb03187e-d4be-49a3-a01a-6c6b6c86d441" providerId="ADAL" clId="{E96AB373-B61F-4EA3-83A7-3DE95BC47E21}" dt="2025-01-09T13:10:14.459" v="100" actId="1076"/>
+          <ac:picMkLst>
+            <pc:docMk/>
+            <pc:sldMk cId="3438411504" sldId="267"/>
+            <ac:picMk id="27" creationId="{3183F0B9-6A97-DBE9-F70C-5D74043EA810}"/>
+          </ac:picMkLst>
+        </pc:picChg>
+        <pc:picChg chg="add mod">
+          <ac:chgData name="Sai Sriram Duddu" userId="bb03187e-d4be-49a3-a01a-6c6b6c86d441" providerId="ADAL" clId="{E96AB373-B61F-4EA3-83A7-3DE95BC47E21}" dt="2025-01-09T13:10:14.459" v="100" actId="1076"/>
+          <ac:picMkLst>
+            <pc:docMk/>
+            <pc:sldMk cId="3438411504" sldId="267"/>
+            <ac:picMk id="28" creationId="{EAFFB585-38BE-95A2-A2B5-2A10F3E74F63}"/>
+          </ac:picMkLst>
+        </pc:picChg>
+        <pc:picChg chg="add mod">
+          <ac:chgData name="Sai Sriram Duddu" userId="bb03187e-d4be-49a3-a01a-6c6b6c86d441" providerId="ADAL" clId="{E96AB373-B61F-4EA3-83A7-3DE95BC47E21}" dt="2025-01-09T13:10:42.963" v="102" actId="571"/>
+          <ac:picMkLst>
+            <pc:docMk/>
+            <pc:sldMk cId="3438411504" sldId="267"/>
+            <ac:picMk id="29" creationId="{0ED7BAB4-FFC3-C302-BA0F-9F41A9CAA548}"/>
+          </ac:picMkLst>
+        </pc:picChg>
+        <pc:picChg chg="add mod">
+          <ac:chgData name="Sai Sriram Duddu" userId="bb03187e-d4be-49a3-a01a-6c6b6c86d441" providerId="ADAL" clId="{E96AB373-B61F-4EA3-83A7-3DE95BC47E21}" dt="2025-01-09T13:10:42.963" v="102" actId="571"/>
+          <ac:picMkLst>
+            <pc:docMk/>
+            <pc:sldMk cId="3438411504" sldId="267"/>
+            <ac:picMk id="30" creationId="{A290202E-34EE-4153-123F-7ECEE7585D26}"/>
+          </ac:picMkLst>
+        </pc:picChg>
+        <pc:cxnChg chg="add mod">
+          <ac:chgData name="Sai Sriram Duddu" userId="bb03187e-d4be-49a3-a01a-6c6b6c86d441" providerId="ADAL" clId="{E96AB373-B61F-4EA3-83A7-3DE95BC47E21}" dt="2025-01-09T13:10:42.963" v="102" actId="571"/>
+          <ac:cxnSpMkLst>
+            <pc:docMk/>
+            <pc:sldMk cId="3438411504" sldId="267"/>
+            <ac:cxnSpMk id="31" creationId="{83286AEA-E83C-C7B4-9D6D-94E7D90B4005}"/>
+          </ac:cxnSpMkLst>
+        </pc:cxnChg>
+      </pc:sldChg>
+      <pc:sldChg chg="addSp delSp modSp add mod">
+        <pc:chgData name="Sai Sriram Duddu" userId="bb03187e-d4be-49a3-a01a-6c6b6c86d441" providerId="ADAL" clId="{E96AB373-B61F-4EA3-83A7-3DE95BC47E21}" dt="2025-01-09T13:16:51.697" v="166" actId="1076"/>
+        <pc:sldMkLst>
+          <pc:docMk/>
+          <pc:sldMk cId="3015810363" sldId="268"/>
+        </pc:sldMkLst>
+        <pc:spChg chg="mod">
+          <ac:chgData name="Sai Sriram Duddu" userId="bb03187e-d4be-49a3-a01a-6c6b6c86d441" providerId="ADAL" clId="{E96AB373-B61F-4EA3-83A7-3DE95BC47E21}" dt="2025-01-09T13:16:33.470" v="159"/>
+          <ac:spMkLst>
+            <pc:docMk/>
+            <pc:sldMk cId="3015810363" sldId="268"/>
+            <ac:spMk id="2" creationId="{14DE29EF-0156-6CCB-8FB2-B0857D98EB03}"/>
+          </ac:spMkLst>
+        </pc:spChg>
+        <pc:spChg chg="del">
+          <ac:chgData name="Sai Sriram Duddu" userId="bb03187e-d4be-49a3-a01a-6c6b6c86d441" providerId="ADAL" clId="{E96AB373-B61F-4EA3-83A7-3DE95BC47E21}" dt="2025-01-09T13:16:38.504" v="160" actId="478"/>
+          <ac:spMkLst>
+            <pc:docMk/>
+            <pc:sldMk cId="3015810363" sldId="268"/>
+            <ac:spMk id="9" creationId="{1CD678B8-A334-58D4-C26D-D30D67F4508F}"/>
+          </ac:spMkLst>
+        </pc:spChg>
+        <pc:picChg chg="del">
+          <ac:chgData name="Sai Sriram Duddu" userId="bb03187e-d4be-49a3-a01a-6c6b6c86d441" providerId="ADAL" clId="{E96AB373-B61F-4EA3-83A7-3DE95BC47E21}" dt="2025-01-09T13:13:43.736" v="134" actId="478"/>
+          <ac:picMkLst>
+            <pc:docMk/>
+            <pc:sldMk cId="3015810363" sldId="268"/>
+            <ac:picMk id="3" creationId="{5FF137D7-5517-BCFA-AEB5-ADE61E333D3D}"/>
+          </ac:picMkLst>
+        </pc:picChg>
+        <pc:picChg chg="add del mod">
+          <ac:chgData name="Sai Sriram Duddu" userId="bb03187e-d4be-49a3-a01a-6c6b6c86d441" providerId="ADAL" clId="{E96AB373-B61F-4EA3-83A7-3DE95BC47E21}" dt="2025-01-09T13:16:40.471" v="162" actId="478"/>
+          <ac:picMkLst>
+            <pc:docMk/>
+            <pc:sldMk cId="3015810363" sldId="268"/>
+            <ac:picMk id="8" creationId="{36BDE161-FB88-BB92-4272-7D5F225AF6C4}"/>
+          </ac:picMkLst>
+        </pc:picChg>
+        <pc:picChg chg="del">
+          <ac:chgData name="Sai Sriram Duddu" userId="bb03187e-d4be-49a3-a01a-6c6b6c86d441" providerId="ADAL" clId="{E96AB373-B61F-4EA3-83A7-3DE95BC47E21}" dt="2025-01-09T13:16:39.335" v="161" actId="478"/>
+          <ac:picMkLst>
+            <pc:docMk/>
+            <pc:sldMk cId="3015810363" sldId="268"/>
+            <ac:picMk id="10" creationId="{EB85F451-ED6A-E456-5E68-325E2841CE0F}"/>
+          </ac:picMkLst>
+        </pc:picChg>
+        <pc:picChg chg="add mod">
+          <ac:chgData name="Sai Sriram Duddu" userId="bb03187e-d4be-49a3-a01a-6c6b6c86d441" providerId="ADAL" clId="{E96AB373-B61F-4EA3-83A7-3DE95BC47E21}" dt="2025-01-09T13:16:51.697" v="166" actId="1076"/>
+          <ac:picMkLst>
+            <pc:docMk/>
+            <pc:sldMk cId="3015810363" sldId="268"/>
+            <ac:picMk id="11" creationId="{88C1F538-6626-80BA-D677-A506BFAD792E}"/>
+          </ac:picMkLst>
+        </pc:picChg>
+      </pc:sldChg>
+      <pc:sldChg chg="addSp delSp modSp add mod">
+        <pc:chgData name="Sai Sriram Duddu" userId="bb03187e-d4be-49a3-a01a-6c6b6c86d441" providerId="ADAL" clId="{E96AB373-B61F-4EA3-83A7-3DE95BC47E21}" dt="2025-01-09T13:16:12.641" v="157" actId="1076"/>
+        <pc:sldMkLst>
+          <pc:docMk/>
+          <pc:sldMk cId="1189005181" sldId="269"/>
+        </pc:sldMkLst>
+        <pc:spChg chg="mod">
+          <ac:chgData name="Sai Sriram Duddu" userId="bb03187e-d4be-49a3-a01a-6c6b6c86d441" providerId="ADAL" clId="{E96AB373-B61F-4EA3-83A7-3DE95BC47E21}" dt="2025-01-09T13:12:57.304" v="121"/>
+          <ac:spMkLst>
+            <pc:docMk/>
+            <pc:sldMk cId="1189005181" sldId="269"/>
+            <ac:spMk id="2" creationId="{0AFB435F-02EE-A6E4-ED6A-DFBF9FBC21D9}"/>
+          </ac:spMkLst>
+        </pc:spChg>
+        <pc:spChg chg="del mod">
+          <ac:chgData name="Sai Sriram Duddu" userId="bb03187e-d4be-49a3-a01a-6c6b6c86d441" providerId="ADAL" clId="{E96AB373-B61F-4EA3-83A7-3DE95BC47E21}" dt="2025-01-09T13:16:02.513" v="153" actId="478"/>
+          <ac:spMkLst>
+            <pc:docMk/>
+            <pc:sldMk cId="1189005181" sldId="269"/>
+            <ac:spMk id="9" creationId="{A73E92CA-7157-4CBB-20E0-EB298CBE19FB}"/>
+          </ac:spMkLst>
+        </pc:spChg>
+        <pc:picChg chg="del mod">
+          <ac:chgData name="Sai Sriram Duddu" userId="bb03187e-d4be-49a3-a01a-6c6b6c86d441" providerId="ADAL" clId="{E96AB373-B61F-4EA3-83A7-3DE95BC47E21}" dt="2025-01-09T13:15:30.272" v="145" actId="478"/>
+          <ac:picMkLst>
+            <pc:docMk/>
+            <pc:sldMk cId="1189005181" sldId="269"/>
+            <ac:picMk id="3" creationId="{4CAA13CA-61AA-A1A3-9CBF-4B9F88C6767F}"/>
+          </ac:picMkLst>
+        </pc:picChg>
+        <pc:picChg chg="add mod">
+          <ac:chgData name="Sai Sriram Duddu" userId="bb03187e-d4be-49a3-a01a-6c6b6c86d441" providerId="ADAL" clId="{E96AB373-B61F-4EA3-83A7-3DE95BC47E21}" dt="2025-01-09T13:13:06.297" v="123"/>
+          <ac:picMkLst>
+            <pc:docMk/>
+            <pc:sldMk cId="1189005181" sldId="269"/>
+            <ac:picMk id="8" creationId="{7E468E66-379F-5F73-91CF-AA9C12A98347}"/>
+          </ac:picMkLst>
+        </pc:picChg>
+        <pc:picChg chg="del">
+          <ac:chgData name="Sai Sriram Duddu" userId="bb03187e-d4be-49a3-a01a-6c6b6c86d441" providerId="ADAL" clId="{E96AB373-B61F-4EA3-83A7-3DE95BC47E21}" dt="2025-01-09T13:14:12.618" v="137" actId="478"/>
+          <ac:picMkLst>
+            <pc:docMk/>
+            <pc:sldMk cId="1189005181" sldId="269"/>
+            <ac:picMk id="10" creationId="{E77AE4E7-CFEB-409F-E596-A88404BE8D4B}"/>
+          </ac:picMkLst>
+        </pc:picChg>
+        <pc:picChg chg="add mod">
+          <ac:chgData name="Sai Sriram Duddu" userId="bb03187e-d4be-49a3-a01a-6c6b6c86d441" providerId="ADAL" clId="{E96AB373-B61F-4EA3-83A7-3DE95BC47E21}" dt="2025-01-09T13:13:16.421" v="126" actId="571"/>
+          <ac:picMkLst>
+            <pc:docMk/>
+            <pc:sldMk cId="1189005181" sldId="269"/>
+            <ac:picMk id="11" creationId="{C54D0323-7007-0B1B-BDC9-335989BA7A1E}"/>
+          </ac:picMkLst>
+        </pc:picChg>
+        <pc:picChg chg="add del mod">
+          <ac:chgData name="Sai Sriram Duddu" userId="bb03187e-d4be-49a3-a01a-6c6b6c86d441" providerId="ADAL" clId="{E96AB373-B61F-4EA3-83A7-3DE95BC47E21}" dt="2025-01-09T13:16:00.848" v="151" actId="478"/>
+          <ac:picMkLst>
+            <pc:docMk/>
+            <pc:sldMk cId="1189005181" sldId="269"/>
+            <ac:picMk id="12" creationId="{9E55A0B2-324B-F5B6-6F12-393699935B39}"/>
+          </ac:picMkLst>
+        </pc:picChg>
+        <pc:picChg chg="add mod">
+          <ac:chgData name="Sai Sriram Duddu" userId="bb03187e-d4be-49a3-a01a-6c6b6c86d441" providerId="ADAL" clId="{E96AB373-B61F-4EA3-83A7-3DE95BC47E21}" dt="2025-01-09T13:16:12.641" v="157" actId="1076"/>
+          <ac:picMkLst>
+            <pc:docMk/>
+            <pc:sldMk cId="1189005181" sldId="269"/>
+            <ac:picMk id="13" creationId="{38126B16-4951-AADC-D016-89F1B17C0DEF}"/>
+          </ac:picMkLst>
+        </pc:picChg>
+      </pc:sldChg>
+      <pc:sldChg chg="addSp delSp modSp add mod">
+        <pc:chgData name="Sai Sriram Duddu" userId="bb03187e-d4be-49a3-a01a-6c6b6c86d441" providerId="ADAL" clId="{E96AB373-B61F-4EA3-83A7-3DE95BC47E21}" dt="2025-01-09T13:30:16.584" v="426" actId="14100"/>
+        <pc:sldMkLst>
+          <pc:docMk/>
+          <pc:sldMk cId="442611406" sldId="270"/>
+        </pc:sldMkLst>
+        <pc:spChg chg="del">
+          <ac:chgData name="Sai Sriram Duddu" userId="bb03187e-d4be-49a3-a01a-6c6b6c86d441" providerId="ADAL" clId="{E96AB373-B61F-4EA3-83A7-3DE95BC47E21}" dt="2025-01-09T13:17:57.223" v="172" actId="478"/>
+          <ac:spMkLst>
+            <pc:docMk/>
+            <pc:sldMk cId="442611406" sldId="270"/>
+            <ac:spMk id="2" creationId="{3A9226E5-B009-18DA-942E-A1116950652C}"/>
+          </ac:spMkLst>
+        </pc:spChg>
+        <pc:spChg chg="add mod">
+          <ac:chgData name="Sai Sriram Duddu" userId="bb03187e-d4be-49a3-a01a-6c6b6c86d441" providerId="ADAL" clId="{E96AB373-B61F-4EA3-83A7-3DE95BC47E21}" dt="2025-01-09T13:18:02.992" v="174" actId="1076"/>
+          <ac:spMkLst>
+            <pc:docMk/>
+            <pc:sldMk cId="442611406" sldId="270"/>
+            <ac:spMk id="3" creationId="{395CAC7F-E1CA-DA8B-7D37-0BE9557484EB}"/>
+          </ac:spMkLst>
+        </pc:spChg>
+        <pc:spChg chg="add mod">
+          <ac:chgData name="Sai Sriram Duddu" userId="bb03187e-d4be-49a3-a01a-6c6b6c86d441" providerId="ADAL" clId="{E96AB373-B61F-4EA3-83A7-3DE95BC47E21}" dt="2025-01-09T13:22:16.279" v="325" actId="14100"/>
+          <ac:spMkLst>
+            <pc:docMk/>
+            <pc:sldMk cId="442611406" sldId="270"/>
+            <ac:spMk id="10" creationId="{D94BB864-199D-0E44-1BB7-8776DA2CF1A0}"/>
+          </ac:spMkLst>
+        </pc:spChg>
+        <pc:spChg chg="add mod">
+          <ac:chgData name="Sai Sriram Duddu" userId="bb03187e-d4be-49a3-a01a-6c6b6c86d441" providerId="ADAL" clId="{E96AB373-B61F-4EA3-83A7-3DE95BC47E21}" dt="2025-01-09T13:30:16.584" v="426" actId="14100"/>
+          <ac:spMkLst>
+            <pc:docMk/>
+            <pc:sldMk cId="442611406" sldId="270"/>
+            <ac:spMk id="12" creationId="{184551D2-13C1-3840-7968-20816F3FF82D}"/>
+          </ac:spMkLst>
+        </pc:spChg>
+        <pc:picChg chg="add mod">
+          <ac:chgData name="Sai Sriram Duddu" userId="bb03187e-d4be-49a3-a01a-6c6b6c86d441" providerId="ADAL" clId="{E96AB373-B61F-4EA3-83A7-3DE95BC47E21}" dt="2025-01-09T13:18:10.096" v="176" actId="1076"/>
+          <ac:picMkLst>
+            <pc:docMk/>
+            <pc:sldMk cId="442611406" sldId="270"/>
+            <ac:picMk id="8" creationId="{88FD6751-F0B8-D82A-A263-E0D1F6A3EAE9}"/>
+          </ac:picMkLst>
+        </pc:picChg>
+        <pc:picChg chg="add mod">
+          <ac:chgData name="Sai Sriram Duddu" userId="bb03187e-d4be-49a3-a01a-6c6b6c86d441" providerId="ADAL" clId="{E96AB373-B61F-4EA3-83A7-3DE95BC47E21}" dt="2025-01-09T13:21:35.880" v="312" actId="1076"/>
+          <ac:picMkLst>
+            <pc:docMk/>
+            <pc:sldMk cId="442611406" sldId="270"/>
+            <ac:picMk id="9" creationId="{4040DD7A-F726-2FE5-E6E3-E8AE39ADDB29}"/>
+          </ac:picMkLst>
+        </pc:picChg>
+        <pc:picChg chg="del">
+          <ac:chgData name="Sai Sriram Duddu" userId="bb03187e-d4be-49a3-a01a-6c6b6c86d441" providerId="ADAL" clId="{E96AB373-B61F-4EA3-83A7-3DE95BC47E21}" dt="2025-01-09T13:17:57.223" v="172" actId="478"/>
+          <ac:picMkLst>
+            <pc:docMk/>
+            <pc:sldMk cId="442611406" sldId="270"/>
+            <ac:picMk id="11" creationId="{56392276-A470-8A98-35FE-D4CF02188166}"/>
+          </ac:picMkLst>
+        </pc:picChg>
+        <pc:cxnChg chg="add mod">
+          <ac:chgData name="Sai Sriram Duddu" userId="bb03187e-d4be-49a3-a01a-6c6b6c86d441" providerId="ADAL" clId="{E96AB373-B61F-4EA3-83A7-3DE95BC47E21}" dt="2025-01-09T13:21:50.006" v="314" actId="1076"/>
+          <ac:cxnSpMkLst>
+            <pc:docMk/>
+            <pc:sldMk cId="442611406" sldId="270"/>
+            <ac:cxnSpMk id="14" creationId="{7EA5EFCB-128A-7DE1-0E13-D8B8CD0E16F2}"/>
+          </ac:cxnSpMkLst>
+        </pc:cxnChg>
+        <pc:cxnChg chg="add">
+          <ac:chgData name="Sai Sriram Duddu" userId="bb03187e-d4be-49a3-a01a-6c6b6c86d441" providerId="ADAL" clId="{E96AB373-B61F-4EA3-83A7-3DE95BC47E21}" dt="2025-01-09T13:21:40.519" v="313" actId="11529"/>
+          <ac:cxnSpMkLst>
+            <pc:docMk/>
+            <pc:sldMk cId="442611406" sldId="270"/>
+            <ac:cxnSpMk id="16" creationId="{78F3D5F5-A56C-4B43-14EF-74874A702E7C}"/>
+          </ac:cxnSpMkLst>
+        </pc:cxnChg>
+      </pc:sldChg>
+      <pc:sldChg chg="add">
+        <pc:chgData name="Sai Sriram Duddu" userId="bb03187e-d4be-49a3-a01a-6c6b6c86d441" providerId="ADAL" clId="{E96AB373-B61F-4EA3-83A7-3DE95BC47E21}" dt="2025-01-09T13:17:29.309" v="170" actId="2890"/>
+        <pc:sldMkLst>
+          <pc:docMk/>
+          <pc:sldMk cId="1326325659" sldId="271"/>
+        </pc:sldMkLst>
+      </pc:sldChg>
+      <pc:sldChg chg="add">
+        <pc:chgData name="Sai Sriram Duddu" userId="bb03187e-d4be-49a3-a01a-6c6b6c86d441" providerId="ADAL" clId="{E96AB373-B61F-4EA3-83A7-3DE95BC47E21}" dt="2025-01-09T13:17:31.573" v="171" actId="2890"/>
+        <pc:sldMkLst>
+          <pc:docMk/>
+          <pc:sldMk cId="1478134919" sldId="272"/>
+        </pc:sldMkLst>
+      </pc:sldChg>
+      <pc:sldChg chg="addSp delSp modSp add mod ord">
+        <pc:chgData name="Sai Sriram Duddu" userId="bb03187e-d4be-49a3-a01a-6c6b6c86d441" providerId="ADAL" clId="{E96AB373-B61F-4EA3-83A7-3DE95BC47E21}" dt="2025-01-09T13:32:04.139" v="446"/>
+        <pc:sldMkLst>
+          <pc:docMk/>
+          <pc:sldMk cId="670474956" sldId="273"/>
+        </pc:sldMkLst>
+        <pc:spChg chg="add mod">
+          <ac:chgData name="Sai Sriram Duddu" userId="bb03187e-d4be-49a3-a01a-6c6b6c86d441" providerId="ADAL" clId="{E96AB373-B61F-4EA3-83A7-3DE95BC47E21}" dt="2025-01-09T13:26:55.511" v="387"/>
+          <ac:spMkLst>
+            <pc:docMk/>
+            <pc:sldMk cId="670474956" sldId="273"/>
+            <ac:spMk id="2" creationId="{70BBCFB0-466D-9C61-8FCD-8BFC819096B6}"/>
+          </ac:spMkLst>
+        </pc:spChg>
+        <pc:spChg chg="del">
+          <ac:chgData name="Sai Sriram Duddu" userId="bb03187e-d4be-49a3-a01a-6c6b6c86d441" providerId="ADAL" clId="{E96AB373-B61F-4EA3-83A7-3DE95BC47E21}" dt="2025-01-09T13:27:00.230" v="388" actId="478"/>
+          <ac:spMkLst>
+            <pc:docMk/>
+            <pc:sldMk cId="670474956" sldId="273"/>
+            <ac:spMk id="3" creationId="{A4B303EB-0D23-CBFC-D20A-F3B9677D919D}"/>
+          </ac:spMkLst>
+        </pc:spChg>
+        <pc:spChg chg="mod">
+          <ac:chgData name="Sai Sriram Duddu" userId="bb03187e-d4be-49a3-a01a-6c6b6c86d441" providerId="ADAL" clId="{E96AB373-B61F-4EA3-83A7-3DE95BC47E21}" dt="2025-01-09T13:27:46.999" v="401" actId="20577"/>
+          <ac:spMkLst>
+            <pc:docMk/>
+            <pc:sldMk cId="670474956" sldId="273"/>
+            <ac:spMk id="10" creationId="{15F8417C-7237-4089-8F84-4495CCB082CD}"/>
+          </ac:spMkLst>
+        </pc:spChg>
+        <pc:spChg chg="mod">
+          <ac:chgData name="Sai Sriram Duddu" userId="bb03187e-d4be-49a3-a01a-6c6b6c86d441" providerId="ADAL" clId="{E96AB373-B61F-4EA3-83A7-3DE95BC47E21}" dt="2025-01-09T13:30:22.681" v="427" actId="14100"/>
+          <ac:spMkLst>
+            <pc:docMk/>
+            <pc:sldMk cId="670474956" sldId="273"/>
+            <ac:spMk id="12" creationId="{742ECE8C-8BC6-83FF-64A6-D37899D066F5}"/>
+          </ac:spMkLst>
+        </pc:spChg>
+        <pc:spChg chg="add mod">
+          <ac:chgData name="Sai Sriram Duddu" userId="bb03187e-d4be-49a3-a01a-6c6b6c86d441" providerId="ADAL" clId="{E96AB373-B61F-4EA3-83A7-3DE95BC47E21}" dt="2025-01-09T13:27:14.455" v="393" actId="1076"/>
+          <ac:spMkLst>
+            <pc:docMk/>
+            <pc:sldMk cId="670474956" sldId="273"/>
+            <ac:spMk id="15" creationId="{8E12034F-BDFA-EE2C-3CB5-E59BF6F97202}"/>
+          </ac:spMkLst>
+        </pc:spChg>
+        <pc:picChg chg="del">
+          <ac:chgData name="Sai Sriram Duddu" userId="bb03187e-d4be-49a3-a01a-6c6b6c86d441" providerId="ADAL" clId="{E96AB373-B61F-4EA3-83A7-3DE95BC47E21}" dt="2025-01-09T13:27:00.230" v="388" actId="478"/>
+          <ac:picMkLst>
+            <pc:docMk/>
+            <pc:sldMk cId="670474956" sldId="273"/>
+            <ac:picMk id="8" creationId="{339E9468-58C1-CB1E-8680-C30852A44A05}"/>
+          </ac:picMkLst>
+        </pc:picChg>
+        <pc:picChg chg="del">
+          <ac:chgData name="Sai Sriram Duddu" userId="bb03187e-d4be-49a3-a01a-6c6b6c86d441" providerId="ADAL" clId="{E96AB373-B61F-4EA3-83A7-3DE95BC47E21}" dt="2025-01-09T13:27:00.230" v="388" actId="478"/>
+          <ac:picMkLst>
+            <pc:docMk/>
+            <pc:sldMk cId="670474956" sldId="273"/>
+            <ac:picMk id="9" creationId="{FA057C73-F3F4-6354-E69D-07F102479DBE}"/>
+          </ac:picMkLst>
+        </pc:picChg>
+        <pc:picChg chg="add mod">
+          <ac:chgData name="Sai Sriram Duddu" userId="bb03187e-d4be-49a3-a01a-6c6b6c86d441" providerId="ADAL" clId="{E96AB373-B61F-4EA3-83A7-3DE95BC47E21}" dt="2025-01-09T13:26:55.511" v="387"/>
+          <ac:picMkLst>
+            <pc:docMk/>
+            <pc:sldMk cId="670474956" sldId="273"/>
+            <ac:picMk id="11" creationId="{A1275E11-ABC1-2285-DCA7-87FEC6D44DEA}"/>
+          </ac:picMkLst>
+        </pc:picChg>
+        <pc:picChg chg="add mod">
+          <ac:chgData name="Sai Sriram Duddu" userId="bb03187e-d4be-49a3-a01a-6c6b6c86d441" providerId="ADAL" clId="{E96AB373-B61F-4EA3-83A7-3DE95BC47E21}" dt="2025-01-09T13:26:55.511" v="387"/>
+          <ac:picMkLst>
+            <pc:docMk/>
+            <pc:sldMk cId="670474956" sldId="273"/>
+            <ac:picMk id="13" creationId="{0A60E192-4428-9410-818F-22594980D6FE}"/>
+          </ac:picMkLst>
+        </pc:picChg>
+        <pc:picChg chg="add mod">
+          <ac:chgData name="Sai Sriram Duddu" userId="bb03187e-d4be-49a3-a01a-6c6b6c86d441" providerId="ADAL" clId="{E96AB373-B61F-4EA3-83A7-3DE95BC47E21}" dt="2025-01-09T13:27:19.344" v="394" actId="1076"/>
+          <ac:picMkLst>
+            <pc:docMk/>
+            <pc:sldMk cId="670474956" sldId="273"/>
+            <ac:picMk id="17" creationId="{739EDA04-6003-1AD6-EE43-75F94EE53E4D}"/>
+          </ac:picMkLst>
+        </pc:picChg>
+        <pc:picChg chg="add mod">
+          <ac:chgData name="Sai Sriram Duddu" userId="bb03187e-d4be-49a3-a01a-6c6b6c86d441" providerId="ADAL" clId="{E96AB373-B61F-4EA3-83A7-3DE95BC47E21}" dt="2025-01-09T13:28:38.025" v="414" actId="1076"/>
+          <ac:picMkLst>
+            <pc:docMk/>
+            <pc:sldMk cId="670474956" sldId="273"/>
+            <ac:picMk id="18" creationId="{549CAC0E-D99F-F3FB-B821-71B4B3370773}"/>
+          </ac:picMkLst>
+        </pc:picChg>
+        <pc:cxnChg chg="del">
+          <ac:chgData name="Sai Sriram Duddu" userId="bb03187e-d4be-49a3-a01a-6c6b6c86d441" providerId="ADAL" clId="{E96AB373-B61F-4EA3-83A7-3DE95BC47E21}" dt="2025-01-09T13:27:02.254" v="389" actId="478"/>
+          <ac:cxnSpMkLst>
+            <pc:docMk/>
+            <pc:sldMk cId="670474956" sldId="273"/>
+            <ac:cxnSpMk id="14" creationId="{41109C0A-C1C6-327A-3807-9D77759ACF72}"/>
+          </ac:cxnSpMkLst>
+        </pc:cxnChg>
+        <pc:cxnChg chg="del">
+          <ac:chgData name="Sai Sriram Duddu" userId="bb03187e-d4be-49a3-a01a-6c6b6c86d441" providerId="ADAL" clId="{E96AB373-B61F-4EA3-83A7-3DE95BC47E21}" dt="2025-01-09T13:27:03.414" v="390" actId="478"/>
+          <ac:cxnSpMkLst>
+            <pc:docMk/>
+            <pc:sldMk cId="670474956" sldId="273"/>
+            <ac:cxnSpMk id="16" creationId="{2A086F18-8F16-7B9A-7C0C-918C0C406348}"/>
+          </ac:cxnSpMkLst>
+        </pc:cxnChg>
+        <pc:cxnChg chg="add">
+          <ac:chgData name="Sai Sriram Duddu" userId="bb03187e-d4be-49a3-a01a-6c6b6c86d441" providerId="ADAL" clId="{E96AB373-B61F-4EA3-83A7-3DE95BC47E21}" dt="2025-01-09T13:28:33.827" v="412" actId="11529"/>
+          <ac:cxnSpMkLst>
+            <pc:docMk/>
+            <pc:sldMk cId="670474956" sldId="273"/>
+            <ac:cxnSpMk id="20" creationId="{4CF2ED4D-54B6-C95D-EF77-F94FF2D88812}"/>
+          </ac:cxnSpMkLst>
+        </pc:cxnChg>
+        <pc:cxnChg chg="add">
+          <ac:chgData name="Sai Sriram Duddu" userId="bb03187e-d4be-49a3-a01a-6c6b6c86d441" providerId="ADAL" clId="{E96AB373-B61F-4EA3-83A7-3DE95BC47E21}" dt="2025-01-09T13:28:42.320" v="415" actId="11529"/>
+          <ac:cxnSpMkLst>
+            <pc:docMk/>
+            <pc:sldMk cId="670474956" sldId="273"/>
+            <ac:cxnSpMk id="22" creationId="{5DD22811-3F51-C9EC-E8E3-126A6E065275}"/>
+          </ac:cxnSpMkLst>
+        </pc:cxnChg>
+      </pc:sldChg>
+      <pc:sldChg chg="addSp delSp modSp add mod ord">
+        <pc:chgData name="Sai Sriram Duddu" userId="bb03187e-d4be-49a3-a01a-6c6b6c86d441" providerId="ADAL" clId="{E96AB373-B61F-4EA3-83A7-3DE95BC47E21}" dt="2025-01-09T13:32:08.882" v="448"/>
+        <pc:sldMkLst>
+          <pc:docMk/>
+          <pc:sldMk cId="2063765822" sldId="274"/>
+        </pc:sldMkLst>
+        <pc:spChg chg="add mod">
+          <ac:chgData name="Sai Sriram Duddu" userId="bb03187e-d4be-49a3-a01a-6c6b6c86d441" providerId="ADAL" clId="{E96AB373-B61F-4EA3-83A7-3DE95BC47E21}" dt="2025-01-09T13:29:37.609" v="421" actId="1076"/>
+          <ac:spMkLst>
+            <pc:docMk/>
+            <pc:sldMk cId="2063765822" sldId="274"/>
+            <ac:spMk id="2" creationId="{DCABAF66-EDE9-0192-3B7E-2A0217FF3F62}"/>
+          </ac:spMkLst>
+        </pc:spChg>
+        <pc:spChg chg="del">
+          <ac:chgData name="Sai Sriram Duddu" userId="bb03187e-d4be-49a3-a01a-6c6b6c86d441" providerId="ADAL" clId="{E96AB373-B61F-4EA3-83A7-3DE95BC47E21}" dt="2025-01-09T13:29:18.054" v="416" actId="478"/>
+          <ac:spMkLst>
+            <pc:docMk/>
+            <pc:sldMk cId="2063765822" sldId="274"/>
+            <ac:spMk id="3" creationId="{41C99261-E536-99C5-0908-6A59A1D608F1}"/>
+          </ac:spMkLst>
+        </pc:spChg>
+        <pc:spChg chg="mod">
+          <ac:chgData name="Sai Sriram Duddu" userId="bb03187e-d4be-49a3-a01a-6c6b6c86d441" providerId="ADAL" clId="{E96AB373-B61F-4EA3-83A7-3DE95BC47E21}" dt="2025-01-09T13:30:40.537" v="435" actId="20577"/>
+          <ac:spMkLst>
+            <pc:docMk/>
+            <pc:sldMk cId="2063765822" sldId="274"/>
+            <ac:spMk id="10" creationId="{1BD62680-4FC5-9AF3-66EA-1AE2B430DDF9}"/>
+          </ac:spMkLst>
+        </pc:spChg>
+        <pc:spChg chg="mod">
+          <ac:chgData name="Sai Sriram Duddu" userId="bb03187e-d4be-49a3-a01a-6c6b6c86d441" providerId="ADAL" clId="{E96AB373-B61F-4EA3-83A7-3DE95BC47E21}" dt="2025-01-09T13:31:29.704" v="440" actId="14100"/>
+          <ac:spMkLst>
+            <pc:docMk/>
+            <pc:sldMk cId="2063765822" sldId="274"/>
+            <ac:spMk id="12" creationId="{28A62E25-9F78-1F61-335C-32F1EB069C23}"/>
+          </ac:spMkLst>
+        </pc:spChg>
+        <pc:picChg chg="del">
+          <ac:chgData name="Sai Sriram Duddu" userId="bb03187e-d4be-49a3-a01a-6c6b6c86d441" providerId="ADAL" clId="{E96AB373-B61F-4EA3-83A7-3DE95BC47E21}" dt="2025-01-09T13:29:18.054" v="416" actId="478"/>
+          <ac:picMkLst>
+            <pc:docMk/>
+            <pc:sldMk cId="2063765822" sldId="274"/>
+            <ac:picMk id="8" creationId="{51972F85-2E17-B504-D7E8-A49F107815BC}"/>
+          </ac:picMkLst>
+        </pc:picChg>
+        <pc:picChg chg="del">
+          <ac:chgData name="Sai Sriram Duddu" userId="bb03187e-d4be-49a3-a01a-6c6b6c86d441" providerId="ADAL" clId="{E96AB373-B61F-4EA3-83A7-3DE95BC47E21}" dt="2025-01-09T13:29:18.054" v="416" actId="478"/>
+          <ac:picMkLst>
+            <pc:docMk/>
+            <pc:sldMk cId="2063765822" sldId="274"/>
+            <ac:picMk id="9" creationId="{2ED4C184-074B-BA1C-E719-A4111113C51A}"/>
+          </ac:picMkLst>
+        </pc:picChg>
+        <pc:picChg chg="add mod">
+          <ac:chgData name="Sai Sriram Duddu" userId="bb03187e-d4be-49a3-a01a-6c6b6c86d441" providerId="ADAL" clId="{E96AB373-B61F-4EA3-83A7-3DE95BC47E21}" dt="2025-01-09T13:29:42.312" v="422" actId="1076"/>
+          <ac:picMkLst>
+            <pc:docMk/>
+            <pc:sldMk cId="2063765822" sldId="274"/>
+            <ac:picMk id="11" creationId="{C463DF88-C9A3-91BC-A2F1-1C8AD8D00722}"/>
+          </ac:picMkLst>
+        </pc:picChg>
+        <pc:picChg chg="add mod">
+          <ac:chgData name="Sai Sriram Duddu" userId="bb03187e-d4be-49a3-a01a-6c6b6c86d441" providerId="ADAL" clId="{E96AB373-B61F-4EA3-83A7-3DE95BC47E21}" dt="2025-01-09T13:31:44.296" v="443" actId="1076"/>
+          <ac:picMkLst>
+            <pc:docMk/>
+            <pc:sldMk cId="2063765822" sldId="274"/>
+            <ac:picMk id="13" creationId="{0F2B2308-8DAC-5D6E-0733-EDFAB46FF6CC}"/>
+          </ac:picMkLst>
+        </pc:picChg>
+        <pc:cxnChg chg="del mod">
+          <ac:chgData name="Sai Sriram Duddu" userId="bb03187e-d4be-49a3-a01a-6c6b6c86d441" providerId="ADAL" clId="{E96AB373-B61F-4EA3-83A7-3DE95BC47E21}" dt="2025-01-09T13:29:24.574" v="418" actId="478"/>
+          <ac:cxnSpMkLst>
+            <pc:docMk/>
+            <pc:sldMk cId="2063765822" sldId="274"/>
+            <ac:cxnSpMk id="14" creationId="{5254C703-187A-1A59-0106-97A30AC0D109}"/>
+          </ac:cxnSpMkLst>
+        </pc:cxnChg>
+        <pc:cxnChg chg="del">
+          <ac:chgData name="Sai Sriram Duddu" userId="bb03187e-d4be-49a3-a01a-6c6b6c86d441" providerId="ADAL" clId="{E96AB373-B61F-4EA3-83A7-3DE95BC47E21}" dt="2025-01-09T13:29:26.262" v="419" actId="478"/>
+          <ac:cxnSpMkLst>
+            <pc:docMk/>
+            <pc:sldMk cId="2063765822" sldId="274"/>
+            <ac:cxnSpMk id="16" creationId="{8DEE22CE-25C3-977E-A1D4-24075BF73BD7}"/>
+          </ac:cxnSpMkLst>
+        </pc:cxnChg>
+        <pc:cxnChg chg="add">
+          <ac:chgData name="Sai Sriram Duddu" userId="bb03187e-d4be-49a3-a01a-6c6b6c86d441" providerId="ADAL" clId="{E96AB373-B61F-4EA3-83A7-3DE95BC47E21}" dt="2025-01-09T13:31:38.033" v="441" actId="11529"/>
+          <ac:cxnSpMkLst>
+            <pc:docMk/>
+            <pc:sldMk cId="2063765822" sldId="274"/>
+            <ac:cxnSpMk id="17" creationId="{AAF35E1A-5194-9D9F-2682-F7A3E429548A}"/>
+          </ac:cxnSpMkLst>
+        </pc:cxnChg>
+        <pc:cxnChg chg="add">
+          <ac:chgData name="Sai Sriram Duddu" userId="bb03187e-d4be-49a3-a01a-6c6b6c86d441" providerId="ADAL" clId="{E96AB373-B61F-4EA3-83A7-3DE95BC47E21}" dt="2025-01-09T13:31:48.161" v="444" actId="11529"/>
+          <ac:cxnSpMkLst>
+            <pc:docMk/>
+            <pc:sldMk cId="2063765822" sldId="274"/>
+            <ac:cxnSpMk id="19" creationId="{4426ECB0-A761-1E45-FD81-0C1937EBAE9E}"/>
+          </ac:cxnSpMkLst>
+        </pc:cxnChg>
+      </pc:sldChg>
+      <pc:sldChg chg="addSp delSp modSp add mod">
+        <pc:chgData name="Sai Sriram Duddu" userId="bb03187e-d4be-49a3-a01a-6c6b6c86d441" providerId="ADAL" clId="{E96AB373-B61F-4EA3-83A7-3DE95BC47E21}" dt="2025-01-09T13:55:27.083" v="702" actId="1076"/>
+        <pc:sldMkLst>
+          <pc:docMk/>
+          <pc:sldMk cId="1283401701" sldId="275"/>
+        </pc:sldMkLst>
+        <pc:spChg chg="del mod">
+          <ac:chgData name="Sai Sriram Duddu" userId="bb03187e-d4be-49a3-a01a-6c6b6c86d441" providerId="ADAL" clId="{E96AB373-B61F-4EA3-83A7-3DE95BC47E21}" dt="2025-01-09T13:34:51.471" v="457" actId="478"/>
+          <ac:spMkLst>
+            <pc:docMk/>
+            <pc:sldMk cId="1283401701" sldId="275"/>
+            <ac:spMk id="2" creationId="{9C3F2D07-59EE-6C1E-0ADA-345782929758}"/>
+          </ac:spMkLst>
+        </pc:spChg>
+        <pc:spChg chg="add mod">
+          <ac:chgData name="Sai Sriram Duddu" userId="bb03187e-d4be-49a3-a01a-6c6b6c86d441" providerId="ADAL" clId="{E96AB373-B61F-4EA3-83A7-3DE95BC47E21}" dt="2025-01-09T13:43:56.289" v="553" actId="20577"/>
+          <ac:spMkLst>
+            <pc:docMk/>
+            <pc:sldMk cId="1283401701" sldId="275"/>
+            <ac:spMk id="3" creationId="{7D2B292F-34C4-1A3D-4AF1-08FE797A1CDB}"/>
+          </ac:spMkLst>
+        </pc:spChg>
+        <pc:spChg chg="add mod">
+          <ac:chgData name="Sai Sriram Duddu" userId="bb03187e-d4be-49a3-a01a-6c6b6c86d441" providerId="ADAL" clId="{E96AB373-B61F-4EA3-83A7-3DE95BC47E21}" dt="2025-01-09T13:54:43.371" v="676" actId="1076"/>
+          <ac:spMkLst>
+            <pc:docMk/>
+            <pc:sldMk cId="1283401701" sldId="275"/>
+            <ac:spMk id="8" creationId="{6D47A8F4-97BD-B621-55CA-A442789D2CA5}"/>
+          </ac:spMkLst>
+        </pc:spChg>
+        <pc:spChg chg="add mod">
+          <ac:chgData name="Sai Sriram Duddu" userId="bb03187e-d4be-49a3-a01a-6c6b6c86d441" providerId="ADAL" clId="{E96AB373-B61F-4EA3-83A7-3DE95BC47E21}" dt="2025-01-09T13:54:56.404" v="698" actId="1076"/>
+          <ac:spMkLst>
+            <pc:docMk/>
+            <pc:sldMk cId="1283401701" sldId="275"/>
+            <ac:spMk id="9" creationId="{73253B17-1EF3-7F91-6843-445B577C5BA0}"/>
+          </ac:spMkLst>
+        </pc:spChg>
+        <pc:spChg chg="del">
+          <ac:chgData name="Sai Sriram Duddu" userId="bb03187e-d4be-49a3-a01a-6c6b6c86d441" providerId="ADAL" clId="{E96AB373-B61F-4EA3-83A7-3DE95BC47E21}" dt="2025-01-09T13:34:51.471" v="457" actId="478"/>
+          <ac:spMkLst>
+            <pc:docMk/>
+            <pc:sldMk cId="1283401701" sldId="275"/>
+            <ac:spMk id="10" creationId="{4264036A-F896-0161-3DDE-555BD435D4B2}"/>
+          </ac:spMkLst>
+        </pc:spChg>
+        <pc:spChg chg="del">
+          <ac:chgData name="Sai Sriram Duddu" userId="bb03187e-d4be-49a3-a01a-6c6b6c86d441" providerId="ADAL" clId="{E96AB373-B61F-4EA3-83A7-3DE95BC47E21}" dt="2025-01-09T13:34:51.471" v="457" actId="478"/>
+          <ac:spMkLst>
+            <pc:docMk/>
+            <pc:sldMk cId="1283401701" sldId="275"/>
+            <ac:spMk id="12" creationId="{56A7C694-5C5D-CC8C-0F1A-588D4880F70E}"/>
+          </ac:spMkLst>
+        </pc:spChg>
+        <pc:picChg chg="del mod">
+          <ac:chgData name="Sai Sriram Duddu" userId="bb03187e-d4be-49a3-a01a-6c6b6c86d441" providerId="ADAL" clId="{E96AB373-B61F-4EA3-83A7-3DE95BC47E21}" dt="2025-01-09T13:34:54.582" v="460" actId="478"/>
+          <ac:picMkLst>
+            <pc:docMk/>
+            <pc:sldMk cId="1283401701" sldId="275"/>
+            <ac:picMk id="11" creationId="{29F815B0-67B0-44BA-5E29-9CD64E568A59}"/>
+          </ac:picMkLst>
+        </pc:picChg>
+        <pc:picChg chg="del">
+          <ac:chgData name="Sai Sriram Duddu" userId="bb03187e-d4be-49a3-a01a-6c6b6c86d441" providerId="ADAL" clId="{E96AB373-B61F-4EA3-83A7-3DE95BC47E21}" dt="2025-01-09T13:34:51.471" v="457" actId="478"/>
+          <ac:picMkLst>
+            <pc:docMk/>
+            <pc:sldMk cId="1283401701" sldId="275"/>
+            <ac:picMk id="13" creationId="{3BE88053-8DF3-226F-8BF7-6FF79EE30804}"/>
+          </ac:picMkLst>
+        </pc:picChg>
+        <pc:picChg chg="add mod">
+          <ac:chgData name="Sai Sriram Duddu" userId="bb03187e-d4be-49a3-a01a-6c6b6c86d441" providerId="ADAL" clId="{E96AB373-B61F-4EA3-83A7-3DE95BC47E21}" dt="2025-01-09T13:51:43.549" v="638" actId="1076"/>
+          <ac:picMkLst>
+            <pc:docMk/>
+            <pc:sldMk cId="1283401701" sldId="275"/>
+            <ac:picMk id="15" creationId="{20F5CA2A-8086-E3A8-0205-F2B77BC98988}"/>
+          </ac:picMkLst>
+        </pc:picChg>
+        <pc:picChg chg="add del">
+          <ac:chgData name="Sai Sriram Duddu" userId="bb03187e-d4be-49a3-a01a-6c6b6c86d441" providerId="ADAL" clId="{E96AB373-B61F-4EA3-83A7-3DE95BC47E21}" dt="2025-01-09T13:50:27.837" v="629" actId="22"/>
+          <ac:picMkLst>
+            <pc:docMk/>
+            <pc:sldMk cId="1283401701" sldId="275"/>
+            <ac:picMk id="21" creationId="{ADB237F9-6FF9-4937-793A-EAD2E154B6DB}"/>
+          </ac:picMkLst>
+        </pc:picChg>
+        <pc:picChg chg="add mod">
+          <ac:chgData name="Sai Sriram Duddu" userId="bb03187e-d4be-49a3-a01a-6c6b6c86d441" providerId="ADAL" clId="{E96AB373-B61F-4EA3-83A7-3DE95BC47E21}" dt="2025-01-09T13:54:00.044" v="643" actId="1076"/>
+          <ac:picMkLst>
+            <pc:docMk/>
+            <pc:sldMk cId="1283401701" sldId="275"/>
+            <ac:picMk id="23" creationId="{357B656E-70EA-6DBF-0B69-B6E2C90672F7}"/>
+          </ac:picMkLst>
+        </pc:picChg>
+        <pc:picChg chg="add mod">
+          <ac:chgData name="Sai Sriram Duddu" userId="bb03187e-d4be-49a3-a01a-6c6b6c86d441" providerId="ADAL" clId="{E96AB373-B61F-4EA3-83A7-3DE95BC47E21}" dt="2025-01-09T13:50:55.844" v="637" actId="1076"/>
+          <ac:picMkLst>
+            <pc:docMk/>
+            <pc:sldMk cId="1283401701" sldId="275"/>
+            <ac:picMk id="2050" creationId="{37466CE9-3E9C-93FC-CA58-1C409C316BEA}"/>
+          </ac:picMkLst>
+        </pc:picChg>
+        <pc:cxnChg chg="del">
+          <ac:chgData name="Sai Sriram Duddu" userId="bb03187e-d4be-49a3-a01a-6c6b6c86d441" providerId="ADAL" clId="{E96AB373-B61F-4EA3-83A7-3DE95BC47E21}" dt="2025-01-09T13:34:51.471" v="457" actId="478"/>
+          <ac:cxnSpMkLst>
+            <pc:docMk/>
+            <pc:sldMk cId="1283401701" sldId="275"/>
+            <ac:cxnSpMk id="17" creationId="{3A1324BF-B808-4CE3-A5AD-449E1BF06A34}"/>
+          </ac:cxnSpMkLst>
+        </pc:cxnChg>
+        <pc:cxnChg chg="add mod">
+          <ac:chgData name="Sai Sriram Duddu" userId="bb03187e-d4be-49a3-a01a-6c6b6c86d441" providerId="ADAL" clId="{E96AB373-B61F-4EA3-83A7-3DE95BC47E21}" dt="2025-01-09T13:55:27.083" v="702" actId="1076"/>
+          <ac:cxnSpMkLst>
+            <pc:docMk/>
+            <pc:sldMk cId="1283401701" sldId="275"/>
+            <ac:cxnSpMk id="18" creationId="{D93815BB-E3B0-A461-24D5-F7D841A794A9}"/>
+          </ac:cxnSpMkLst>
+        </pc:cxnChg>
+        <pc:cxnChg chg="del">
+          <ac:chgData name="Sai Sriram Duddu" userId="bb03187e-d4be-49a3-a01a-6c6b6c86d441" providerId="ADAL" clId="{E96AB373-B61F-4EA3-83A7-3DE95BC47E21}" dt="2025-01-09T13:34:51.471" v="457" actId="478"/>
+          <ac:cxnSpMkLst>
+            <pc:docMk/>
+            <pc:sldMk cId="1283401701" sldId="275"/>
+            <ac:cxnSpMk id="19" creationId="{E96B3EAE-91D6-7C5E-E655-81A04C228F19}"/>
+          </ac:cxnSpMkLst>
+        </pc:cxnChg>
+      </pc:sldChg>
+      <pc:sldChg chg="delSp modSp add del mod">
+        <pc:chgData name="Sai Sriram Duddu" userId="bb03187e-d4be-49a3-a01a-6c6b6c86d441" providerId="ADAL" clId="{E96AB373-B61F-4EA3-83A7-3DE95BC47E21}" dt="2025-01-09T14:00:37.401" v="816" actId="47"/>
+        <pc:sldMkLst>
+          <pc:docMk/>
+          <pc:sldMk cId="1318784169" sldId="276"/>
+        </pc:sldMkLst>
+        <pc:spChg chg="del mod">
+          <ac:chgData name="Sai Sriram Duddu" userId="bb03187e-d4be-49a3-a01a-6c6b6c86d441" providerId="ADAL" clId="{E96AB373-B61F-4EA3-83A7-3DE95BC47E21}" dt="2025-01-09T13:35:19.679" v="470" actId="478"/>
+          <ac:spMkLst>
+            <pc:docMk/>
+            <pc:sldMk cId="1318784169" sldId="276"/>
+            <ac:spMk id="2" creationId="{08363299-62CC-E3B4-6C16-875F2E06EFA9}"/>
+          </ac:spMkLst>
+        </pc:spChg>
+        <pc:spChg chg="del">
+          <ac:chgData name="Sai Sriram Duddu" userId="bb03187e-d4be-49a3-a01a-6c6b6c86d441" providerId="ADAL" clId="{E96AB373-B61F-4EA3-83A7-3DE95BC47E21}" dt="2025-01-09T13:35:15.136" v="465" actId="478"/>
+          <ac:spMkLst>
+            <pc:docMk/>
+            <pc:sldMk cId="1318784169" sldId="276"/>
+            <ac:spMk id="10" creationId="{5CE0CBE0-0DC4-0A11-D84A-08AE224FB670}"/>
+          </ac:spMkLst>
+        </pc:spChg>
+        <pc:spChg chg="del">
+          <ac:chgData name="Sai Sriram Duddu" userId="bb03187e-d4be-49a3-a01a-6c6b6c86d441" providerId="ADAL" clId="{E96AB373-B61F-4EA3-83A7-3DE95BC47E21}" dt="2025-01-09T13:35:15.136" v="465" actId="478"/>
+          <ac:spMkLst>
+            <pc:docMk/>
+            <pc:sldMk cId="1318784169" sldId="276"/>
+            <ac:spMk id="12" creationId="{E85C1B17-8112-199D-2481-085F4F0862EA}"/>
+          </ac:spMkLst>
+        </pc:spChg>
+        <pc:picChg chg="del">
+          <ac:chgData name="Sai Sriram Duddu" userId="bb03187e-d4be-49a3-a01a-6c6b6c86d441" providerId="ADAL" clId="{E96AB373-B61F-4EA3-83A7-3DE95BC47E21}" dt="2025-01-09T13:35:18.198" v="468" actId="478"/>
+          <ac:picMkLst>
+            <pc:docMk/>
+            <pc:sldMk cId="1318784169" sldId="276"/>
+            <ac:picMk id="11" creationId="{5BABAE98-B689-BB73-9E28-7B09061AA5A9}"/>
+          </ac:picMkLst>
+        </pc:picChg>
+        <pc:picChg chg="del mod">
+          <ac:chgData name="Sai Sriram Duddu" userId="bb03187e-d4be-49a3-a01a-6c6b6c86d441" providerId="ADAL" clId="{E96AB373-B61F-4EA3-83A7-3DE95BC47E21}" dt="2025-01-09T13:35:17.567" v="467" actId="478"/>
+          <ac:picMkLst>
+            <pc:docMk/>
+            <pc:sldMk cId="1318784169" sldId="276"/>
+            <ac:picMk id="13" creationId="{88143C87-AC55-C88A-A490-7823D044BEAE}"/>
+          </ac:picMkLst>
+        </pc:picChg>
+        <pc:cxnChg chg="del">
+          <ac:chgData name="Sai Sriram Duddu" userId="bb03187e-d4be-49a3-a01a-6c6b6c86d441" providerId="ADAL" clId="{E96AB373-B61F-4EA3-83A7-3DE95BC47E21}" dt="2025-01-09T13:35:15.136" v="465" actId="478"/>
+          <ac:cxnSpMkLst>
+            <pc:docMk/>
+            <pc:sldMk cId="1318784169" sldId="276"/>
+            <ac:cxnSpMk id="17" creationId="{1003B2FF-6A4E-9A35-1FB8-F4CB1926E8B2}"/>
+          </ac:cxnSpMkLst>
+        </pc:cxnChg>
+        <pc:cxnChg chg="del">
+          <ac:chgData name="Sai Sriram Duddu" userId="bb03187e-d4be-49a3-a01a-6c6b6c86d441" providerId="ADAL" clId="{E96AB373-B61F-4EA3-83A7-3DE95BC47E21}" dt="2025-01-09T13:35:15.136" v="465" actId="478"/>
+          <ac:cxnSpMkLst>
+            <pc:docMk/>
+            <pc:sldMk cId="1318784169" sldId="276"/>
+            <ac:cxnSpMk id="19" creationId="{6B66DF55-F3B5-8D91-B81E-AE5ACA7E4C4C}"/>
+          </ac:cxnSpMkLst>
+        </pc:cxnChg>
+      </pc:sldChg>
+      <pc:sldChg chg="addSp delSp modSp add mod">
+        <pc:chgData name="Sai Sriram Duddu" userId="bb03187e-d4be-49a3-a01a-6c6b6c86d441" providerId="ADAL" clId="{E96AB373-B61F-4EA3-83A7-3DE95BC47E21}" dt="2025-01-09T14:13:03.365" v="937" actId="1076"/>
+        <pc:sldMkLst>
+          <pc:docMk/>
+          <pc:sldMk cId="2596441653" sldId="277"/>
+        </pc:sldMkLst>
+        <pc:spChg chg="del mod">
+          <ac:chgData name="Sai Sriram Duddu" userId="bb03187e-d4be-49a3-a01a-6c6b6c86d441" providerId="ADAL" clId="{E96AB373-B61F-4EA3-83A7-3DE95BC47E21}" dt="2025-01-09T13:35:01.014" v="462" actId="478"/>
+          <ac:spMkLst>
+            <pc:docMk/>
+            <pc:sldMk cId="2596441653" sldId="277"/>
+            <ac:spMk id="2" creationId="{D696C592-85B4-B94C-690E-77B855C6DE13}"/>
+          </ac:spMkLst>
+        </pc:spChg>
+        <pc:spChg chg="add mod">
+          <ac:chgData name="Sai Sriram Duddu" userId="bb03187e-d4be-49a3-a01a-6c6b6c86d441" providerId="ADAL" clId="{E96AB373-B61F-4EA3-83A7-3DE95BC47E21}" dt="2025-01-09T13:59:53.389" v="799" actId="113"/>
+          <ac:spMkLst>
+            <pc:docMk/>
+            <pc:sldMk cId="2596441653" sldId="277"/>
+            <ac:spMk id="3" creationId="{BBB917D0-0BBF-51BC-1F49-8A80531264A7}"/>
+          </ac:spMkLst>
+        </pc:spChg>
+        <pc:spChg chg="add del mod">
+          <ac:chgData name="Sai Sriram Duddu" userId="bb03187e-d4be-49a3-a01a-6c6b6c86d441" providerId="ADAL" clId="{E96AB373-B61F-4EA3-83A7-3DE95BC47E21}" dt="2025-01-09T13:58:33.810" v="792" actId="478"/>
+          <ac:spMkLst>
+            <pc:docMk/>
+            <pc:sldMk cId="2596441653" sldId="277"/>
+            <ac:spMk id="9" creationId="{577442B0-43E9-ED0E-E156-42B6B3B9E49E}"/>
+          </ac:spMkLst>
+        </pc:spChg>
+        <pc:spChg chg="del">
+          <ac:chgData name="Sai Sriram Duddu" userId="bb03187e-d4be-49a3-a01a-6c6b6c86d441" providerId="ADAL" clId="{E96AB373-B61F-4EA3-83A7-3DE95BC47E21}" dt="2025-01-09T13:35:01.014" v="462" actId="478"/>
+          <ac:spMkLst>
+            <pc:docMk/>
+            <pc:sldMk cId="2596441653" sldId="277"/>
+            <ac:spMk id="10" creationId="{FF02E4E6-2E84-56AB-AD22-2C1DEDDA73BE}"/>
+          </ac:spMkLst>
+        </pc:spChg>
+        <pc:spChg chg="del">
+          <ac:chgData name="Sai Sriram Duddu" userId="bb03187e-d4be-49a3-a01a-6c6b6c86d441" providerId="ADAL" clId="{E96AB373-B61F-4EA3-83A7-3DE95BC47E21}" dt="2025-01-09T13:35:01.014" v="462" actId="478"/>
+          <ac:spMkLst>
+            <pc:docMk/>
+            <pc:sldMk cId="2596441653" sldId="277"/>
+            <ac:spMk id="12" creationId="{10BB2F3B-9EE1-CD20-2D66-F0D18555556C}"/>
+          </ac:spMkLst>
+        </pc:spChg>
+        <pc:spChg chg="add">
+          <ac:chgData name="Sai Sriram Duddu" userId="bb03187e-d4be-49a3-a01a-6c6b6c86d441" providerId="ADAL" clId="{E96AB373-B61F-4EA3-83A7-3DE95BC47E21}" dt="2025-01-09T13:59:10.943" v="793"/>
+          <ac:spMkLst>
+            <pc:docMk/>
+            <pc:sldMk cId="2596441653" sldId="277"/>
+            <ac:spMk id="14" creationId="{3BBBA1EB-BFCD-FA63-4BBA-74CA6235B0BA}"/>
+          </ac:spMkLst>
+        </pc:spChg>
+        <pc:spChg chg="add mod">
+          <ac:chgData name="Sai Sriram Duddu" userId="bb03187e-d4be-49a3-a01a-6c6b6c86d441" providerId="ADAL" clId="{E96AB373-B61F-4EA3-83A7-3DE95BC47E21}" dt="2025-01-09T14:01:08.644" v="817" actId="1076"/>
+          <ac:spMkLst>
+            <pc:docMk/>
+            <pc:sldMk cId="2596441653" sldId="277"/>
+            <ac:spMk id="15" creationId="{501DC68D-2E61-151C-72C1-63F4F7BBCBE3}"/>
+          </ac:spMkLst>
+        </pc:spChg>
+        <pc:spChg chg="add mod">
+          <ac:chgData name="Sai Sriram Duddu" userId="bb03187e-d4be-49a3-a01a-6c6b6c86d441" providerId="ADAL" clId="{E96AB373-B61F-4EA3-83A7-3DE95BC47E21}" dt="2025-01-09T14:02:17.229" v="844" actId="1076"/>
+          <ac:spMkLst>
+            <pc:docMk/>
+            <pc:sldMk cId="2596441653" sldId="277"/>
+            <ac:spMk id="16" creationId="{82978255-A155-4721-804A-1F97A632673D}"/>
+          </ac:spMkLst>
+        </pc:spChg>
+        <pc:spChg chg="add mod">
+          <ac:chgData name="Sai Sriram Duddu" userId="bb03187e-d4be-49a3-a01a-6c6b6c86d441" providerId="ADAL" clId="{E96AB373-B61F-4EA3-83A7-3DE95BC47E21}" dt="2025-01-09T14:06:48.749" v="930" actId="20577"/>
+          <ac:spMkLst>
+            <pc:docMk/>
+            <pc:sldMk cId="2596441653" sldId="277"/>
+            <ac:spMk id="20" creationId="{A9CF81FF-4E1C-1F4E-A40C-FAC0D0B59D35}"/>
+          </ac:spMkLst>
+        </pc:spChg>
+        <pc:spChg chg="add mod">
+          <ac:chgData name="Sai Sriram Duddu" userId="bb03187e-d4be-49a3-a01a-6c6b6c86d441" providerId="ADAL" clId="{E96AB373-B61F-4EA3-83A7-3DE95BC47E21}" dt="2025-01-09T14:13:03.365" v="937" actId="1076"/>
+          <ac:spMkLst>
+            <pc:docMk/>
+            <pc:sldMk cId="2596441653" sldId="277"/>
+            <ac:spMk id="21" creationId="{6035F593-A8D8-C5B2-748F-219765A7F0C5}"/>
+          </ac:spMkLst>
+        </pc:spChg>
+        <pc:picChg chg="del mod">
+          <ac:chgData name="Sai Sriram Duddu" userId="bb03187e-d4be-49a3-a01a-6c6b6c86d441" providerId="ADAL" clId="{E96AB373-B61F-4EA3-83A7-3DE95BC47E21}" dt="2025-01-09T13:35:04.830" v="464" actId="478"/>
+          <ac:picMkLst>
+            <pc:docMk/>
+            <pc:sldMk cId="2596441653" sldId="277"/>
+            <ac:picMk id="11" creationId="{CACA2058-689F-1411-FC36-9A000E756EB6}"/>
+          </ac:picMkLst>
+        </pc:picChg>
+        <pc:picChg chg="del">
+          <ac:chgData name="Sai Sriram Duddu" userId="bb03187e-d4be-49a3-a01a-6c6b6c86d441" providerId="ADAL" clId="{E96AB373-B61F-4EA3-83A7-3DE95BC47E21}" dt="2025-01-09T13:35:01.014" v="462" actId="478"/>
+          <ac:picMkLst>
+            <pc:docMk/>
+            <pc:sldMk cId="2596441653" sldId="277"/>
+            <ac:picMk id="13" creationId="{FE4160E3-20D6-ED99-566E-F2BBA7C2A3D4}"/>
+          </ac:picMkLst>
+        </pc:picChg>
+        <pc:picChg chg="add mod">
+          <ac:chgData name="Sai Sriram Duddu" userId="bb03187e-d4be-49a3-a01a-6c6b6c86d441" providerId="ADAL" clId="{E96AB373-B61F-4EA3-83A7-3DE95BC47E21}" dt="2025-01-09T14:01:27.268" v="823" actId="1076"/>
+          <ac:picMkLst>
+            <pc:docMk/>
+            <pc:sldMk cId="2596441653" sldId="277"/>
+            <ac:picMk id="5124" creationId="{BD51FBD1-8A1E-1BED-4091-83BEC7FEB12D}"/>
+          </ac:picMkLst>
+        </pc:picChg>
+        <pc:cxnChg chg="del">
+          <ac:chgData name="Sai Sriram Duddu" userId="bb03187e-d4be-49a3-a01a-6c6b6c86d441" providerId="ADAL" clId="{E96AB373-B61F-4EA3-83A7-3DE95BC47E21}" dt="2025-01-09T13:35:01.014" v="462" actId="478"/>
+          <ac:cxnSpMkLst>
+            <pc:docMk/>
+            <pc:sldMk cId="2596441653" sldId="277"/>
+            <ac:cxnSpMk id="17" creationId="{34E0B0F8-8065-E58C-3A16-755B14784EE0}"/>
+          </ac:cxnSpMkLst>
+        </pc:cxnChg>
+        <pc:cxnChg chg="del">
+          <ac:chgData name="Sai Sriram Duddu" userId="bb03187e-d4be-49a3-a01a-6c6b6c86d441" providerId="ADAL" clId="{E96AB373-B61F-4EA3-83A7-3DE95BC47E21}" dt="2025-01-09T13:35:01.014" v="462" actId="478"/>
+          <ac:cxnSpMkLst>
+            <pc:docMk/>
+            <pc:sldMk cId="2596441653" sldId="277"/>
+            <ac:cxnSpMk id="19" creationId="{00D435E4-30D8-420A-279D-AD6D35D20771}"/>
+          </ac:cxnSpMkLst>
+        </pc:cxnChg>
+      </pc:sldChg>
+      <pc:sldChg chg="addSp delSp modSp add mod">
+        <pc:chgData name="Sai Sriram Duddu" userId="bb03187e-d4be-49a3-a01a-6c6b6c86d441" providerId="ADAL" clId="{E96AB373-B61F-4EA3-83A7-3DE95BC47E21}" dt="2025-01-09T14:50:21.503" v="1320" actId="20577"/>
+        <pc:sldMkLst>
+          <pc:docMk/>
+          <pc:sldMk cId="3810090279" sldId="279"/>
+        </pc:sldMkLst>
+        <pc:spChg chg="add mod">
+          <ac:chgData name="Sai Sriram Duddu" userId="bb03187e-d4be-49a3-a01a-6c6b6c86d441" providerId="ADAL" clId="{E96AB373-B61F-4EA3-83A7-3DE95BC47E21}" dt="2025-01-09T14:46:19.293" v="1216" actId="20577"/>
+          <ac:spMkLst>
+            <pc:docMk/>
+            <pc:sldMk cId="3810090279" sldId="279"/>
+            <ac:spMk id="2" creationId="{6E69ADDE-BEC8-4B8A-169F-81101E2AA529}"/>
+          </ac:spMkLst>
+        </pc:spChg>
+        <pc:spChg chg="del mod">
+          <ac:chgData name="Sai Sriram Duddu" userId="bb03187e-d4be-49a3-a01a-6c6b6c86d441" providerId="ADAL" clId="{E96AB373-B61F-4EA3-83A7-3DE95BC47E21}" dt="2025-01-09T14:43:12.846" v="940" actId="478"/>
+          <ac:spMkLst>
+            <pc:docMk/>
+            <pc:sldMk cId="3810090279" sldId="279"/>
+            <ac:spMk id="3" creationId="{063101F0-5213-5845-6CE4-EC71E0D78AE2}"/>
+          </ac:spMkLst>
+        </pc:spChg>
+        <pc:spChg chg="add mod">
+          <ac:chgData name="Sai Sriram Duddu" userId="bb03187e-d4be-49a3-a01a-6c6b6c86d441" providerId="ADAL" clId="{E96AB373-B61F-4EA3-83A7-3DE95BC47E21}" dt="2025-01-09T14:50:21.503" v="1320" actId="20577"/>
+          <ac:spMkLst>
+            <pc:docMk/>
+            <pc:sldMk cId="3810090279" sldId="279"/>
+            <ac:spMk id="8" creationId="{042964CC-CE56-9D8D-3B65-7DFC55BCB622}"/>
+          </ac:spMkLst>
+        </pc:spChg>
+        <pc:spChg chg="add mod">
+          <ac:chgData name="Sai Sriram Duddu" userId="bb03187e-d4be-49a3-a01a-6c6b6c86d441" providerId="ADAL" clId="{E96AB373-B61F-4EA3-83A7-3DE95BC47E21}" dt="2025-01-09T14:50:02.941" v="1307" actId="20577"/>
+          <ac:spMkLst>
+            <pc:docMk/>
+            <pc:sldMk cId="3810090279" sldId="279"/>
+            <ac:spMk id="10" creationId="{5187DC89-3A0B-DC4D-4C1E-DB74287A61D0}"/>
+          </ac:spMkLst>
+        </pc:spChg>
+        <pc:spChg chg="add mod">
+          <ac:chgData name="Sai Sriram Duddu" userId="bb03187e-d4be-49a3-a01a-6c6b6c86d441" providerId="ADAL" clId="{E96AB373-B61F-4EA3-83A7-3DE95BC47E21}" dt="2025-01-09T14:49:44.294" v="1296" actId="1076"/>
+          <ac:spMkLst>
+            <pc:docMk/>
+            <pc:sldMk cId="3810090279" sldId="279"/>
+            <ac:spMk id="12" creationId="{06D0DA69-99B5-B09B-15FF-73C20032E9AC}"/>
+          </ac:spMkLst>
+        </pc:spChg>
+        <pc:spChg chg="del">
+          <ac:chgData name="Sai Sriram Duddu" userId="bb03187e-d4be-49a3-a01a-6c6b6c86d441" providerId="ADAL" clId="{E96AB373-B61F-4EA3-83A7-3DE95BC47E21}" dt="2025-01-09T14:43:12.846" v="940" actId="478"/>
+          <ac:spMkLst>
+            <pc:docMk/>
+            <pc:sldMk cId="3810090279" sldId="279"/>
+            <ac:spMk id="15" creationId="{2BF556B0-9B09-0A93-5E57-8DF502CE4FAD}"/>
+          </ac:spMkLst>
+        </pc:spChg>
+        <pc:spChg chg="del">
+          <ac:chgData name="Sai Sriram Duddu" userId="bb03187e-d4be-49a3-a01a-6c6b6c86d441" providerId="ADAL" clId="{E96AB373-B61F-4EA3-83A7-3DE95BC47E21}" dt="2025-01-09T14:43:18.547" v="942" actId="478"/>
+          <ac:spMkLst>
+            <pc:docMk/>
+            <pc:sldMk cId="3810090279" sldId="279"/>
+            <ac:spMk id="16" creationId="{BE371451-555F-1461-48EC-EB9BD7880B4A}"/>
+          </ac:spMkLst>
+        </pc:spChg>
+        <pc:spChg chg="del">
+          <ac:chgData name="Sai Sriram Duddu" userId="bb03187e-d4be-49a3-a01a-6c6b6c86d441" providerId="ADAL" clId="{E96AB373-B61F-4EA3-83A7-3DE95BC47E21}" dt="2025-01-09T14:43:18.547" v="942" actId="478"/>
+          <ac:spMkLst>
+            <pc:docMk/>
+            <pc:sldMk cId="3810090279" sldId="279"/>
+            <ac:spMk id="20" creationId="{4BCD4D4B-9231-545A-31E2-413254BE6147}"/>
+          </ac:spMkLst>
+        </pc:spChg>
+        <pc:spChg chg="del">
+          <ac:chgData name="Sai Sriram Duddu" userId="bb03187e-d4be-49a3-a01a-6c6b6c86d441" providerId="ADAL" clId="{E96AB373-B61F-4EA3-83A7-3DE95BC47E21}" dt="2025-01-09T14:43:25.245" v="943" actId="478"/>
+          <ac:spMkLst>
+            <pc:docMk/>
+            <pc:sldMk cId="3810090279" sldId="279"/>
+            <ac:spMk id="21" creationId="{EE61B8D0-BA8A-586C-56D9-B3DDBC7E6E9C}"/>
+          </ac:spMkLst>
+        </pc:spChg>
+        <pc:picChg chg="del">
+          <ac:chgData name="Sai Sriram Duddu" userId="bb03187e-d4be-49a3-a01a-6c6b6c86d441" providerId="ADAL" clId="{E96AB373-B61F-4EA3-83A7-3DE95BC47E21}" dt="2025-01-09T14:43:15.178" v="941" actId="478"/>
+          <ac:picMkLst>
+            <pc:docMk/>
+            <pc:sldMk cId="3810090279" sldId="279"/>
+            <ac:picMk id="5124" creationId="{2C6F4862-2270-B5F4-3FE9-A8F9BD839DA4}"/>
+          </ac:picMkLst>
+        </pc:picChg>
+        <pc:picChg chg="add mod">
+          <ac:chgData name="Sai Sriram Duddu" userId="bb03187e-d4be-49a3-a01a-6c6b6c86d441" providerId="ADAL" clId="{E96AB373-B61F-4EA3-83A7-3DE95BC47E21}" dt="2025-01-09T14:47:12.811" v="1220" actId="1076"/>
+          <ac:picMkLst>
+            <pc:docMk/>
+            <pc:sldMk cId="3810090279" sldId="279"/>
+            <ac:picMk id="7170" creationId="{4AF9E9D6-586A-A355-B765-02657FC2F3B6}"/>
+          </ac:picMkLst>
+        </pc:picChg>
+      </pc:sldChg>
+      <pc:sldChg chg="add del">
+        <pc:chgData name="Sai Sriram Duddu" userId="bb03187e-d4be-49a3-a01a-6c6b6c86d441" providerId="ADAL" clId="{E96AB373-B61F-4EA3-83A7-3DE95BC47E21}" dt="2025-01-09T14:46:42.847" v="1218"/>
+        <pc:sldMkLst>
+          <pc:docMk/>
+          <pc:sldMk cId="2190267309" sldId="280"/>
+        </pc:sldMkLst>
+      </pc:sldChg>
+      <pc:sldChg chg="add del">
+        <pc:chgData name="Sai Sriram Duddu" userId="bb03187e-d4be-49a3-a01a-6c6b6c86d441" providerId="ADAL" clId="{E96AB373-B61F-4EA3-83A7-3DE95BC47E21}" dt="2025-01-09T14:43:29.276" v="945"/>
+        <pc:sldMkLst>
+          <pc:docMk/>
+          <pc:sldMk cId="2798815631" sldId="280"/>
+        </pc:sldMkLst>
+      </pc:sldChg>
+    </pc:docChg>
+  </pc:docChgLst>
+  <pc:docChgLst>
     <pc:chgData name="Sai Sriram Duddu" userId="S::sai.duddu@iit.it::bb03187e-d4be-49a3-a01a-6c6b6c86d441" providerId="AD" clId="Web-{95F4D8A7-1DF3-7E0F-ED4F-938CE8AC7FF9}"/>
     <pc:docChg chg="addSld delSld modSld sldOrd">
       <pc:chgData name="Sai Sriram Duddu" userId="S::sai.duddu@iit.it::bb03187e-d4be-49a3-a01a-6c6b6c86d441" providerId="AD" clId="Web-{95F4D8A7-1DF3-7E0F-ED4F-938CE8AC7FF9}" dt="2025-01-07T14:11:25.564" v="551" actId="20577"/>
@@ -302,1383 +1679,6 @@
       </pc:sldChg>
     </pc:docChg>
   </pc:docChgLst>
-  <pc:docChgLst>
-    <pc:chgData name="Sai Sriram Duddu" userId="bb03187e-d4be-49a3-a01a-6c6b6c86d441" providerId="ADAL" clId="{E96AB373-B61F-4EA3-83A7-3DE95BC47E21}"/>
-    <pc:docChg chg="undo custSel addSld delSld modSld sldOrd">
-      <pc:chgData name="Sai Sriram Duddu" userId="bb03187e-d4be-49a3-a01a-6c6b6c86d441" providerId="ADAL" clId="{E96AB373-B61F-4EA3-83A7-3DE95BC47E21}" dt="2025-01-09T14:59:47.164" v="1321" actId="729"/>
-      <pc:docMkLst>
-        <pc:docMk/>
-      </pc:docMkLst>
-      <pc:sldChg chg="add del mod modShow">
-        <pc:chgData name="Sai Sriram Duddu" userId="bb03187e-d4be-49a3-a01a-6c6b6c86d441" providerId="ADAL" clId="{E96AB373-B61F-4EA3-83A7-3DE95BC47E21}" dt="2025-01-09T13:07:41.167" v="47" actId="729"/>
-        <pc:sldMkLst>
-          <pc:docMk/>
-          <pc:sldMk cId="109857222" sldId="256"/>
-        </pc:sldMkLst>
-      </pc:sldChg>
-      <pc:sldChg chg="addSp modSp del mod">
-        <pc:chgData name="Sai Sriram Duddu" userId="bb03187e-d4be-49a3-a01a-6c6b6c86d441" providerId="ADAL" clId="{E96AB373-B61F-4EA3-83A7-3DE95BC47E21}" dt="2025-01-09T13:10:30.308" v="101" actId="47"/>
-        <pc:sldMkLst>
-          <pc:docMk/>
-          <pc:sldMk cId="1393826277" sldId="257"/>
-        </pc:sldMkLst>
-        <pc:spChg chg="mod">
-          <ac:chgData name="Sai Sriram Duddu" userId="bb03187e-d4be-49a3-a01a-6c6b6c86d441" providerId="ADAL" clId="{E96AB373-B61F-4EA3-83A7-3DE95BC47E21}" dt="2025-01-09T13:03:46.221" v="14" actId="1076"/>
-          <ac:spMkLst>
-            <pc:docMk/>
-            <pc:sldMk cId="1393826277" sldId="257"/>
-            <ac:spMk id="3" creationId="{BB793951-A8E2-1F75-7595-9FF33974F85B}"/>
-          </ac:spMkLst>
-        </pc:spChg>
-        <pc:spChg chg="mod">
-          <ac:chgData name="Sai Sriram Duddu" userId="bb03187e-d4be-49a3-a01a-6c6b6c86d441" providerId="ADAL" clId="{E96AB373-B61F-4EA3-83A7-3DE95BC47E21}" dt="2025-01-09T13:03:31.678" v="13" actId="14100"/>
-          <ac:spMkLst>
-            <pc:docMk/>
-            <pc:sldMk cId="1393826277" sldId="257"/>
-            <ac:spMk id="5" creationId="{5C3FB91F-E481-C596-ABA0-0F882E6D3636}"/>
-          </ac:spMkLst>
-        </pc:spChg>
-        <pc:spChg chg="add mod">
-          <ac:chgData name="Sai Sriram Duddu" userId="bb03187e-d4be-49a3-a01a-6c6b6c86d441" providerId="ADAL" clId="{E96AB373-B61F-4EA3-83A7-3DE95BC47E21}" dt="2025-01-09T13:03:06.110" v="7" actId="11529"/>
-          <ac:spMkLst>
-            <pc:docMk/>
-            <pc:sldMk cId="1393826277" sldId="257"/>
-            <ac:spMk id="6" creationId="{45283890-6C4C-B597-ACB5-5530150A5602}"/>
-          </ac:spMkLst>
-        </pc:spChg>
-        <pc:spChg chg="add mod">
-          <ac:chgData name="Sai Sriram Duddu" userId="bb03187e-d4be-49a3-a01a-6c6b6c86d441" providerId="ADAL" clId="{E96AB373-B61F-4EA3-83A7-3DE95BC47E21}" dt="2025-01-09T13:04:04.205" v="19" actId="1076"/>
-          <ac:spMkLst>
-            <pc:docMk/>
-            <pc:sldMk cId="1393826277" sldId="257"/>
-            <ac:spMk id="7" creationId="{B1F3989B-9AF8-4FBA-7393-0BA6BFBE25A1}"/>
-          </ac:spMkLst>
-        </pc:spChg>
-        <pc:spChg chg="add mod">
-          <ac:chgData name="Sai Sriram Duddu" userId="bb03187e-d4be-49a3-a01a-6c6b6c86d441" providerId="ADAL" clId="{E96AB373-B61F-4EA3-83A7-3DE95BC47E21}" dt="2025-01-09T13:04:08.253" v="20" actId="1076"/>
-          <ac:spMkLst>
-            <pc:docMk/>
-            <pc:sldMk cId="1393826277" sldId="257"/>
-            <ac:spMk id="8" creationId="{0CA2FAF0-764F-631D-8235-24B6FD58436A}"/>
-          </ac:spMkLst>
-        </pc:spChg>
-        <pc:picChg chg="add mod">
-          <ac:chgData name="Sai Sriram Duddu" userId="bb03187e-d4be-49a3-a01a-6c6b6c86d441" providerId="ADAL" clId="{E96AB373-B61F-4EA3-83A7-3DE95BC47E21}" dt="2025-01-09T13:04:24.604" v="21" actId="1076"/>
-          <ac:picMkLst>
-            <pc:docMk/>
-            <pc:sldMk cId="1393826277" sldId="257"/>
-            <ac:picMk id="1026" creationId="{66F9AE72-FB19-4D40-8A73-A2DC7FBC73BA}"/>
-          </ac:picMkLst>
-        </pc:picChg>
-        <pc:picChg chg="add mod">
-          <ac:chgData name="Sai Sriram Duddu" userId="bb03187e-d4be-49a3-a01a-6c6b6c86d441" providerId="ADAL" clId="{E96AB373-B61F-4EA3-83A7-3DE95BC47E21}" dt="2025-01-09T13:05:07.812" v="30" actId="1076"/>
-          <ac:picMkLst>
-            <pc:docMk/>
-            <pc:sldMk cId="1393826277" sldId="257"/>
-            <ac:picMk id="1028" creationId="{E32F6876-296E-B0CE-D791-39CB1AA7DF9E}"/>
-          </ac:picMkLst>
-        </pc:picChg>
-        <pc:picChg chg="add mod">
-          <ac:chgData name="Sai Sriram Duddu" userId="bb03187e-d4be-49a3-a01a-6c6b6c86d441" providerId="ADAL" clId="{E96AB373-B61F-4EA3-83A7-3DE95BC47E21}" dt="2025-01-09T13:06:21.219" v="40" actId="1076"/>
-          <ac:picMkLst>
-            <pc:docMk/>
-            <pc:sldMk cId="1393826277" sldId="257"/>
-            <ac:picMk id="1030" creationId="{280E3C3F-D140-4751-1A71-CCB646D46594}"/>
-          </ac:picMkLst>
-        </pc:picChg>
-      </pc:sldChg>
-      <pc:sldChg chg="addSp delSp modSp mod">
-        <pc:chgData name="Sai Sriram Duddu" userId="bb03187e-d4be-49a3-a01a-6c6b6c86d441" providerId="ADAL" clId="{E96AB373-B61F-4EA3-83A7-3DE95BC47E21}" dt="2025-01-09T13:15:23.625" v="144" actId="1076"/>
-        <pc:sldMkLst>
-          <pc:docMk/>
-          <pc:sldMk cId="3912054776" sldId="258"/>
-        </pc:sldMkLst>
-        <pc:spChg chg="mod">
-          <ac:chgData name="Sai Sriram Duddu" userId="bb03187e-d4be-49a3-a01a-6c6b6c86d441" providerId="ADAL" clId="{E96AB373-B61F-4EA3-83A7-3DE95BC47E21}" dt="2025-01-09T13:11:03.386" v="107" actId="1076"/>
-          <ac:spMkLst>
-            <pc:docMk/>
-            <pc:sldMk cId="3912054776" sldId="258"/>
-            <ac:spMk id="2" creationId="{89071A27-A478-2742-799B-F165819D68CB}"/>
-          </ac:spMkLst>
-        </pc:spChg>
-        <pc:spChg chg="add mod">
-          <ac:chgData name="Sai Sriram Duddu" userId="bb03187e-d4be-49a3-a01a-6c6b6c86d441" providerId="ADAL" clId="{E96AB373-B61F-4EA3-83A7-3DE95BC47E21}" dt="2025-01-09T13:10:47.154" v="103"/>
-          <ac:spMkLst>
-            <pc:docMk/>
-            <pc:sldMk cId="3912054776" sldId="258"/>
-            <ac:spMk id="7" creationId="{08F60B56-264E-9E0B-F2B8-68C2FFE270EE}"/>
-          </ac:spMkLst>
-        </pc:spChg>
-        <pc:spChg chg="add del mod">
-          <ac:chgData name="Sai Sriram Duddu" userId="bb03187e-d4be-49a3-a01a-6c6b6c86d441" providerId="ADAL" clId="{E96AB373-B61F-4EA3-83A7-3DE95BC47E21}" dt="2025-01-09T13:15:16.640" v="140" actId="478"/>
-          <ac:spMkLst>
-            <pc:docMk/>
-            <pc:sldMk cId="3912054776" sldId="258"/>
-            <ac:spMk id="9" creationId="{CFF3DEB8-7287-4068-4621-8C34B14121C0}"/>
-          </ac:spMkLst>
-        </pc:spChg>
-        <pc:picChg chg="mod">
-          <ac:chgData name="Sai Sriram Duddu" userId="bb03187e-d4be-49a3-a01a-6c6b6c86d441" providerId="ADAL" clId="{E96AB373-B61F-4EA3-83A7-3DE95BC47E21}" dt="2025-01-09T13:15:23.625" v="144" actId="1076"/>
-          <ac:picMkLst>
-            <pc:docMk/>
-            <pc:sldMk cId="3912054776" sldId="258"/>
-            <ac:picMk id="3" creationId="{4FBA1187-A056-75AD-EF75-D06BDFD135C3}"/>
-          </ac:picMkLst>
-        </pc:picChg>
-        <pc:picChg chg="add mod">
-          <ac:chgData name="Sai Sriram Duddu" userId="bb03187e-d4be-49a3-a01a-6c6b6c86d441" providerId="ADAL" clId="{E96AB373-B61F-4EA3-83A7-3DE95BC47E21}" dt="2025-01-09T13:10:47.154" v="103"/>
-          <ac:picMkLst>
-            <pc:docMk/>
-            <pc:sldMk cId="3912054776" sldId="258"/>
-            <ac:picMk id="4" creationId="{4CC93EFB-06B9-918A-7B04-1D84D4BF3B47}"/>
-          </ac:picMkLst>
-        </pc:picChg>
-        <pc:picChg chg="add mod">
-          <ac:chgData name="Sai Sriram Duddu" userId="bb03187e-d4be-49a3-a01a-6c6b6c86d441" providerId="ADAL" clId="{E96AB373-B61F-4EA3-83A7-3DE95BC47E21}" dt="2025-01-09T13:10:47.154" v="103"/>
-          <ac:picMkLst>
-            <pc:docMk/>
-            <pc:sldMk cId="3912054776" sldId="258"/>
-            <ac:picMk id="5" creationId="{96447EF6-3FA3-5E3D-63FD-E1CABB40C5A6}"/>
-          </ac:picMkLst>
-        </pc:picChg>
-        <pc:picChg chg="add del mod">
-          <ac:chgData name="Sai Sriram Duddu" userId="bb03187e-d4be-49a3-a01a-6c6b6c86d441" providerId="ADAL" clId="{E96AB373-B61F-4EA3-83A7-3DE95BC47E21}" dt="2025-01-09T13:15:17.832" v="141" actId="478"/>
-          <ac:picMkLst>
-            <pc:docMk/>
-            <pc:sldMk cId="3912054776" sldId="258"/>
-            <ac:picMk id="10" creationId="{F8D7B963-CC7F-8C43-B67E-0F3C9E76B442}"/>
-          </ac:picMkLst>
-        </pc:picChg>
-        <pc:cxnChg chg="add mod">
-          <ac:chgData name="Sai Sriram Duddu" userId="bb03187e-d4be-49a3-a01a-6c6b6c86d441" providerId="ADAL" clId="{E96AB373-B61F-4EA3-83A7-3DE95BC47E21}" dt="2025-01-09T13:10:47.154" v="103"/>
-          <ac:cxnSpMkLst>
-            <pc:docMk/>
-            <pc:sldMk cId="3912054776" sldId="258"/>
-            <ac:cxnSpMk id="6" creationId="{8D1B7CE9-47C1-D4D4-4A7B-EA14E875AA9C}"/>
-          </ac:cxnSpMkLst>
-        </pc:cxnChg>
-      </pc:sldChg>
-      <pc:sldChg chg="addSp delSp modSp del mod">
-        <pc:chgData name="Sai Sriram Duddu" userId="bb03187e-d4be-49a3-a01a-6c6b6c86d441" providerId="ADAL" clId="{E96AB373-B61F-4EA3-83A7-3DE95BC47E21}" dt="2025-01-09T13:17:04.619" v="167" actId="47"/>
-        <pc:sldMkLst>
-          <pc:docMk/>
-          <pc:sldMk cId="1506417800" sldId="260"/>
-        </pc:sldMkLst>
-        <pc:spChg chg="mod">
-          <ac:chgData name="Sai Sriram Duddu" userId="bb03187e-d4be-49a3-a01a-6c6b6c86d441" providerId="ADAL" clId="{E96AB373-B61F-4EA3-83A7-3DE95BC47E21}" dt="2025-01-09T13:12:45.946" v="120" actId="1076"/>
-          <ac:spMkLst>
-            <pc:docMk/>
-            <pc:sldMk cId="1506417800" sldId="260"/>
-            <ac:spMk id="2" creationId="{89071A27-A478-2742-799B-F165819D68CB}"/>
-          </ac:spMkLst>
-        </pc:spChg>
-        <pc:picChg chg="add del">
-          <ac:chgData name="Sai Sriram Duddu" userId="bb03187e-d4be-49a3-a01a-6c6b6c86d441" providerId="ADAL" clId="{E96AB373-B61F-4EA3-83A7-3DE95BC47E21}" dt="2025-01-09T13:13:19.538" v="128" actId="21"/>
-          <ac:picMkLst>
-            <pc:docMk/>
-            <pc:sldMk cId="1506417800" sldId="260"/>
-            <ac:picMk id="5" creationId="{7E468E66-379F-5F73-91CF-AA9C12A98347}"/>
-          </ac:picMkLst>
-        </pc:picChg>
-      </pc:sldChg>
-      <pc:sldChg chg="modSp del mod">
-        <pc:chgData name="Sai Sriram Duddu" userId="bb03187e-d4be-49a3-a01a-6c6b6c86d441" providerId="ADAL" clId="{E96AB373-B61F-4EA3-83A7-3DE95BC47E21}" dt="2025-01-09T13:17:06.663" v="168" actId="47"/>
-        <pc:sldMkLst>
-          <pc:docMk/>
-          <pc:sldMk cId="296242756" sldId="261"/>
-        </pc:sldMkLst>
-        <pc:spChg chg="mod">
-          <ac:chgData name="Sai Sriram Duddu" userId="bb03187e-d4be-49a3-a01a-6c6b6c86d441" providerId="ADAL" clId="{E96AB373-B61F-4EA3-83A7-3DE95BC47E21}" dt="2025-01-09T13:16:27.017" v="158" actId="1076"/>
-          <ac:spMkLst>
-            <pc:docMk/>
-            <pc:sldMk cId="296242756" sldId="261"/>
-            <ac:spMk id="2" creationId="{89071A27-A478-2742-799B-F165819D68CB}"/>
-          </ac:spMkLst>
-        </pc:spChg>
-        <pc:picChg chg="mod">
-          <ac:chgData name="Sai Sriram Duddu" userId="bb03187e-d4be-49a3-a01a-6c6b6c86d441" providerId="ADAL" clId="{E96AB373-B61F-4EA3-83A7-3DE95BC47E21}" dt="2025-01-09T13:16:42.242" v="163" actId="1076"/>
-          <ac:picMkLst>
-            <pc:docMk/>
-            <pc:sldMk cId="296242756" sldId="261"/>
-            <ac:picMk id="3" creationId="{EA9CB35F-0211-20B9-0709-2EFC4673FF37}"/>
-          </ac:picMkLst>
-        </pc:picChg>
-      </pc:sldChg>
-      <pc:sldChg chg="del">
-        <pc:chgData name="Sai Sriram Duddu" userId="bb03187e-d4be-49a3-a01a-6c6b6c86d441" providerId="ADAL" clId="{E96AB373-B61F-4EA3-83A7-3DE95BC47E21}" dt="2025-01-09T13:26:35.630" v="386" actId="47"/>
-        <pc:sldMkLst>
-          <pc:docMk/>
-          <pc:sldMk cId="3371928542" sldId="262"/>
-        </pc:sldMkLst>
-      </pc:sldChg>
-      <pc:sldChg chg="modSp del mod">
-        <pc:chgData name="Sai Sriram Duddu" userId="bb03187e-d4be-49a3-a01a-6c6b6c86d441" providerId="ADAL" clId="{E96AB373-B61F-4EA3-83A7-3DE95BC47E21}" dt="2025-01-09T13:32:19.640" v="449" actId="47"/>
-        <pc:sldMkLst>
-          <pc:docMk/>
-          <pc:sldMk cId="1738757831" sldId="263"/>
-        </pc:sldMkLst>
-        <pc:picChg chg="mod">
-          <ac:chgData name="Sai Sriram Duddu" userId="bb03187e-d4be-49a3-a01a-6c6b6c86d441" providerId="ADAL" clId="{E96AB373-B61F-4EA3-83A7-3DE95BC47E21}" dt="2025-01-09T13:19:16.007" v="268" actId="1076"/>
-          <ac:picMkLst>
-            <pc:docMk/>
-            <pc:sldMk cId="1738757831" sldId="263"/>
-            <ac:picMk id="6" creationId="{E4C41A77-6F63-DD2A-BDFF-07E2B5F33310}"/>
-          </ac:picMkLst>
-        </pc:picChg>
-      </pc:sldChg>
-      <pc:sldChg chg="del">
-        <pc:chgData name="Sai Sriram Duddu" userId="bb03187e-d4be-49a3-a01a-6c6b6c86d441" providerId="ADAL" clId="{E96AB373-B61F-4EA3-83A7-3DE95BC47E21}" dt="2025-01-09T13:32:21.403" v="450" actId="47"/>
-        <pc:sldMkLst>
-          <pc:docMk/>
-          <pc:sldMk cId="1151284761" sldId="264"/>
-        </pc:sldMkLst>
-      </pc:sldChg>
-      <pc:sldChg chg="modSp mod ord modShow">
-        <pc:chgData name="Sai Sriram Duddu" userId="bb03187e-d4be-49a3-a01a-6c6b6c86d441" providerId="ADAL" clId="{E96AB373-B61F-4EA3-83A7-3DE95BC47E21}" dt="2025-01-09T14:59:47.164" v="1321" actId="729"/>
-        <pc:sldMkLst>
-          <pc:docMk/>
-          <pc:sldMk cId="2100241455" sldId="265"/>
-        </pc:sldMkLst>
-        <pc:spChg chg="mod">
-          <ac:chgData name="Sai Sriram Duddu" userId="bb03187e-d4be-49a3-a01a-6c6b6c86d441" providerId="ADAL" clId="{E96AB373-B61F-4EA3-83A7-3DE95BC47E21}" dt="2025-01-09T13:08:26.636" v="87" actId="14100"/>
-          <ac:spMkLst>
-            <pc:docMk/>
-            <pc:sldMk cId="2100241455" sldId="265"/>
-            <ac:spMk id="2" creationId="{2D5C4B6F-977F-7831-C3DE-155ED9784EC9}"/>
-          </ac:spMkLst>
-        </pc:spChg>
-      </pc:sldChg>
-      <pc:sldChg chg="addSp delSp modSp add mod setBg delDesignElem">
-        <pc:chgData name="Sai Sriram Duddu" userId="bb03187e-d4be-49a3-a01a-6c6b6c86d441" providerId="ADAL" clId="{E96AB373-B61F-4EA3-83A7-3DE95BC47E21}" dt="2025-01-09T13:07:30.502" v="46" actId="1076"/>
-        <pc:sldMkLst>
-          <pc:docMk/>
-          <pc:sldMk cId="2319279040" sldId="266"/>
-        </pc:sldMkLst>
-        <pc:spChg chg="add mod">
-          <ac:chgData name="Sai Sriram Duddu" userId="bb03187e-d4be-49a3-a01a-6c6b6c86d441" providerId="ADAL" clId="{E96AB373-B61F-4EA3-83A7-3DE95BC47E21}" dt="2025-01-09T13:07:30.502" v="46" actId="1076"/>
-          <ac:spMkLst>
-            <pc:docMk/>
-            <pc:sldMk cId="2319279040" sldId="266"/>
-            <ac:spMk id="4" creationId="{3F5879B3-5CC2-C4BD-58B1-EA356783D074}"/>
-          </ac:spMkLst>
-        </pc:spChg>
-        <pc:spChg chg="del">
-          <ac:chgData name="Sai Sriram Duddu" userId="bb03187e-d4be-49a3-a01a-6c6b6c86d441" providerId="ADAL" clId="{E96AB373-B61F-4EA3-83A7-3DE95BC47E21}" dt="2025-01-09T13:06:54.322" v="42"/>
-          <ac:spMkLst>
-            <pc:docMk/>
-            <pc:sldMk cId="2319279040" sldId="266"/>
-            <ac:spMk id="1043" creationId="{EE5F705A-5E81-4B3A-8EF4-911982DB313C}"/>
-          </ac:spMkLst>
-        </pc:spChg>
-        <pc:spChg chg="del">
-          <ac:chgData name="Sai Sriram Duddu" userId="bb03187e-d4be-49a3-a01a-6c6b6c86d441" providerId="ADAL" clId="{E96AB373-B61F-4EA3-83A7-3DE95BC47E21}" dt="2025-01-09T13:06:54.322" v="42"/>
-          <ac:spMkLst>
-            <pc:docMk/>
-            <pc:sldMk cId="2319279040" sldId="266"/>
-            <ac:spMk id="1044" creationId="{AD8F92D9-1751-4ABF-9CB7-D198C9A05A46}"/>
-          </ac:spMkLst>
-        </pc:spChg>
-        <pc:spChg chg="del">
-          <ac:chgData name="Sai Sriram Duddu" userId="bb03187e-d4be-49a3-a01a-6c6b6c86d441" providerId="ADAL" clId="{E96AB373-B61F-4EA3-83A7-3DE95BC47E21}" dt="2025-01-09T13:06:54.322" v="42"/>
-          <ac:spMkLst>
-            <pc:docMk/>
-            <pc:sldMk cId="2319279040" sldId="266"/>
-            <ac:spMk id="1045" creationId="{6D6B998F-CA62-4EE6-B7E7-046377D4F7EF}"/>
-          </ac:spMkLst>
-        </pc:spChg>
-      </pc:sldChg>
-      <pc:sldChg chg="addSp delSp modSp add mod ord">
-        <pc:chgData name="Sai Sriram Duddu" userId="bb03187e-d4be-49a3-a01a-6c6b6c86d441" providerId="ADAL" clId="{E96AB373-B61F-4EA3-83A7-3DE95BC47E21}" dt="2025-01-09T13:10:42.963" v="102" actId="571"/>
-        <pc:sldMkLst>
-          <pc:docMk/>
-          <pc:sldMk cId="3438411504" sldId="267"/>
-        </pc:sldMkLst>
-        <pc:spChg chg="add mod">
-          <ac:chgData name="Sai Sriram Duddu" userId="bb03187e-d4be-49a3-a01a-6c6b6c86d441" providerId="ADAL" clId="{E96AB373-B61F-4EA3-83A7-3DE95BC47E21}" dt="2025-01-09T13:10:04.539" v="97"/>
-          <ac:spMkLst>
-            <pc:docMk/>
-            <pc:sldMk cId="3438411504" sldId="267"/>
-            <ac:spMk id="5" creationId="{8F38F825-7841-6C3C-7934-0447F2612368}"/>
-          </ac:spMkLst>
-        </pc:spChg>
-        <pc:spChg chg="add mod">
-          <ac:chgData name="Sai Sriram Duddu" userId="bb03187e-d4be-49a3-a01a-6c6b6c86d441" providerId="ADAL" clId="{E96AB373-B61F-4EA3-83A7-3DE95BC47E21}" dt="2025-01-09T13:10:04.539" v="97"/>
-          <ac:spMkLst>
-            <pc:docMk/>
-            <pc:sldMk cId="3438411504" sldId="267"/>
-            <ac:spMk id="7" creationId="{05895ECB-A4A5-D56C-2223-C079D5D7C418}"/>
-          </ac:spMkLst>
-        </pc:spChg>
-        <pc:spChg chg="add mod">
-          <ac:chgData name="Sai Sriram Duddu" userId="bb03187e-d4be-49a3-a01a-6c6b6c86d441" providerId="ADAL" clId="{E96AB373-B61F-4EA3-83A7-3DE95BC47E21}" dt="2025-01-09T13:10:04.539" v="97"/>
-          <ac:spMkLst>
-            <pc:docMk/>
-            <pc:sldMk cId="3438411504" sldId="267"/>
-            <ac:spMk id="8" creationId="{8198DBB9-23EE-DB8E-1C7F-189331C83EFF}"/>
-          </ac:spMkLst>
-        </pc:spChg>
-        <pc:spChg chg="del mod">
-          <ac:chgData name="Sai Sriram Duddu" userId="bb03187e-d4be-49a3-a01a-6c6b6c86d441" providerId="ADAL" clId="{E96AB373-B61F-4EA3-83A7-3DE95BC47E21}" dt="2025-01-09T13:10:07.970" v="98" actId="478"/>
-          <ac:spMkLst>
-            <pc:docMk/>
-            <pc:sldMk cId="3438411504" sldId="267"/>
-            <ac:spMk id="10" creationId="{C4728E1A-44C8-D2D9-73A2-EA556235626F}"/>
-          </ac:spMkLst>
-        </pc:spChg>
-        <pc:spChg chg="add mod">
-          <ac:chgData name="Sai Sriram Duddu" userId="bb03187e-d4be-49a3-a01a-6c6b6c86d441" providerId="ADAL" clId="{E96AB373-B61F-4EA3-83A7-3DE95BC47E21}" dt="2025-01-09T13:10:04.539" v="97"/>
-          <ac:spMkLst>
-            <pc:docMk/>
-            <pc:sldMk cId="3438411504" sldId="267"/>
-            <ac:spMk id="12" creationId="{81A188C9-9569-AC27-C321-249ECF5A3B45}"/>
-          </ac:spMkLst>
-        </pc:spChg>
-        <pc:spChg chg="add mod">
-          <ac:chgData name="Sai Sriram Duddu" userId="bb03187e-d4be-49a3-a01a-6c6b6c86d441" providerId="ADAL" clId="{E96AB373-B61F-4EA3-83A7-3DE95BC47E21}" dt="2025-01-09T13:10:04.539" v="97"/>
-          <ac:spMkLst>
-            <pc:docMk/>
-            <pc:sldMk cId="3438411504" sldId="267"/>
-            <ac:spMk id="14" creationId="{BC64A721-65E7-4FF0-EACA-597161811CD8}"/>
-          </ac:spMkLst>
-        </pc:spChg>
-        <pc:spChg chg="add mod">
-          <ac:chgData name="Sai Sriram Duddu" userId="bb03187e-d4be-49a3-a01a-6c6b6c86d441" providerId="ADAL" clId="{E96AB373-B61F-4EA3-83A7-3DE95BC47E21}" dt="2025-01-09T13:10:04.539" v="97"/>
-          <ac:spMkLst>
-            <pc:docMk/>
-            <pc:sldMk cId="3438411504" sldId="267"/>
-            <ac:spMk id="15" creationId="{27EBDFE7-6959-55CE-E472-A1407DAE2552}"/>
-          </ac:spMkLst>
-        </pc:spChg>
-        <pc:spChg chg="add mod">
-          <ac:chgData name="Sai Sriram Duddu" userId="bb03187e-d4be-49a3-a01a-6c6b6c86d441" providerId="ADAL" clId="{E96AB373-B61F-4EA3-83A7-3DE95BC47E21}" dt="2025-01-09T13:10:04.539" v="97"/>
-          <ac:spMkLst>
-            <pc:docMk/>
-            <pc:sldMk cId="3438411504" sldId="267"/>
-            <ac:spMk id="16" creationId="{9D713794-63A0-283D-5D44-852B82337882}"/>
-          </ac:spMkLst>
-        </pc:spChg>
-        <pc:spChg chg="add mod">
-          <ac:chgData name="Sai Sriram Duddu" userId="bb03187e-d4be-49a3-a01a-6c6b6c86d441" providerId="ADAL" clId="{E96AB373-B61F-4EA3-83A7-3DE95BC47E21}" dt="2025-01-09T13:10:14.459" v="100" actId="1076"/>
-          <ac:spMkLst>
-            <pc:docMk/>
-            <pc:sldMk cId="3438411504" sldId="267"/>
-            <ac:spMk id="19" creationId="{B8B4AD0E-82F2-F49C-75F4-2FB37583AACA}"/>
-          </ac:spMkLst>
-        </pc:spChg>
-        <pc:spChg chg="add mod">
-          <ac:chgData name="Sai Sriram Duddu" userId="bb03187e-d4be-49a3-a01a-6c6b6c86d441" providerId="ADAL" clId="{E96AB373-B61F-4EA3-83A7-3DE95BC47E21}" dt="2025-01-09T13:10:14.459" v="100" actId="1076"/>
-          <ac:spMkLst>
-            <pc:docMk/>
-            <pc:sldMk cId="3438411504" sldId="267"/>
-            <ac:spMk id="20" creationId="{1E6C30CD-4E8D-D06B-A2F9-FF3E321904E4}"/>
-          </ac:spMkLst>
-        </pc:spChg>
-        <pc:spChg chg="add mod">
-          <ac:chgData name="Sai Sriram Duddu" userId="bb03187e-d4be-49a3-a01a-6c6b6c86d441" providerId="ADAL" clId="{E96AB373-B61F-4EA3-83A7-3DE95BC47E21}" dt="2025-01-09T13:10:14.459" v="100" actId="1076"/>
-          <ac:spMkLst>
-            <pc:docMk/>
-            <pc:sldMk cId="3438411504" sldId="267"/>
-            <ac:spMk id="21" creationId="{9960202F-EA93-4865-08AD-F78D76909011}"/>
-          </ac:spMkLst>
-        </pc:spChg>
-        <pc:spChg chg="add mod">
-          <ac:chgData name="Sai Sriram Duddu" userId="bb03187e-d4be-49a3-a01a-6c6b6c86d441" providerId="ADAL" clId="{E96AB373-B61F-4EA3-83A7-3DE95BC47E21}" dt="2025-01-09T13:10:14.459" v="100" actId="1076"/>
-          <ac:spMkLst>
-            <pc:docMk/>
-            <pc:sldMk cId="3438411504" sldId="267"/>
-            <ac:spMk id="22" creationId="{531DF5AF-DF2C-02B8-7B04-B76232DFD13B}"/>
-          </ac:spMkLst>
-        </pc:spChg>
-        <pc:spChg chg="add mod">
-          <ac:chgData name="Sai Sriram Duddu" userId="bb03187e-d4be-49a3-a01a-6c6b6c86d441" providerId="ADAL" clId="{E96AB373-B61F-4EA3-83A7-3DE95BC47E21}" dt="2025-01-09T13:10:14.459" v="100" actId="1076"/>
-          <ac:spMkLst>
-            <pc:docMk/>
-            <pc:sldMk cId="3438411504" sldId="267"/>
-            <ac:spMk id="24" creationId="{8C491093-06E4-8A8D-2614-013E15599EB5}"/>
-          </ac:spMkLst>
-        </pc:spChg>
-        <pc:spChg chg="add mod">
-          <ac:chgData name="Sai Sriram Duddu" userId="bb03187e-d4be-49a3-a01a-6c6b6c86d441" providerId="ADAL" clId="{E96AB373-B61F-4EA3-83A7-3DE95BC47E21}" dt="2025-01-09T13:10:14.459" v="100" actId="1076"/>
-          <ac:spMkLst>
-            <pc:docMk/>
-            <pc:sldMk cId="3438411504" sldId="267"/>
-            <ac:spMk id="25" creationId="{70983BAB-84DD-2DA8-B91D-CD4A2DEF53A3}"/>
-          </ac:spMkLst>
-        </pc:spChg>
-        <pc:spChg chg="add mod">
-          <ac:chgData name="Sai Sriram Duddu" userId="bb03187e-d4be-49a3-a01a-6c6b6c86d441" providerId="ADAL" clId="{E96AB373-B61F-4EA3-83A7-3DE95BC47E21}" dt="2025-01-09T13:10:14.459" v="100" actId="1076"/>
-          <ac:spMkLst>
-            <pc:docMk/>
-            <pc:sldMk cId="3438411504" sldId="267"/>
-            <ac:spMk id="26" creationId="{C1104D17-7246-E67D-E02B-AB08D175AE63}"/>
-          </ac:spMkLst>
-        </pc:spChg>
-        <pc:spChg chg="add mod">
-          <ac:chgData name="Sai Sriram Duddu" userId="bb03187e-d4be-49a3-a01a-6c6b6c86d441" providerId="ADAL" clId="{E96AB373-B61F-4EA3-83A7-3DE95BC47E21}" dt="2025-01-09T13:10:42.963" v="102" actId="571"/>
-          <ac:spMkLst>
-            <pc:docMk/>
-            <pc:sldMk cId="3438411504" sldId="267"/>
-            <ac:spMk id="32" creationId="{E29F73D0-A948-6436-8958-21CC1E666EA2}"/>
-          </ac:spMkLst>
-        </pc:spChg>
-        <pc:picChg chg="del">
-          <ac:chgData name="Sai Sriram Duddu" userId="bb03187e-d4be-49a3-a01a-6c6b6c86d441" providerId="ADAL" clId="{E96AB373-B61F-4EA3-83A7-3DE95BC47E21}" dt="2025-01-09T13:10:07.970" v="98" actId="478"/>
-          <ac:picMkLst>
-            <pc:docMk/>
-            <pc:sldMk cId="3438411504" sldId="267"/>
-            <ac:picMk id="11" creationId="{C55F9EEB-4E8F-DFBE-345B-F1C3F75F9942}"/>
-          </ac:picMkLst>
-        </pc:picChg>
-        <pc:picChg chg="add mod">
-          <ac:chgData name="Sai Sriram Duddu" userId="bb03187e-d4be-49a3-a01a-6c6b6c86d441" providerId="ADAL" clId="{E96AB373-B61F-4EA3-83A7-3DE95BC47E21}" dt="2025-01-09T13:10:04.539" v="97"/>
-          <ac:picMkLst>
-            <pc:docMk/>
-            <pc:sldMk cId="3438411504" sldId="267"/>
-            <ac:picMk id="13" creationId="{BF4F1B81-987A-08EB-B523-44F2B2EA76F0}"/>
-          </ac:picMkLst>
-        </pc:picChg>
-        <pc:picChg chg="add mod">
-          <ac:chgData name="Sai Sriram Duddu" userId="bb03187e-d4be-49a3-a01a-6c6b6c86d441" providerId="ADAL" clId="{E96AB373-B61F-4EA3-83A7-3DE95BC47E21}" dt="2025-01-09T13:10:04.539" v="97"/>
-          <ac:picMkLst>
-            <pc:docMk/>
-            <pc:sldMk cId="3438411504" sldId="267"/>
-            <ac:picMk id="17" creationId="{FA8ABFE8-40E4-E0D2-8622-D65B92AC6C28}"/>
-          </ac:picMkLst>
-        </pc:picChg>
-        <pc:picChg chg="add mod">
-          <ac:chgData name="Sai Sriram Duddu" userId="bb03187e-d4be-49a3-a01a-6c6b6c86d441" providerId="ADAL" clId="{E96AB373-B61F-4EA3-83A7-3DE95BC47E21}" dt="2025-01-09T13:10:04.539" v="97"/>
-          <ac:picMkLst>
-            <pc:docMk/>
-            <pc:sldMk cId="3438411504" sldId="267"/>
-            <ac:picMk id="18" creationId="{719DAC58-5AEA-67A9-07C4-75CCB84A6E98}"/>
-          </ac:picMkLst>
-        </pc:picChg>
-        <pc:picChg chg="add mod">
-          <ac:chgData name="Sai Sriram Duddu" userId="bb03187e-d4be-49a3-a01a-6c6b6c86d441" providerId="ADAL" clId="{E96AB373-B61F-4EA3-83A7-3DE95BC47E21}" dt="2025-01-09T13:10:14.459" v="100" actId="1076"/>
-          <ac:picMkLst>
-            <pc:docMk/>
-            <pc:sldMk cId="3438411504" sldId="267"/>
-            <ac:picMk id="23" creationId="{34E4548C-60FC-2797-B59F-0A05361015E7}"/>
-          </ac:picMkLst>
-        </pc:picChg>
-        <pc:picChg chg="add mod">
-          <ac:chgData name="Sai Sriram Duddu" userId="bb03187e-d4be-49a3-a01a-6c6b6c86d441" providerId="ADAL" clId="{E96AB373-B61F-4EA3-83A7-3DE95BC47E21}" dt="2025-01-09T13:10:14.459" v="100" actId="1076"/>
-          <ac:picMkLst>
-            <pc:docMk/>
-            <pc:sldMk cId="3438411504" sldId="267"/>
-            <ac:picMk id="27" creationId="{3183F0B9-6A97-DBE9-F70C-5D74043EA810}"/>
-          </ac:picMkLst>
-        </pc:picChg>
-        <pc:picChg chg="add mod">
-          <ac:chgData name="Sai Sriram Duddu" userId="bb03187e-d4be-49a3-a01a-6c6b6c86d441" providerId="ADAL" clId="{E96AB373-B61F-4EA3-83A7-3DE95BC47E21}" dt="2025-01-09T13:10:14.459" v="100" actId="1076"/>
-          <ac:picMkLst>
-            <pc:docMk/>
-            <pc:sldMk cId="3438411504" sldId="267"/>
-            <ac:picMk id="28" creationId="{EAFFB585-38BE-95A2-A2B5-2A10F3E74F63}"/>
-          </ac:picMkLst>
-        </pc:picChg>
-        <pc:picChg chg="add mod">
-          <ac:chgData name="Sai Sriram Duddu" userId="bb03187e-d4be-49a3-a01a-6c6b6c86d441" providerId="ADAL" clId="{E96AB373-B61F-4EA3-83A7-3DE95BC47E21}" dt="2025-01-09T13:10:42.963" v="102" actId="571"/>
-          <ac:picMkLst>
-            <pc:docMk/>
-            <pc:sldMk cId="3438411504" sldId="267"/>
-            <ac:picMk id="29" creationId="{0ED7BAB4-FFC3-C302-BA0F-9F41A9CAA548}"/>
-          </ac:picMkLst>
-        </pc:picChg>
-        <pc:picChg chg="add mod">
-          <ac:chgData name="Sai Sriram Duddu" userId="bb03187e-d4be-49a3-a01a-6c6b6c86d441" providerId="ADAL" clId="{E96AB373-B61F-4EA3-83A7-3DE95BC47E21}" dt="2025-01-09T13:10:42.963" v="102" actId="571"/>
-          <ac:picMkLst>
-            <pc:docMk/>
-            <pc:sldMk cId="3438411504" sldId="267"/>
-            <ac:picMk id="30" creationId="{A290202E-34EE-4153-123F-7ECEE7585D26}"/>
-          </ac:picMkLst>
-        </pc:picChg>
-        <pc:cxnChg chg="add mod">
-          <ac:chgData name="Sai Sriram Duddu" userId="bb03187e-d4be-49a3-a01a-6c6b6c86d441" providerId="ADAL" clId="{E96AB373-B61F-4EA3-83A7-3DE95BC47E21}" dt="2025-01-09T13:10:42.963" v="102" actId="571"/>
-          <ac:cxnSpMkLst>
-            <pc:docMk/>
-            <pc:sldMk cId="3438411504" sldId="267"/>
-            <ac:cxnSpMk id="31" creationId="{83286AEA-E83C-C7B4-9D6D-94E7D90B4005}"/>
-          </ac:cxnSpMkLst>
-        </pc:cxnChg>
-      </pc:sldChg>
-      <pc:sldChg chg="addSp delSp modSp add mod">
-        <pc:chgData name="Sai Sriram Duddu" userId="bb03187e-d4be-49a3-a01a-6c6b6c86d441" providerId="ADAL" clId="{E96AB373-B61F-4EA3-83A7-3DE95BC47E21}" dt="2025-01-09T13:16:51.697" v="166" actId="1076"/>
-        <pc:sldMkLst>
-          <pc:docMk/>
-          <pc:sldMk cId="3015810363" sldId="268"/>
-        </pc:sldMkLst>
-        <pc:spChg chg="mod">
-          <ac:chgData name="Sai Sriram Duddu" userId="bb03187e-d4be-49a3-a01a-6c6b6c86d441" providerId="ADAL" clId="{E96AB373-B61F-4EA3-83A7-3DE95BC47E21}" dt="2025-01-09T13:16:33.470" v="159"/>
-          <ac:spMkLst>
-            <pc:docMk/>
-            <pc:sldMk cId="3015810363" sldId="268"/>
-            <ac:spMk id="2" creationId="{14DE29EF-0156-6CCB-8FB2-B0857D98EB03}"/>
-          </ac:spMkLst>
-        </pc:spChg>
-        <pc:spChg chg="del">
-          <ac:chgData name="Sai Sriram Duddu" userId="bb03187e-d4be-49a3-a01a-6c6b6c86d441" providerId="ADAL" clId="{E96AB373-B61F-4EA3-83A7-3DE95BC47E21}" dt="2025-01-09T13:16:38.504" v="160" actId="478"/>
-          <ac:spMkLst>
-            <pc:docMk/>
-            <pc:sldMk cId="3015810363" sldId="268"/>
-            <ac:spMk id="9" creationId="{1CD678B8-A334-58D4-C26D-D30D67F4508F}"/>
-          </ac:spMkLst>
-        </pc:spChg>
-        <pc:picChg chg="del">
-          <ac:chgData name="Sai Sriram Duddu" userId="bb03187e-d4be-49a3-a01a-6c6b6c86d441" providerId="ADAL" clId="{E96AB373-B61F-4EA3-83A7-3DE95BC47E21}" dt="2025-01-09T13:13:43.736" v="134" actId="478"/>
-          <ac:picMkLst>
-            <pc:docMk/>
-            <pc:sldMk cId="3015810363" sldId="268"/>
-            <ac:picMk id="3" creationId="{5FF137D7-5517-BCFA-AEB5-ADE61E333D3D}"/>
-          </ac:picMkLst>
-        </pc:picChg>
-        <pc:picChg chg="add del mod">
-          <ac:chgData name="Sai Sriram Duddu" userId="bb03187e-d4be-49a3-a01a-6c6b6c86d441" providerId="ADAL" clId="{E96AB373-B61F-4EA3-83A7-3DE95BC47E21}" dt="2025-01-09T13:16:40.471" v="162" actId="478"/>
-          <ac:picMkLst>
-            <pc:docMk/>
-            <pc:sldMk cId="3015810363" sldId="268"/>
-            <ac:picMk id="8" creationId="{36BDE161-FB88-BB92-4272-7D5F225AF6C4}"/>
-          </ac:picMkLst>
-        </pc:picChg>
-        <pc:picChg chg="del">
-          <ac:chgData name="Sai Sriram Duddu" userId="bb03187e-d4be-49a3-a01a-6c6b6c86d441" providerId="ADAL" clId="{E96AB373-B61F-4EA3-83A7-3DE95BC47E21}" dt="2025-01-09T13:16:39.335" v="161" actId="478"/>
-          <ac:picMkLst>
-            <pc:docMk/>
-            <pc:sldMk cId="3015810363" sldId="268"/>
-            <ac:picMk id="10" creationId="{EB85F451-ED6A-E456-5E68-325E2841CE0F}"/>
-          </ac:picMkLst>
-        </pc:picChg>
-        <pc:picChg chg="add mod">
-          <ac:chgData name="Sai Sriram Duddu" userId="bb03187e-d4be-49a3-a01a-6c6b6c86d441" providerId="ADAL" clId="{E96AB373-B61F-4EA3-83A7-3DE95BC47E21}" dt="2025-01-09T13:16:51.697" v="166" actId="1076"/>
-          <ac:picMkLst>
-            <pc:docMk/>
-            <pc:sldMk cId="3015810363" sldId="268"/>
-            <ac:picMk id="11" creationId="{88C1F538-6626-80BA-D677-A506BFAD792E}"/>
-          </ac:picMkLst>
-        </pc:picChg>
-      </pc:sldChg>
-      <pc:sldChg chg="addSp delSp modSp add mod">
-        <pc:chgData name="Sai Sriram Duddu" userId="bb03187e-d4be-49a3-a01a-6c6b6c86d441" providerId="ADAL" clId="{E96AB373-B61F-4EA3-83A7-3DE95BC47E21}" dt="2025-01-09T13:16:12.641" v="157" actId="1076"/>
-        <pc:sldMkLst>
-          <pc:docMk/>
-          <pc:sldMk cId="1189005181" sldId="269"/>
-        </pc:sldMkLst>
-        <pc:spChg chg="mod">
-          <ac:chgData name="Sai Sriram Duddu" userId="bb03187e-d4be-49a3-a01a-6c6b6c86d441" providerId="ADAL" clId="{E96AB373-B61F-4EA3-83A7-3DE95BC47E21}" dt="2025-01-09T13:12:57.304" v="121"/>
-          <ac:spMkLst>
-            <pc:docMk/>
-            <pc:sldMk cId="1189005181" sldId="269"/>
-            <ac:spMk id="2" creationId="{0AFB435F-02EE-A6E4-ED6A-DFBF9FBC21D9}"/>
-          </ac:spMkLst>
-        </pc:spChg>
-        <pc:spChg chg="del mod">
-          <ac:chgData name="Sai Sriram Duddu" userId="bb03187e-d4be-49a3-a01a-6c6b6c86d441" providerId="ADAL" clId="{E96AB373-B61F-4EA3-83A7-3DE95BC47E21}" dt="2025-01-09T13:16:02.513" v="153" actId="478"/>
-          <ac:spMkLst>
-            <pc:docMk/>
-            <pc:sldMk cId="1189005181" sldId="269"/>
-            <ac:spMk id="9" creationId="{A73E92CA-7157-4CBB-20E0-EB298CBE19FB}"/>
-          </ac:spMkLst>
-        </pc:spChg>
-        <pc:picChg chg="del mod">
-          <ac:chgData name="Sai Sriram Duddu" userId="bb03187e-d4be-49a3-a01a-6c6b6c86d441" providerId="ADAL" clId="{E96AB373-B61F-4EA3-83A7-3DE95BC47E21}" dt="2025-01-09T13:15:30.272" v="145" actId="478"/>
-          <ac:picMkLst>
-            <pc:docMk/>
-            <pc:sldMk cId="1189005181" sldId="269"/>
-            <ac:picMk id="3" creationId="{4CAA13CA-61AA-A1A3-9CBF-4B9F88C6767F}"/>
-          </ac:picMkLst>
-        </pc:picChg>
-        <pc:picChg chg="add mod">
-          <ac:chgData name="Sai Sriram Duddu" userId="bb03187e-d4be-49a3-a01a-6c6b6c86d441" providerId="ADAL" clId="{E96AB373-B61F-4EA3-83A7-3DE95BC47E21}" dt="2025-01-09T13:13:06.297" v="123"/>
-          <ac:picMkLst>
-            <pc:docMk/>
-            <pc:sldMk cId="1189005181" sldId="269"/>
-            <ac:picMk id="8" creationId="{7E468E66-379F-5F73-91CF-AA9C12A98347}"/>
-          </ac:picMkLst>
-        </pc:picChg>
-        <pc:picChg chg="del">
-          <ac:chgData name="Sai Sriram Duddu" userId="bb03187e-d4be-49a3-a01a-6c6b6c86d441" providerId="ADAL" clId="{E96AB373-B61F-4EA3-83A7-3DE95BC47E21}" dt="2025-01-09T13:14:12.618" v="137" actId="478"/>
-          <ac:picMkLst>
-            <pc:docMk/>
-            <pc:sldMk cId="1189005181" sldId="269"/>
-            <ac:picMk id="10" creationId="{E77AE4E7-CFEB-409F-E596-A88404BE8D4B}"/>
-          </ac:picMkLst>
-        </pc:picChg>
-        <pc:picChg chg="add mod">
-          <ac:chgData name="Sai Sriram Duddu" userId="bb03187e-d4be-49a3-a01a-6c6b6c86d441" providerId="ADAL" clId="{E96AB373-B61F-4EA3-83A7-3DE95BC47E21}" dt="2025-01-09T13:13:16.421" v="126" actId="571"/>
-          <ac:picMkLst>
-            <pc:docMk/>
-            <pc:sldMk cId="1189005181" sldId="269"/>
-            <ac:picMk id="11" creationId="{C54D0323-7007-0B1B-BDC9-335989BA7A1E}"/>
-          </ac:picMkLst>
-        </pc:picChg>
-        <pc:picChg chg="add del mod">
-          <ac:chgData name="Sai Sriram Duddu" userId="bb03187e-d4be-49a3-a01a-6c6b6c86d441" providerId="ADAL" clId="{E96AB373-B61F-4EA3-83A7-3DE95BC47E21}" dt="2025-01-09T13:16:00.848" v="151" actId="478"/>
-          <ac:picMkLst>
-            <pc:docMk/>
-            <pc:sldMk cId="1189005181" sldId="269"/>
-            <ac:picMk id="12" creationId="{9E55A0B2-324B-F5B6-6F12-393699935B39}"/>
-          </ac:picMkLst>
-        </pc:picChg>
-        <pc:picChg chg="add mod">
-          <ac:chgData name="Sai Sriram Duddu" userId="bb03187e-d4be-49a3-a01a-6c6b6c86d441" providerId="ADAL" clId="{E96AB373-B61F-4EA3-83A7-3DE95BC47E21}" dt="2025-01-09T13:16:12.641" v="157" actId="1076"/>
-          <ac:picMkLst>
-            <pc:docMk/>
-            <pc:sldMk cId="1189005181" sldId="269"/>
-            <ac:picMk id="13" creationId="{38126B16-4951-AADC-D016-89F1B17C0DEF}"/>
-          </ac:picMkLst>
-        </pc:picChg>
-      </pc:sldChg>
-      <pc:sldChg chg="addSp delSp modSp add mod">
-        <pc:chgData name="Sai Sriram Duddu" userId="bb03187e-d4be-49a3-a01a-6c6b6c86d441" providerId="ADAL" clId="{E96AB373-B61F-4EA3-83A7-3DE95BC47E21}" dt="2025-01-09T13:30:16.584" v="426" actId="14100"/>
-        <pc:sldMkLst>
-          <pc:docMk/>
-          <pc:sldMk cId="442611406" sldId="270"/>
-        </pc:sldMkLst>
-        <pc:spChg chg="del">
-          <ac:chgData name="Sai Sriram Duddu" userId="bb03187e-d4be-49a3-a01a-6c6b6c86d441" providerId="ADAL" clId="{E96AB373-B61F-4EA3-83A7-3DE95BC47E21}" dt="2025-01-09T13:17:57.223" v="172" actId="478"/>
-          <ac:spMkLst>
-            <pc:docMk/>
-            <pc:sldMk cId="442611406" sldId="270"/>
-            <ac:spMk id="2" creationId="{3A9226E5-B009-18DA-942E-A1116950652C}"/>
-          </ac:spMkLst>
-        </pc:spChg>
-        <pc:spChg chg="add mod">
-          <ac:chgData name="Sai Sriram Duddu" userId="bb03187e-d4be-49a3-a01a-6c6b6c86d441" providerId="ADAL" clId="{E96AB373-B61F-4EA3-83A7-3DE95BC47E21}" dt="2025-01-09T13:18:02.992" v="174" actId="1076"/>
-          <ac:spMkLst>
-            <pc:docMk/>
-            <pc:sldMk cId="442611406" sldId="270"/>
-            <ac:spMk id="3" creationId="{395CAC7F-E1CA-DA8B-7D37-0BE9557484EB}"/>
-          </ac:spMkLst>
-        </pc:spChg>
-        <pc:spChg chg="add mod">
-          <ac:chgData name="Sai Sriram Duddu" userId="bb03187e-d4be-49a3-a01a-6c6b6c86d441" providerId="ADAL" clId="{E96AB373-B61F-4EA3-83A7-3DE95BC47E21}" dt="2025-01-09T13:22:16.279" v="325" actId="14100"/>
-          <ac:spMkLst>
-            <pc:docMk/>
-            <pc:sldMk cId="442611406" sldId="270"/>
-            <ac:spMk id="10" creationId="{D94BB864-199D-0E44-1BB7-8776DA2CF1A0}"/>
-          </ac:spMkLst>
-        </pc:spChg>
-        <pc:spChg chg="add mod">
-          <ac:chgData name="Sai Sriram Duddu" userId="bb03187e-d4be-49a3-a01a-6c6b6c86d441" providerId="ADAL" clId="{E96AB373-B61F-4EA3-83A7-3DE95BC47E21}" dt="2025-01-09T13:30:16.584" v="426" actId="14100"/>
-          <ac:spMkLst>
-            <pc:docMk/>
-            <pc:sldMk cId="442611406" sldId="270"/>
-            <ac:spMk id="12" creationId="{184551D2-13C1-3840-7968-20816F3FF82D}"/>
-          </ac:spMkLst>
-        </pc:spChg>
-        <pc:picChg chg="add mod">
-          <ac:chgData name="Sai Sriram Duddu" userId="bb03187e-d4be-49a3-a01a-6c6b6c86d441" providerId="ADAL" clId="{E96AB373-B61F-4EA3-83A7-3DE95BC47E21}" dt="2025-01-09T13:18:10.096" v="176" actId="1076"/>
-          <ac:picMkLst>
-            <pc:docMk/>
-            <pc:sldMk cId="442611406" sldId="270"/>
-            <ac:picMk id="8" creationId="{88FD6751-F0B8-D82A-A263-E0D1F6A3EAE9}"/>
-          </ac:picMkLst>
-        </pc:picChg>
-        <pc:picChg chg="add mod">
-          <ac:chgData name="Sai Sriram Duddu" userId="bb03187e-d4be-49a3-a01a-6c6b6c86d441" providerId="ADAL" clId="{E96AB373-B61F-4EA3-83A7-3DE95BC47E21}" dt="2025-01-09T13:21:35.880" v="312" actId="1076"/>
-          <ac:picMkLst>
-            <pc:docMk/>
-            <pc:sldMk cId="442611406" sldId="270"/>
-            <ac:picMk id="9" creationId="{4040DD7A-F726-2FE5-E6E3-E8AE39ADDB29}"/>
-          </ac:picMkLst>
-        </pc:picChg>
-        <pc:picChg chg="del">
-          <ac:chgData name="Sai Sriram Duddu" userId="bb03187e-d4be-49a3-a01a-6c6b6c86d441" providerId="ADAL" clId="{E96AB373-B61F-4EA3-83A7-3DE95BC47E21}" dt="2025-01-09T13:17:57.223" v="172" actId="478"/>
-          <ac:picMkLst>
-            <pc:docMk/>
-            <pc:sldMk cId="442611406" sldId="270"/>
-            <ac:picMk id="11" creationId="{56392276-A470-8A98-35FE-D4CF02188166}"/>
-          </ac:picMkLst>
-        </pc:picChg>
-        <pc:cxnChg chg="add mod">
-          <ac:chgData name="Sai Sriram Duddu" userId="bb03187e-d4be-49a3-a01a-6c6b6c86d441" providerId="ADAL" clId="{E96AB373-B61F-4EA3-83A7-3DE95BC47E21}" dt="2025-01-09T13:21:50.006" v="314" actId="1076"/>
-          <ac:cxnSpMkLst>
-            <pc:docMk/>
-            <pc:sldMk cId="442611406" sldId="270"/>
-            <ac:cxnSpMk id="14" creationId="{7EA5EFCB-128A-7DE1-0E13-D8B8CD0E16F2}"/>
-          </ac:cxnSpMkLst>
-        </pc:cxnChg>
-        <pc:cxnChg chg="add">
-          <ac:chgData name="Sai Sriram Duddu" userId="bb03187e-d4be-49a3-a01a-6c6b6c86d441" providerId="ADAL" clId="{E96AB373-B61F-4EA3-83A7-3DE95BC47E21}" dt="2025-01-09T13:21:40.519" v="313" actId="11529"/>
-          <ac:cxnSpMkLst>
-            <pc:docMk/>
-            <pc:sldMk cId="442611406" sldId="270"/>
-            <ac:cxnSpMk id="16" creationId="{78F3D5F5-A56C-4B43-14EF-74874A702E7C}"/>
-          </ac:cxnSpMkLst>
-        </pc:cxnChg>
-      </pc:sldChg>
-      <pc:sldChg chg="add">
-        <pc:chgData name="Sai Sriram Duddu" userId="bb03187e-d4be-49a3-a01a-6c6b6c86d441" providerId="ADAL" clId="{E96AB373-B61F-4EA3-83A7-3DE95BC47E21}" dt="2025-01-09T13:17:29.309" v="170" actId="2890"/>
-        <pc:sldMkLst>
-          <pc:docMk/>
-          <pc:sldMk cId="1326325659" sldId="271"/>
-        </pc:sldMkLst>
-      </pc:sldChg>
-      <pc:sldChg chg="add">
-        <pc:chgData name="Sai Sriram Duddu" userId="bb03187e-d4be-49a3-a01a-6c6b6c86d441" providerId="ADAL" clId="{E96AB373-B61F-4EA3-83A7-3DE95BC47E21}" dt="2025-01-09T13:17:31.573" v="171" actId="2890"/>
-        <pc:sldMkLst>
-          <pc:docMk/>
-          <pc:sldMk cId="1478134919" sldId="272"/>
-        </pc:sldMkLst>
-      </pc:sldChg>
-      <pc:sldChg chg="addSp delSp modSp add mod ord">
-        <pc:chgData name="Sai Sriram Duddu" userId="bb03187e-d4be-49a3-a01a-6c6b6c86d441" providerId="ADAL" clId="{E96AB373-B61F-4EA3-83A7-3DE95BC47E21}" dt="2025-01-09T13:32:04.139" v="446"/>
-        <pc:sldMkLst>
-          <pc:docMk/>
-          <pc:sldMk cId="670474956" sldId="273"/>
-        </pc:sldMkLst>
-        <pc:spChg chg="add mod">
-          <ac:chgData name="Sai Sriram Duddu" userId="bb03187e-d4be-49a3-a01a-6c6b6c86d441" providerId="ADAL" clId="{E96AB373-B61F-4EA3-83A7-3DE95BC47E21}" dt="2025-01-09T13:26:55.511" v="387"/>
-          <ac:spMkLst>
-            <pc:docMk/>
-            <pc:sldMk cId="670474956" sldId="273"/>
-            <ac:spMk id="2" creationId="{70BBCFB0-466D-9C61-8FCD-8BFC819096B6}"/>
-          </ac:spMkLst>
-        </pc:spChg>
-        <pc:spChg chg="del">
-          <ac:chgData name="Sai Sriram Duddu" userId="bb03187e-d4be-49a3-a01a-6c6b6c86d441" providerId="ADAL" clId="{E96AB373-B61F-4EA3-83A7-3DE95BC47E21}" dt="2025-01-09T13:27:00.230" v="388" actId="478"/>
-          <ac:spMkLst>
-            <pc:docMk/>
-            <pc:sldMk cId="670474956" sldId="273"/>
-            <ac:spMk id="3" creationId="{A4B303EB-0D23-CBFC-D20A-F3B9677D919D}"/>
-          </ac:spMkLst>
-        </pc:spChg>
-        <pc:spChg chg="mod">
-          <ac:chgData name="Sai Sriram Duddu" userId="bb03187e-d4be-49a3-a01a-6c6b6c86d441" providerId="ADAL" clId="{E96AB373-B61F-4EA3-83A7-3DE95BC47E21}" dt="2025-01-09T13:27:46.999" v="401" actId="20577"/>
-          <ac:spMkLst>
-            <pc:docMk/>
-            <pc:sldMk cId="670474956" sldId="273"/>
-            <ac:spMk id="10" creationId="{15F8417C-7237-4089-8F84-4495CCB082CD}"/>
-          </ac:spMkLst>
-        </pc:spChg>
-        <pc:spChg chg="mod">
-          <ac:chgData name="Sai Sriram Duddu" userId="bb03187e-d4be-49a3-a01a-6c6b6c86d441" providerId="ADAL" clId="{E96AB373-B61F-4EA3-83A7-3DE95BC47E21}" dt="2025-01-09T13:30:22.681" v="427" actId="14100"/>
-          <ac:spMkLst>
-            <pc:docMk/>
-            <pc:sldMk cId="670474956" sldId="273"/>
-            <ac:spMk id="12" creationId="{742ECE8C-8BC6-83FF-64A6-D37899D066F5}"/>
-          </ac:spMkLst>
-        </pc:spChg>
-        <pc:spChg chg="add mod">
-          <ac:chgData name="Sai Sriram Duddu" userId="bb03187e-d4be-49a3-a01a-6c6b6c86d441" providerId="ADAL" clId="{E96AB373-B61F-4EA3-83A7-3DE95BC47E21}" dt="2025-01-09T13:27:14.455" v="393" actId="1076"/>
-          <ac:spMkLst>
-            <pc:docMk/>
-            <pc:sldMk cId="670474956" sldId="273"/>
-            <ac:spMk id="15" creationId="{8E12034F-BDFA-EE2C-3CB5-E59BF6F97202}"/>
-          </ac:spMkLst>
-        </pc:spChg>
-        <pc:picChg chg="del">
-          <ac:chgData name="Sai Sriram Duddu" userId="bb03187e-d4be-49a3-a01a-6c6b6c86d441" providerId="ADAL" clId="{E96AB373-B61F-4EA3-83A7-3DE95BC47E21}" dt="2025-01-09T13:27:00.230" v="388" actId="478"/>
-          <ac:picMkLst>
-            <pc:docMk/>
-            <pc:sldMk cId="670474956" sldId="273"/>
-            <ac:picMk id="8" creationId="{339E9468-58C1-CB1E-8680-C30852A44A05}"/>
-          </ac:picMkLst>
-        </pc:picChg>
-        <pc:picChg chg="del">
-          <ac:chgData name="Sai Sriram Duddu" userId="bb03187e-d4be-49a3-a01a-6c6b6c86d441" providerId="ADAL" clId="{E96AB373-B61F-4EA3-83A7-3DE95BC47E21}" dt="2025-01-09T13:27:00.230" v="388" actId="478"/>
-          <ac:picMkLst>
-            <pc:docMk/>
-            <pc:sldMk cId="670474956" sldId="273"/>
-            <ac:picMk id="9" creationId="{FA057C73-F3F4-6354-E69D-07F102479DBE}"/>
-          </ac:picMkLst>
-        </pc:picChg>
-        <pc:picChg chg="add mod">
-          <ac:chgData name="Sai Sriram Duddu" userId="bb03187e-d4be-49a3-a01a-6c6b6c86d441" providerId="ADAL" clId="{E96AB373-B61F-4EA3-83A7-3DE95BC47E21}" dt="2025-01-09T13:26:55.511" v="387"/>
-          <ac:picMkLst>
-            <pc:docMk/>
-            <pc:sldMk cId="670474956" sldId="273"/>
-            <ac:picMk id="11" creationId="{A1275E11-ABC1-2285-DCA7-87FEC6D44DEA}"/>
-          </ac:picMkLst>
-        </pc:picChg>
-        <pc:picChg chg="add mod">
-          <ac:chgData name="Sai Sriram Duddu" userId="bb03187e-d4be-49a3-a01a-6c6b6c86d441" providerId="ADAL" clId="{E96AB373-B61F-4EA3-83A7-3DE95BC47E21}" dt="2025-01-09T13:26:55.511" v="387"/>
-          <ac:picMkLst>
-            <pc:docMk/>
-            <pc:sldMk cId="670474956" sldId="273"/>
-            <ac:picMk id="13" creationId="{0A60E192-4428-9410-818F-22594980D6FE}"/>
-          </ac:picMkLst>
-        </pc:picChg>
-        <pc:picChg chg="add mod">
-          <ac:chgData name="Sai Sriram Duddu" userId="bb03187e-d4be-49a3-a01a-6c6b6c86d441" providerId="ADAL" clId="{E96AB373-B61F-4EA3-83A7-3DE95BC47E21}" dt="2025-01-09T13:27:19.344" v="394" actId="1076"/>
-          <ac:picMkLst>
-            <pc:docMk/>
-            <pc:sldMk cId="670474956" sldId="273"/>
-            <ac:picMk id="17" creationId="{739EDA04-6003-1AD6-EE43-75F94EE53E4D}"/>
-          </ac:picMkLst>
-        </pc:picChg>
-        <pc:picChg chg="add mod">
-          <ac:chgData name="Sai Sriram Duddu" userId="bb03187e-d4be-49a3-a01a-6c6b6c86d441" providerId="ADAL" clId="{E96AB373-B61F-4EA3-83A7-3DE95BC47E21}" dt="2025-01-09T13:28:38.025" v="414" actId="1076"/>
-          <ac:picMkLst>
-            <pc:docMk/>
-            <pc:sldMk cId="670474956" sldId="273"/>
-            <ac:picMk id="18" creationId="{549CAC0E-D99F-F3FB-B821-71B4B3370773}"/>
-          </ac:picMkLst>
-        </pc:picChg>
-        <pc:cxnChg chg="del">
-          <ac:chgData name="Sai Sriram Duddu" userId="bb03187e-d4be-49a3-a01a-6c6b6c86d441" providerId="ADAL" clId="{E96AB373-B61F-4EA3-83A7-3DE95BC47E21}" dt="2025-01-09T13:27:02.254" v="389" actId="478"/>
-          <ac:cxnSpMkLst>
-            <pc:docMk/>
-            <pc:sldMk cId="670474956" sldId="273"/>
-            <ac:cxnSpMk id="14" creationId="{41109C0A-C1C6-327A-3807-9D77759ACF72}"/>
-          </ac:cxnSpMkLst>
-        </pc:cxnChg>
-        <pc:cxnChg chg="del">
-          <ac:chgData name="Sai Sriram Duddu" userId="bb03187e-d4be-49a3-a01a-6c6b6c86d441" providerId="ADAL" clId="{E96AB373-B61F-4EA3-83A7-3DE95BC47E21}" dt="2025-01-09T13:27:03.414" v="390" actId="478"/>
-          <ac:cxnSpMkLst>
-            <pc:docMk/>
-            <pc:sldMk cId="670474956" sldId="273"/>
-            <ac:cxnSpMk id="16" creationId="{2A086F18-8F16-7B9A-7C0C-918C0C406348}"/>
-          </ac:cxnSpMkLst>
-        </pc:cxnChg>
-        <pc:cxnChg chg="add">
-          <ac:chgData name="Sai Sriram Duddu" userId="bb03187e-d4be-49a3-a01a-6c6b6c86d441" providerId="ADAL" clId="{E96AB373-B61F-4EA3-83A7-3DE95BC47E21}" dt="2025-01-09T13:28:33.827" v="412" actId="11529"/>
-          <ac:cxnSpMkLst>
-            <pc:docMk/>
-            <pc:sldMk cId="670474956" sldId="273"/>
-            <ac:cxnSpMk id="20" creationId="{4CF2ED4D-54B6-C95D-EF77-F94FF2D88812}"/>
-          </ac:cxnSpMkLst>
-        </pc:cxnChg>
-        <pc:cxnChg chg="add">
-          <ac:chgData name="Sai Sriram Duddu" userId="bb03187e-d4be-49a3-a01a-6c6b6c86d441" providerId="ADAL" clId="{E96AB373-B61F-4EA3-83A7-3DE95BC47E21}" dt="2025-01-09T13:28:42.320" v="415" actId="11529"/>
-          <ac:cxnSpMkLst>
-            <pc:docMk/>
-            <pc:sldMk cId="670474956" sldId="273"/>
-            <ac:cxnSpMk id="22" creationId="{5DD22811-3F51-C9EC-E8E3-126A6E065275}"/>
-          </ac:cxnSpMkLst>
-        </pc:cxnChg>
-      </pc:sldChg>
-      <pc:sldChg chg="addSp delSp modSp add mod ord">
-        <pc:chgData name="Sai Sriram Duddu" userId="bb03187e-d4be-49a3-a01a-6c6b6c86d441" providerId="ADAL" clId="{E96AB373-B61F-4EA3-83A7-3DE95BC47E21}" dt="2025-01-09T13:32:08.882" v="448"/>
-        <pc:sldMkLst>
-          <pc:docMk/>
-          <pc:sldMk cId="2063765822" sldId="274"/>
-        </pc:sldMkLst>
-        <pc:spChg chg="add mod">
-          <ac:chgData name="Sai Sriram Duddu" userId="bb03187e-d4be-49a3-a01a-6c6b6c86d441" providerId="ADAL" clId="{E96AB373-B61F-4EA3-83A7-3DE95BC47E21}" dt="2025-01-09T13:29:37.609" v="421" actId="1076"/>
-          <ac:spMkLst>
-            <pc:docMk/>
-            <pc:sldMk cId="2063765822" sldId="274"/>
-            <ac:spMk id="2" creationId="{DCABAF66-EDE9-0192-3B7E-2A0217FF3F62}"/>
-          </ac:spMkLst>
-        </pc:spChg>
-        <pc:spChg chg="del">
-          <ac:chgData name="Sai Sriram Duddu" userId="bb03187e-d4be-49a3-a01a-6c6b6c86d441" providerId="ADAL" clId="{E96AB373-B61F-4EA3-83A7-3DE95BC47E21}" dt="2025-01-09T13:29:18.054" v="416" actId="478"/>
-          <ac:spMkLst>
-            <pc:docMk/>
-            <pc:sldMk cId="2063765822" sldId="274"/>
-            <ac:spMk id="3" creationId="{41C99261-E536-99C5-0908-6A59A1D608F1}"/>
-          </ac:spMkLst>
-        </pc:spChg>
-        <pc:spChg chg="mod">
-          <ac:chgData name="Sai Sriram Duddu" userId="bb03187e-d4be-49a3-a01a-6c6b6c86d441" providerId="ADAL" clId="{E96AB373-B61F-4EA3-83A7-3DE95BC47E21}" dt="2025-01-09T13:30:40.537" v="435" actId="20577"/>
-          <ac:spMkLst>
-            <pc:docMk/>
-            <pc:sldMk cId="2063765822" sldId="274"/>
-            <ac:spMk id="10" creationId="{1BD62680-4FC5-9AF3-66EA-1AE2B430DDF9}"/>
-          </ac:spMkLst>
-        </pc:spChg>
-        <pc:spChg chg="mod">
-          <ac:chgData name="Sai Sriram Duddu" userId="bb03187e-d4be-49a3-a01a-6c6b6c86d441" providerId="ADAL" clId="{E96AB373-B61F-4EA3-83A7-3DE95BC47E21}" dt="2025-01-09T13:31:29.704" v="440" actId="14100"/>
-          <ac:spMkLst>
-            <pc:docMk/>
-            <pc:sldMk cId="2063765822" sldId="274"/>
-            <ac:spMk id="12" creationId="{28A62E25-9F78-1F61-335C-32F1EB069C23}"/>
-          </ac:spMkLst>
-        </pc:spChg>
-        <pc:picChg chg="del">
-          <ac:chgData name="Sai Sriram Duddu" userId="bb03187e-d4be-49a3-a01a-6c6b6c86d441" providerId="ADAL" clId="{E96AB373-B61F-4EA3-83A7-3DE95BC47E21}" dt="2025-01-09T13:29:18.054" v="416" actId="478"/>
-          <ac:picMkLst>
-            <pc:docMk/>
-            <pc:sldMk cId="2063765822" sldId="274"/>
-            <ac:picMk id="8" creationId="{51972F85-2E17-B504-D7E8-A49F107815BC}"/>
-          </ac:picMkLst>
-        </pc:picChg>
-        <pc:picChg chg="del">
-          <ac:chgData name="Sai Sriram Duddu" userId="bb03187e-d4be-49a3-a01a-6c6b6c86d441" providerId="ADAL" clId="{E96AB373-B61F-4EA3-83A7-3DE95BC47E21}" dt="2025-01-09T13:29:18.054" v="416" actId="478"/>
-          <ac:picMkLst>
-            <pc:docMk/>
-            <pc:sldMk cId="2063765822" sldId="274"/>
-            <ac:picMk id="9" creationId="{2ED4C184-074B-BA1C-E719-A4111113C51A}"/>
-          </ac:picMkLst>
-        </pc:picChg>
-        <pc:picChg chg="add mod">
-          <ac:chgData name="Sai Sriram Duddu" userId="bb03187e-d4be-49a3-a01a-6c6b6c86d441" providerId="ADAL" clId="{E96AB373-B61F-4EA3-83A7-3DE95BC47E21}" dt="2025-01-09T13:29:42.312" v="422" actId="1076"/>
-          <ac:picMkLst>
-            <pc:docMk/>
-            <pc:sldMk cId="2063765822" sldId="274"/>
-            <ac:picMk id="11" creationId="{C463DF88-C9A3-91BC-A2F1-1C8AD8D00722}"/>
-          </ac:picMkLst>
-        </pc:picChg>
-        <pc:picChg chg="add mod">
-          <ac:chgData name="Sai Sriram Duddu" userId="bb03187e-d4be-49a3-a01a-6c6b6c86d441" providerId="ADAL" clId="{E96AB373-B61F-4EA3-83A7-3DE95BC47E21}" dt="2025-01-09T13:31:44.296" v="443" actId="1076"/>
-          <ac:picMkLst>
-            <pc:docMk/>
-            <pc:sldMk cId="2063765822" sldId="274"/>
-            <ac:picMk id="13" creationId="{0F2B2308-8DAC-5D6E-0733-EDFAB46FF6CC}"/>
-          </ac:picMkLst>
-        </pc:picChg>
-        <pc:cxnChg chg="del mod">
-          <ac:chgData name="Sai Sriram Duddu" userId="bb03187e-d4be-49a3-a01a-6c6b6c86d441" providerId="ADAL" clId="{E96AB373-B61F-4EA3-83A7-3DE95BC47E21}" dt="2025-01-09T13:29:24.574" v="418" actId="478"/>
-          <ac:cxnSpMkLst>
-            <pc:docMk/>
-            <pc:sldMk cId="2063765822" sldId="274"/>
-            <ac:cxnSpMk id="14" creationId="{5254C703-187A-1A59-0106-97A30AC0D109}"/>
-          </ac:cxnSpMkLst>
-        </pc:cxnChg>
-        <pc:cxnChg chg="del">
-          <ac:chgData name="Sai Sriram Duddu" userId="bb03187e-d4be-49a3-a01a-6c6b6c86d441" providerId="ADAL" clId="{E96AB373-B61F-4EA3-83A7-3DE95BC47E21}" dt="2025-01-09T13:29:26.262" v="419" actId="478"/>
-          <ac:cxnSpMkLst>
-            <pc:docMk/>
-            <pc:sldMk cId="2063765822" sldId="274"/>
-            <ac:cxnSpMk id="16" creationId="{8DEE22CE-25C3-977E-A1D4-24075BF73BD7}"/>
-          </ac:cxnSpMkLst>
-        </pc:cxnChg>
-        <pc:cxnChg chg="add">
-          <ac:chgData name="Sai Sriram Duddu" userId="bb03187e-d4be-49a3-a01a-6c6b6c86d441" providerId="ADAL" clId="{E96AB373-B61F-4EA3-83A7-3DE95BC47E21}" dt="2025-01-09T13:31:38.033" v="441" actId="11529"/>
-          <ac:cxnSpMkLst>
-            <pc:docMk/>
-            <pc:sldMk cId="2063765822" sldId="274"/>
-            <ac:cxnSpMk id="17" creationId="{AAF35E1A-5194-9D9F-2682-F7A3E429548A}"/>
-          </ac:cxnSpMkLst>
-        </pc:cxnChg>
-        <pc:cxnChg chg="add">
-          <ac:chgData name="Sai Sriram Duddu" userId="bb03187e-d4be-49a3-a01a-6c6b6c86d441" providerId="ADAL" clId="{E96AB373-B61F-4EA3-83A7-3DE95BC47E21}" dt="2025-01-09T13:31:48.161" v="444" actId="11529"/>
-          <ac:cxnSpMkLst>
-            <pc:docMk/>
-            <pc:sldMk cId="2063765822" sldId="274"/>
-            <ac:cxnSpMk id="19" creationId="{4426ECB0-A761-1E45-FD81-0C1937EBAE9E}"/>
-          </ac:cxnSpMkLst>
-        </pc:cxnChg>
-      </pc:sldChg>
-      <pc:sldChg chg="addSp delSp modSp add mod">
-        <pc:chgData name="Sai Sriram Duddu" userId="bb03187e-d4be-49a3-a01a-6c6b6c86d441" providerId="ADAL" clId="{E96AB373-B61F-4EA3-83A7-3DE95BC47E21}" dt="2025-01-09T13:55:27.083" v="702" actId="1076"/>
-        <pc:sldMkLst>
-          <pc:docMk/>
-          <pc:sldMk cId="1283401701" sldId="275"/>
-        </pc:sldMkLst>
-        <pc:spChg chg="del mod">
-          <ac:chgData name="Sai Sriram Duddu" userId="bb03187e-d4be-49a3-a01a-6c6b6c86d441" providerId="ADAL" clId="{E96AB373-B61F-4EA3-83A7-3DE95BC47E21}" dt="2025-01-09T13:34:51.471" v="457" actId="478"/>
-          <ac:spMkLst>
-            <pc:docMk/>
-            <pc:sldMk cId="1283401701" sldId="275"/>
-            <ac:spMk id="2" creationId="{9C3F2D07-59EE-6C1E-0ADA-345782929758}"/>
-          </ac:spMkLst>
-        </pc:spChg>
-        <pc:spChg chg="add mod">
-          <ac:chgData name="Sai Sriram Duddu" userId="bb03187e-d4be-49a3-a01a-6c6b6c86d441" providerId="ADAL" clId="{E96AB373-B61F-4EA3-83A7-3DE95BC47E21}" dt="2025-01-09T13:43:56.289" v="553" actId="20577"/>
-          <ac:spMkLst>
-            <pc:docMk/>
-            <pc:sldMk cId="1283401701" sldId="275"/>
-            <ac:spMk id="3" creationId="{7D2B292F-34C4-1A3D-4AF1-08FE797A1CDB}"/>
-          </ac:spMkLst>
-        </pc:spChg>
-        <pc:spChg chg="add mod">
-          <ac:chgData name="Sai Sriram Duddu" userId="bb03187e-d4be-49a3-a01a-6c6b6c86d441" providerId="ADAL" clId="{E96AB373-B61F-4EA3-83A7-3DE95BC47E21}" dt="2025-01-09T13:54:43.371" v="676" actId="1076"/>
-          <ac:spMkLst>
-            <pc:docMk/>
-            <pc:sldMk cId="1283401701" sldId="275"/>
-            <ac:spMk id="8" creationId="{6D47A8F4-97BD-B621-55CA-A442789D2CA5}"/>
-          </ac:spMkLst>
-        </pc:spChg>
-        <pc:spChg chg="add mod">
-          <ac:chgData name="Sai Sriram Duddu" userId="bb03187e-d4be-49a3-a01a-6c6b6c86d441" providerId="ADAL" clId="{E96AB373-B61F-4EA3-83A7-3DE95BC47E21}" dt="2025-01-09T13:54:56.404" v="698" actId="1076"/>
-          <ac:spMkLst>
-            <pc:docMk/>
-            <pc:sldMk cId="1283401701" sldId="275"/>
-            <ac:spMk id="9" creationId="{73253B17-1EF3-7F91-6843-445B577C5BA0}"/>
-          </ac:spMkLst>
-        </pc:spChg>
-        <pc:spChg chg="del">
-          <ac:chgData name="Sai Sriram Duddu" userId="bb03187e-d4be-49a3-a01a-6c6b6c86d441" providerId="ADAL" clId="{E96AB373-B61F-4EA3-83A7-3DE95BC47E21}" dt="2025-01-09T13:34:51.471" v="457" actId="478"/>
-          <ac:spMkLst>
-            <pc:docMk/>
-            <pc:sldMk cId="1283401701" sldId="275"/>
-            <ac:spMk id="10" creationId="{4264036A-F896-0161-3DDE-555BD435D4B2}"/>
-          </ac:spMkLst>
-        </pc:spChg>
-        <pc:spChg chg="del">
-          <ac:chgData name="Sai Sriram Duddu" userId="bb03187e-d4be-49a3-a01a-6c6b6c86d441" providerId="ADAL" clId="{E96AB373-B61F-4EA3-83A7-3DE95BC47E21}" dt="2025-01-09T13:34:51.471" v="457" actId="478"/>
-          <ac:spMkLst>
-            <pc:docMk/>
-            <pc:sldMk cId="1283401701" sldId="275"/>
-            <ac:spMk id="12" creationId="{56A7C694-5C5D-CC8C-0F1A-588D4880F70E}"/>
-          </ac:spMkLst>
-        </pc:spChg>
-        <pc:picChg chg="del mod">
-          <ac:chgData name="Sai Sriram Duddu" userId="bb03187e-d4be-49a3-a01a-6c6b6c86d441" providerId="ADAL" clId="{E96AB373-B61F-4EA3-83A7-3DE95BC47E21}" dt="2025-01-09T13:34:54.582" v="460" actId="478"/>
-          <ac:picMkLst>
-            <pc:docMk/>
-            <pc:sldMk cId="1283401701" sldId="275"/>
-            <ac:picMk id="11" creationId="{29F815B0-67B0-44BA-5E29-9CD64E568A59}"/>
-          </ac:picMkLst>
-        </pc:picChg>
-        <pc:picChg chg="del">
-          <ac:chgData name="Sai Sriram Duddu" userId="bb03187e-d4be-49a3-a01a-6c6b6c86d441" providerId="ADAL" clId="{E96AB373-B61F-4EA3-83A7-3DE95BC47E21}" dt="2025-01-09T13:34:51.471" v="457" actId="478"/>
-          <ac:picMkLst>
-            <pc:docMk/>
-            <pc:sldMk cId="1283401701" sldId="275"/>
-            <ac:picMk id="13" creationId="{3BE88053-8DF3-226F-8BF7-6FF79EE30804}"/>
-          </ac:picMkLst>
-        </pc:picChg>
-        <pc:picChg chg="add mod">
-          <ac:chgData name="Sai Sriram Duddu" userId="bb03187e-d4be-49a3-a01a-6c6b6c86d441" providerId="ADAL" clId="{E96AB373-B61F-4EA3-83A7-3DE95BC47E21}" dt="2025-01-09T13:51:43.549" v="638" actId="1076"/>
-          <ac:picMkLst>
-            <pc:docMk/>
-            <pc:sldMk cId="1283401701" sldId="275"/>
-            <ac:picMk id="15" creationId="{20F5CA2A-8086-E3A8-0205-F2B77BC98988}"/>
-          </ac:picMkLst>
-        </pc:picChg>
-        <pc:picChg chg="add del">
-          <ac:chgData name="Sai Sriram Duddu" userId="bb03187e-d4be-49a3-a01a-6c6b6c86d441" providerId="ADAL" clId="{E96AB373-B61F-4EA3-83A7-3DE95BC47E21}" dt="2025-01-09T13:50:27.837" v="629" actId="22"/>
-          <ac:picMkLst>
-            <pc:docMk/>
-            <pc:sldMk cId="1283401701" sldId="275"/>
-            <ac:picMk id="21" creationId="{ADB237F9-6FF9-4937-793A-EAD2E154B6DB}"/>
-          </ac:picMkLst>
-        </pc:picChg>
-        <pc:picChg chg="add mod">
-          <ac:chgData name="Sai Sriram Duddu" userId="bb03187e-d4be-49a3-a01a-6c6b6c86d441" providerId="ADAL" clId="{E96AB373-B61F-4EA3-83A7-3DE95BC47E21}" dt="2025-01-09T13:54:00.044" v="643" actId="1076"/>
-          <ac:picMkLst>
-            <pc:docMk/>
-            <pc:sldMk cId="1283401701" sldId="275"/>
-            <ac:picMk id="23" creationId="{357B656E-70EA-6DBF-0B69-B6E2C90672F7}"/>
-          </ac:picMkLst>
-        </pc:picChg>
-        <pc:picChg chg="add mod">
-          <ac:chgData name="Sai Sriram Duddu" userId="bb03187e-d4be-49a3-a01a-6c6b6c86d441" providerId="ADAL" clId="{E96AB373-B61F-4EA3-83A7-3DE95BC47E21}" dt="2025-01-09T13:50:55.844" v="637" actId="1076"/>
-          <ac:picMkLst>
-            <pc:docMk/>
-            <pc:sldMk cId="1283401701" sldId="275"/>
-            <ac:picMk id="2050" creationId="{37466CE9-3E9C-93FC-CA58-1C409C316BEA}"/>
-          </ac:picMkLst>
-        </pc:picChg>
-        <pc:cxnChg chg="del">
-          <ac:chgData name="Sai Sriram Duddu" userId="bb03187e-d4be-49a3-a01a-6c6b6c86d441" providerId="ADAL" clId="{E96AB373-B61F-4EA3-83A7-3DE95BC47E21}" dt="2025-01-09T13:34:51.471" v="457" actId="478"/>
-          <ac:cxnSpMkLst>
-            <pc:docMk/>
-            <pc:sldMk cId="1283401701" sldId="275"/>
-            <ac:cxnSpMk id="17" creationId="{3A1324BF-B808-4CE3-A5AD-449E1BF06A34}"/>
-          </ac:cxnSpMkLst>
-        </pc:cxnChg>
-        <pc:cxnChg chg="add mod">
-          <ac:chgData name="Sai Sriram Duddu" userId="bb03187e-d4be-49a3-a01a-6c6b6c86d441" providerId="ADAL" clId="{E96AB373-B61F-4EA3-83A7-3DE95BC47E21}" dt="2025-01-09T13:55:27.083" v="702" actId="1076"/>
-          <ac:cxnSpMkLst>
-            <pc:docMk/>
-            <pc:sldMk cId="1283401701" sldId="275"/>
-            <ac:cxnSpMk id="18" creationId="{D93815BB-E3B0-A461-24D5-F7D841A794A9}"/>
-          </ac:cxnSpMkLst>
-        </pc:cxnChg>
-        <pc:cxnChg chg="del">
-          <ac:chgData name="Sai Sriram Duddu" userId="bb03187e-d4be-49a3-a01a-6c6b6c86d441" providerId="ADAL" clId="{E96AB373-B61F-4EA3-83A7-3DE95BC47E21}" dt="2025-01-09T13:34:51.471" v="457" actId="478"/>
-          <ac:cxnSpMkLst>
-            <pc:docMk/>
-            <pc:sldMk cId="1283401701" sldId="275"/>
-            <ac:cxnSpMk id="19" creationId="{E96B3EAE-91D6-7C5E-E655-81A04C228F19}"/>
-          </ac:cxnSpMkLst>
-        </pc:cxnChg>
-      </pc:sldChg>
-      <pc:sldChg chg="delSp modSp add del mod">
-        <pc:chgData name="Sai Sriram Duddu" userId="bb03187e-d4be-49a3-a01a-6c6b6c86d441" providerId="ADAL" clId="{E96AB373-B61F-4EA3-83A7-3DE95BC47E21}" dt="2025-01-09T14:00:37.401" v="816" actId="47"/>
-        <pc:sldMkLst>
-          <pc:docMk/>
-          <pc:sldMk cId="1318784169" sldId="276"/>
-        </pc:sldMkLst>
-        <pc:spChg chg="del mod">
-          <ac:chgData name="Sai Sriram Duddu" userId="bb03187e-d4be-49a3-a01a-6c6b6c86d441" providerId="ADAL" clId="{E96AB373-B61F-4EA3-83A7-3DE95BC47E21}" dt="2025-01-09T13:35:19.679" v="470" actId="478"/>
-          <ac:spMkLst>
-            <pc:docMk/>
-            <pc:sldMk cId="1318784169" sldId="276"/>
-            <ac:spMk id="2" creationId="{08363299-62CC-E3B4-6C16-875F2E06EFA9}"/>
-          </ac:spMkLst>
-        </pc:spChg>
-        <pc:spChg chg="del">
-          <ac:chgData name="Sai Sriram Duddu" userId="bb03187e-d4be-49a3-a01a-6c6b6c86d441" providerId="ADAL" clId="{E96AB373-B61F-4EA3-83A7-3DE95BC47E21}" dt="2025-01-09T13:35:15.136" v="465" actId="478"/>
-          <ac:spMkLst>
-            <pc:docMk/>
-            <pc:sldMk cId="1318784169" sldId="276"/>
-            <ac:spMk id="10" creationId="{5CE0CBE0-0DC4-0A11-D84A-08AE224FB670}"/>
-          </ac:spMkLst>
-        </pc:spChg>
-        <pc:spChg chg="del">
-          <ac:chgData name="Sai Sriram Duddu" userId="bb03187e-d4be-49a3-a01a-6c6b6c86d441" providerId="ADAL" clId="{E96AB373-B61F-4EA3-83A7-3DE95BC47E21}" dt="2025-01-09T13:35:15.136" v="465" actId="478"/>
-          <ac:spMkLst>
-            <pc:docMk/>
-            <pc:sldMk cId="1318784169" sldId="276"/>
-            <ac:spMk id="12" creationId="{E85C1B17-8112-199D-2481-085F4F0862EA}"/>
-          </ac:spMkLst>
-        </pc:spChg>
-        <pc:picChg chg="del">
-          <ac:chgData name="Sai Sriram Duddu" userId="bb03187e-d4be-49a3-a01a-6c6b6c86d441" providerId="ADAL" clId="{E96AB373-B61F-4EA3-83A7-3DE95BC47E21}" dt="2025-01-09T13:35:18.198" v="468" actId="478"/>
-          <ac:picMkLst>
-            <pc:docMk/>
-            <pc:sldMk cId="1318784169" sldId="276"/>
-            <ac:picMk id="11" creationId="{5BABAE98-B689-BB73-9E28-7B09061AA5A9}"/>
-          </ac:picMkLst>
-        </pc:picChg>
-        <pc:picChg chg="del mod">
-          <ac:chgData name="Sai Sriram Duddu" userId="bb03187e-d4be-49a3-a01a-6c6b6c86d441" providerId="ADAL" clId="{E96AB373-B61F-4EA3-83A7-3DE95BC47E21}" dt="2025-01-09T13:35:17.567" v="467" actId="478"/>
-          <ac:picMkLst>
-            <pc:docMk/>
-            <pc:sldMk cId="1318784169" sldId="276"/>
-            <ac:picMk id="13" creationId="{88143C87-AC55-C88A-A490-7823D044BEAE}"/>
-          </ac:picMkLst>
-        </pc:picChg>
-        <pc:cxnChg chg="del">
-          <ac:chgData name="Sai Sriram Duddu" userId="bb03187e-d4be-49a3-a01a-6c6b6c86d441" providerId="ADAL" clId="{E96AB373-B61F-4EA3-83A7-3DE95BC47E21}" dt="2025-01-09T13:35:15.136" v="465" actId="478"/>
-          <ac:cxnSpMkLst>
-            <pc:docMk/>
-            <pc:sldMk cId="1318784169" sldId="276"/>
-            <ac:cxnSpMk id="17" creationId="{1003B2FF-6A4E-9A35-1FB8-F4CB1926E8B2}"/>
-          </ac:cxnSpMkLst>
-        </pc:cxnChg>
-        <pc:cxnChg chg="del">
-          <ac:chgData name="Sai Sriram Duddu" userId="bb03187e-d4be-49a3-a01a-6c6b6c86d441" providerId="ADAL" clId="{E96AB373-B61F-4EA3-83A7-3DE95BC47E21}" dt="2025-01-09T13:35:15.136" v="465" actId="478"/>
-          <ac:cxnSpMkLst>
-            <pc:docMk/>
-            <pc:sldMk cId="1318784169" sldId="276"/>
-            <ac:cxnSpMk id="19" creationId="{6B66DF55-F3B5-8D91-B81E-AE5ACA7E4C4C}"/>
-          </ac:cxnSpMkLst>
-        </pc:cxnChg>
-      </pc:sldChg>
-      <pc:sldChg chg="addSp delSp modSp add mod">
-        <pc:chgData name="Sai Sriram Duddu" userId="bb03187e-d4be-49a3-a01a-6c6b6c86d441" providerId="ADAL" clId="{E96AB373-B61F-4EA3-83A7-3DE95BC47E21}" dt="2025-01-09T14:13:03.365" v="937" actId="1076"/>
-        <pc:sldMkLst>
-          <pc:docMk/>
-          <pc:sldMk cId="2596441653" sldId="277"/>
-        </pc:sldMkLst>
-        <pc:spChg chg="del mod">
-          <ac:chgData name="Sai Sriram Duddu" userId="bb03187e-d4be-49a3-a01a-6c6b6c86d441" providerId="ADAL" clId="{E96AB373-B61F-4EA3-83A7-3DE95BC47E21}" dt="2025-01-09T13:35:01.014" v="462" actId="478"/>
-          <ac:spMkLst>
-            <pc:docMk/>
-            <pc:sldMk cId="2596441653" sldId="277"/>
-            <ac:spMk id="2" creationId="{D696C592-85B4-B94C-690E-77B855C6DE13}"/>
-          </ac:spMkLst>
-        </pc:spChg>
-        <pc:spChg chg="add mod">
-          <ac:chgData name="Sai Sriram Duddu" userId="bb03187e-d4be-49a3-a01a-6c6b6c86d441" providerId="ADAL" clId="{E96AB373-B61F-4EA3-83A7-3DE95BC47E21}" dt="2025-01-09T13:59:53.389" v="799" actId="113"/>
-          <ac:spMkLst>
-            <pc:docMk/>
-            <pc:sldMk cId="2596441653" sldId="277"/>
-            <ac:spMk id="3" creationId="{BBB917D0-0BBF-51BC-1F49-8A80531264A7}"/>
-          </ac:spMkLst>
-        </pc:spChg>
-        <pc:spChg chg="add del mod">
-          <ac:chgData name="Sai Sriram Duddu" userId="bb03187e-d4be-49a3-a01a-6c6b6c86d441" providerId="ADAL" clId="{E96AB373-B61F-4EA3-83A7-3DE95BC47E21}" dt="2025-01-09T13:58:33.810" v="792" actId="478"/>
-          <ac:spMkLst>
-            <pc:docMk/>
-            <pc:sldMk cId="2596441653" sldId="277"/>
-            <ac:spMk id="9" creationId="{577442B0-43E9-ED0E-E156-42B6B3B9E49E}"/>
-          </ac:spMkLst>
-        </pc:spChg>
-        <pc:spChg chg="del">
-          <ac:chgData name="Sai Sriram Duddu" userId="bb03187e-d4be-49a3-a01a-6c6b6c86d441" providerId="ADAL" clId="{E96AB373-B61F-4EA3-83A7-3DE95BC47E21}" dt="2025-01-09T13:35:01.014" v="462" actId="478"/>
-          <ac:spMkLst>
-            <pc:docMk/>
-            <pc:sldMk cId="2596441653" sldId="277"/>
-            <ac:spMk id="10" creationId="{FF02E4E6-2E84-56AB-AD22-2C1DEDDA73BE}"/>
-          </ac:spMkLst>
-        </pc:spChg>
-        <pc:spChg chg="del">
-          <ac:chgData name="Sai Sriram Duddu" userId="bb03187e-d4be-49a3-a01a-6c6b6c86d441" providerId="ADAL" clId="{E96AB373-B61F-4EA3-83A7-3DE95BC47E21}" dt="2025-01-09T13:35:01.014" v="462" actId="478"/>
-          <ac:spMkLst>
-            <pc:docMk/>
-            <pc:sldMk cId="2596441653" sldId="277"/>
-            <ac:spMk id="12" creationId="{10BB2F3B-9EE1-CD20-2D66-F0D18555556C}"/>
-          </ac:spMkLst>
-        </pc:spChg>
-        <pc:spChg chg="add">
-          <ac:chgData name="Sai Sriram Duddu" userId="bb03187e-d4be-49a3-a01a-6c6b6c86d441" providerId="ADAL" clId="{E96AB373-B61F-4EA3-83A7-3DE95BC47E21}" dt="2025-01-09T13:59:10.943" v="793"/>
-          <ac:spMkLst>
-            <pc:docMk/>
-            <pc:sldMk cId="2596441653" sldId="277"/>
-            <ac:spMk id="14" creationId="{3BBBA1EB-BFCD-FA63-4BBA-74CA6235B0BA}"/>
-          </ac:spMkLst>
-        </pc:spChg>
-        <pc:spChg chg="add mod">
-          <ac:chgData name="Sai Sriram Duddu" userId="bb03187e-d4be-49a3-a01a-6c6b6c86d441" providerId="ADAL" clId="{E96AB373-B61F-4EA3-83A7-3DE95BC47E21}" dt="2025-01-09T14:01:08.644" v="817" actId="1076"/>
-          <ac:spMkLst>
-            <pc:docMk/>
-            <pc:sldMk cId="2596441653" sldId="277"/>
-            <ac:spMk id="15" creationId="{501DC68D-2E61-151C-72C1-63F4F7BBCBE3}"/>
-          </ac:spMkLst>
-        </pc:spChg>
-        <pc:spChg chg="add mod">
-          <ac:chgData name="Sai Sriram Duddu" userId="bb03187e-d4be-49a3-a01a-6c6b6c86d441" providerId="ADAL" clId="{E96AB373-B61F-4EA3-83A7-3DE95BC47E21}" dt="2025-01-09T14:02:17.229" v="844" actId="1076"/>
-          <ac:spMkLst>
-            <pc:docMk/>
-            <pc:sldMk cId="2596441653" sldId="277"/>
-            <ac:spMk id="16" creationId="{82978255-A155-4721-804A-1F97A632673D}"/>
-          </ac:spMkLst>
-        </pc:spChg>
-        <pc:spChg chg="add mod">
-          <ac:chgData name="Sai Sriram Duddu" userId="bb03187e-d4be-49a3-a01a-6c6b6c86d441" providerId="ADAL" clId="{E96AB373-B61F-4EA3-83A7-3DE95BC47E21}" dt="2025-01-09T14:06:48.749" v="930" actId="20577"/>
-          <ac:spMkLst>
-            <pc:docMk/>
-            <pc:sldMk cId="2596441653" sldId="277"/>
-            <ac:spMk id="20" creationId="{A9CF81FF-4E1C-1F4E-A40C-FAC0D0B59D35}"/>
-          </ac:spMkLst>
-        </pc:spChg>
-        <pc:spChg chg="add mod">
-          <ac:chgData name="Sai Sriram Duddu" userId="bb03187e-d4be-49a3-a01a-6c6b6c86d441" providerId="ADAL" clId="{E96AB373-B61F-4EA3-83A7-3DE95BC47E21}" dt="2025-01-09T14:13:03.365" v="937" actId="1076"/>
-          <ac:spMkLst>
-            <pc:docMk/>
-            <pc:sldMk cId="2596441653" sldId="277"/>
-            <ac:spMk id="21" creationId="{6035F593-A8D8-C5B2-748F-219765A7F0C5}"/>
-          </ac:spMkLst>
-        </pc:spChg>
-        <pc:picChg chg="del mod">
-          <ac:chgData name="Sai Sriram Duddu" userId="bb03187e-d4be-49a3-a01a-6c6b6c86d441" providerId="ADAL" clId="{E96AB373-B61F-4EA3-83A7-3DE95BC47E21}" dt="2025-01-09T13:35:04.830" v="464" actId="478"/>
-          <ac:picMkLst>
-            <pc:docMk/>
-            <pc:sldMk cId="2596441653" sldId="277"/>
-            <ac:picMk id="11" creationId="{CACA2058-689F-1411-FC36-9A000E756EB6}"/>
-          </ac:picMkLst>
-        </pc:picChg>
-        <pc:picChg chg="del">
-          <ac:chgData name="Sai Sriram Duddu" userId="bb03187e-d4be-49a3-a01a-6c6b6c86d441" providerId="ADAL" clId="{E96AB373-B61F-4EA3-83A7-3DE95BC47E21}" dt="2025-01-09T13:35:01.014" v="462" actId="478"/>
-          <ac:picMkLst>
-            <pc:docMk/>
-            <pc:sldMk cId="2596441653" sldId="277"/>
-            <ac:picMk id="13" creationId="{FE4160E3-20D6-ED99-566E-F2BBA7C2A3D4}"/>
-          </ac:picMkLst>
-        </pc:picChg>
-        <pc:picChg chg="add mod">
-          <ac:chgData name="Sai Sriram Duddu" userId="bb03187e-d4be-49a3-a01a-6c6b6c86d441" providerId="ADAL" clId="{E96AB373-B61F-4EA3-83A7-3DE95BC47E21}" dt="2025-01-09T14:01:27.268" v="823" actId="1076"/>
-          <ac:picMkLst>
-            <pc:docMk/>
-            <pc:sldMk cId="2596441653" sldId="277"/>
-            <ac:picMk id="5124" creationId="{BD51FBD1-8A1E-1BED-4091-83BEC7FEB12D}"/>
-          </ac:picMkLst>
-        </pc:picChg>
-        <pc:cxnChg chg="del">
-          <ac:chgData name="Sai Sriram Duddu" userId="bb03187e-d4be-49a3-a01a-6c6b6c86d441" providerId="ADAL" clId="{E96AB373-B61F-4EA3-83A7-3DE95BC47E21}" dt="2025-01-09T13:35:01.014" v="462" actId="478"/>
-          <ac:cxnSpMkLst>
-            <pc:docMk/>
-            <pc:sldMk cId="2596441653" sldId="277"/>
-            <ac:cxnSpMk id="17" creationId="{34E0B0F8-8065-E58C-3A16-755B14784EE0}"/>
-          </ac:cxnSpMkLst>
-        </pc:cxnChg>
-        <pc:cxnChg chg="del">
-          <ac:chgData name="Sai Sriram Duddu" userId="bb03187e-d4be-49a3-a01a-6c6b6c86d441" providerId="ADAL" clId="{E96AB373-B61F-4EA3-83A7-3DE95BC47E21}" dt="2025-01-09T13:35:01.014" v="462" actId="478"/>
-          <ac:cxnSpMkLst>
-            <pc:docMk/>
-            <pc:sldMk cId="2596441653" sldId="277"/>
-            <ac:cxnSpMk id="19" creationId="{00D435E4-30D8-420A-279D-AD6D35D20771}"/>
-          </ac:cxnSpMkLst>
-        </pc:cxnChg>
-      </pc:sldChg>
-      <pc:sldChg chg="addSp delSp modSp add mod">
-        <pc:chgData name="Sai Sriram Duddu" userId="bb03187e-d4be-49a3-a01a-6c6b6c86d441" providerId="ADAL" clId="{E96AB373-B61F-4EA3-83A7-3DE95BC47E21}" dt="2025-01-09T14:50:21.503" v="1320" actId="20577"/>
-        <pc:sldMkLst>
-          <pc:docMk/>
-          <pc:sldMk cId="3810090279" sldId="279"/>
-        </pc:sldMkLst>
-        <pc:spChg chg="add mod">
-          <ac:chgData name="Sai Sriram Duddu" userId="bb03187e-d4be-49a3-a01a-6c6b6c86d441" providerId="ADAL" clId="{E96AB373-B61F-4EA3-83A7-3DE95BC47E21}" dt="2025-01-09T14:46:19.293" v="1216" actId="20577"/>
-          <ac:spMkLst>
-            <pc:docMk/>
-            <pc:sldMk cId="3810090279" sldId="279"/>
-            <ac:spMk id="2" creationId="{6E69ADDE-BEC8-4B8A-169F-81101E2AA529}"/>
-          </ac:spMkLst>
-        </pc:spChg>
-        <pc:spChg chg="del mod">
-          <ac:chgData name="Sai Sriram Duddu" userId="bb03187e-d4be-49a3-a01a-6c6b6c86d441" providerId="ADAL" clId="{E96AB373-B61F-4EA3-83A7-3DE95BC47E21}" dt="2025-01-09T14:43:12.846" v="940" actId="478"/>
-          <ac:spMkLst>
-            <pc:docMk/>
-            <pc:sldMk cId="3810090279" sldId="279"/>
-            <ac:spMk id="3" creationId="{063101F0-5213-5845-6CE4-EC71E0D78AE2}"/>
-          </ac:spMkLst>
-        </pc:spChg>
-        <pc:spChg chg="add mod">
-          <ac:chgData name="Sai Sriram Duddu" userId="bb03187e-d4be-49a3-a01a-6c6b6c86d441" providerId="ADAL" clId="{E96AB373-B61F-4EA3-83A7-3DE95BC47E21}" dt="2025-01-09T14:50:21.503" v="1320" actId="20577"/>
-          <ac:spMkLst>
-            <pc:docMk/>
-            <pc:sldMk cId="3810090279" sldId="279"/>
-            <ac:spMk id="8" creationId="{042964CC-CE56-9D8D-3B65-7DFC55BCB622}"/>
-          </ac:spMkLst>
-        </pc:spChg>
-        <pc:spChg chg="add mod">
-          <ac:chgData name="Sai Sriram Duddu" userId="bb03187e-d4be-49a3-a01a-6c6b6c86d441" providerId="ADAL" clId="{E96AB373-B61F-4EA3-83A7-3DE95BC47E21}" dt="2025-01-09T14:50:02.941" v="1307" actId="20577"/>
-          <ac:spMkLst>
-            <pc:docMk/>
-            <pc:sldMk cId="3810090279" sldId="279"/>
-            <ac:spMk id="10" creationId="{5187DC89-3A0B-DC4D-4C1E-DB74287A61D0}"/>
-          </ac:spMkLst>
-        </pc:spChg>
-        <pc:spChg chg="add mod">
-          <ac:chgData name="Sai Sriram Duddu" userId="bb03187e-d4be-49a3-a01a-6c6b6c86d441" providerId="ADAL" clId="{E96AB373-B61F-4EA3-83A7-3DE95BC47E21}" dt="2025-01-09T14:49:44.294" v="1296" actId="1076"/>
-          <ac:spMkLst>
-            <pc:docMk/>
-            <pc:sldMk cId="3810090279" sldId="279"/>
-            <ac:spMk id="12" creationId="{06D0DA69-99B5-B09B-15FF-73C20032E9AC}"/>
-          </ac:spMkLst>
-        </pc:spChg>
-        <pc:spChg chg="del">
-          <ac:chgData name="Sai Sriram Duddu" userId="bb03187e-d4be-49a3-a01a-6c6b6c86d441" providerId="ADAL" clId="{E96AB373-B61F-4EA3-83A7-3DE95BC47E21}" dt="2025-01-09T14:43:12.846" v="940" actId="478"/>
-          <ac:spMkLst>
-            <pc:docMk/>
-            <pc:sldMk cId="3810090279" sldId="279"/>
-            <ac:spMk id="15" creationId="{2BF556B0-9B09-0A93-5E57-8DF502CE4FAD}"/>
-          </ac:spMkLst>
-        </pc:spChg>
-        <pc:spChg chg="del">
-          <ac:chgData name="Sai Sriram Duddu" userId="bb03187e-d4be-49a3-a01a-6c6b6c86d441" providerId="ADAL" clId="{E96AB373-B61F-4EA3-83A7-3DE95BC47E21}" dt="2025-01-09T14:43:18.547" v="942" actId="478"/>
-          <ac:spMkLst>
-            <pc:docMk/>
-            <pc:sldMk cId="3810090279" sldId="279"/>
-            <ac:spMk id="16" creationId="{BE371451-555F-1461-48EC-EB9BD7880B4A}"/>
-          </ac:spMkLst>
-        </pc:spChg>
-        <pc:spChg chg="del">
-          <ac:chgData name="Sai Sriram Duddu" userId="bb03187e-d4be-49a3-a01a-6c6b6c86d441" providerId="ADAL" clId="{E96AB373-B61F-4EA3-83A7-3DE95BC47E21}" dt="2025-01-09T14:43:18.547" v="942" actId="478"/>
-          <ac:spMkLst>
-            <pc:docMk/>
-            <pc:sldMk cId="3810090279" sldId="279"/>
-            <ac:spMk id="20" creationId="{4BCD4D4B-9231-545A-31E2-413254BE6147}"/>
-          </ac:spMkLst>
-        </pc:spChg>
-        <pc:spChg chg="del">
-          <ac:chgData name="Sai Sriram Duddu" userId="bb03187e-d4be-49a3-a01a-6c6b6c86d441" providerId="ADAL" clId="{E96AB373-B61F-4EA3-83A7-3DE95BC47E21}" dt="2025-01-09T14:43:25.245" v="943" actId="478"/>
-          <ac:spMkLst>
-            <pc:docMk/>
-            <pc:sldMk cId="3810090279" sldId="279"/>
-            <ac:spMk id="21" creationId="{EE61B8D0-BA8A-586C-56D9-B3DDBC7E6E9C}"/>
-          </ac:spMkLst>
-        </pc:spChg>
-        <pc:picChg chg="del">
-          <ac:chgData name="Sai Sriram Duddu" userId="bb03187e-d4be-49a3-a01a-6c6b6c86d441" providerId="ADAL" clId="{E96AB373-B61F-4EA3-83A7-3DE95BC47E21}" dt="2025-01-09T14:43:15.178" v="941" actId="478"/>
-          <ac:picMkLst>
-            <pc:docMk/>
-            <pc:sldMk cId="3810090279" sldId="279"/>
-            <ac:picMk id="5124" creationId="{2C6F4862-2270-B5F4-3FE9-A8F9BD839DA4}"/>
-          </ac:picMkLst>
-        </pc:picChg>
-        <pc:picChg chg="add mod">
-          <ac:chgData name="Sai Sriram Duddu" userId="bb03187e-d4be-49a3-a01a-6c6b6c86d441" providerId="ADAL" clId="{E96AB373-B61F-4EA3-83A7-3DE95BC47E21}" dt="2025-01-09T14:47:12.811" v="1220" actId="1076"/>
-          <ac:picMkLst>
-            <pc:docMk/>
-            <pc:sldMk cId="3810090279" sldId="279"/>
-            <ac:picMk id="7170" creationId="{4AF9E9D6-586A-A355-B765-02657FC2F3B6}"/>
-          </ac:picMkLst>
-        </pc:picChg>
-      </pc:sldChg>
-      <pc:sldChg chg="add del">
-        <pc:chgData name="Sai Sriram Duddu" userId="bb03187e-d4be-49a3-a01a-6c6b6c86d441" providerId="ADAL" clId="{E96AB373-B61F-4EA3-83A7-3DE95BC47E21}" dt="2025-01-09T14:46:42.847" v="1218"/>
-        <pc:sldMkLst>
-          <pc:docMk/>
-          <pc:sldMk cId="2190267309" sldId="280"/>
-        </pc:sldMkLst>
-      </pc:sldChg>
-      <pc:sldChg chg="add del">
-        <pc:chgData name="Sai Sriram Duddu" userId="bb03187e-d4be-49a3-a01a-6c6b6c86d441" providerId="ADAL" clId="{E96AB373-B61F-4EA3-83A7-3DE95BC47E21}" dt="2025-01-09T14:43:29.276" v="945"/>
-        <pc:sldMkLst>
-          <pc:docMk/>
-          <pc:sldMk cId="2798815631" sldId="280"/>
-        </pc:sldMkLst>
-      </pc:sldChg>
-    </pc:docChg>
-  </pc:docChgLst>
 </pc:chgInfo>
 </file>
 
@@ -1813,7 +1813,7 @@
           <a:p>
             <a:fld id="{846CE7D5-CF57-46EF-B807-FDD0502418D4}" type="datetimeFigureOut">
               <a:rPr lang="en-US" smtClean="0"/>
-              <a:t>1/9/2025</a:t>
+              <a:t>1/15/2025</a:t>
             </a:fld>
             <a:endParaRPr lang="en-US"/>
           </a:p>
@@ -1983,7 +1983,7 @@
           <a:p>
             <a:fld id="{846CE7D5-CF57-46EF-B807-FDD0502418D4}" type="datetimeFigureOut">
               <a:rPr lang="en-US" smtClean="0"/>
-              <a:t>1/9/2025</a:t>
+              <a:t>1/15/2025</a:t>
             </a:fld>
             <a:endParaRPr lang="en-US"/>
           </a:p>
@@ -2163,7 +2163,7 @@
           <a:p>
             <a:fld id="{846CE7D5-CF57-46EF-B807-FDD0502418D4}" type="datetimeFigureOut">
               <a:rPr lang="en-US" smtClean="0"/>
-              <a:t>1/9/2025</a:t>
+              <a:t>1/15/2025</a:t>
             </a:fld>
             <a:endParaRPr lang="en-US"/>
           </a:p>
@@ -2333,7 +2333,7 @@
           <a:p>
             <a:fld id="{846CE7D5-CF57-46EF-B807-FDD0502418D4}" type="datetimeFigureOut">
               <a:rPr lang="en-US" smtClean="0"/>
-              <a:t>1/9/2025</a:t>
+              <a:t>1/15/2025</a:t>
             </a:fld>
             <a:endParaRPr lang="en-US"/>
           </a:p>
@@ -2579,7 +2579,7 @@
           <a:p>
             <a:fld id="{846CE7D5-CF57-46EF-B807-FDD0502418D4}" type="datetimeFigureOut">
               <a:rPr lang="en-US" smtClean="0"/>
-              <a:t>1/9/2025</a:t>
+              <a:t>1/15/2025</a:t>
             </a:fld>
             <a:endParaRPr lang="en-US"/>
           </a:p>
@@ -2811,7 +2811,7 @@
           <a:p>
             <a:fld id="{846CE7D5-CF57-46EF-B807-FDD0502418D4}" type="datetimeFigureOut">
               <a:rPr lang="en-US" smtClean="0"/>
-              <a:t>1/9/2025</a:t>
+              <a:t>1/15/2025</a:t>
             </a:fld>
             <a:endParaRPr lang="en-US"/>
           </a:p>
@@ -3178,7 +3178,7 @@
           <a:p>
             <a:fld id="{846CE7D5-CF57-46EF-B807-FDD0502418D4}" type="datetimeFigureOut">
               <a:rPr lang="en-US" smtClean="0"/>
-              <a:t>1/9/2025</a:t>
+              <a:t>1/15/2025</a:t>
             </a:fld>
             <a:endParaRPr lang="en-US"/>
           </a:p>
@@ -3296,7 +3296,7 @@
           <a:p>
             <a:fld id="{846CE7D5-CF57-46EF-B807-FDD0502418D4}" type="datetimeFigureOut">
               <a:rPr lang="en-US" smtClean="0"/>
-              <a:t>1/9/2025</a:t>
+              <a:t>1/15/2025</a:t>
             </a:fld>
             <a:endParaRPr lang="en-US"/>
           </a:p>
@@ -3391,7 +3391,7 @@
           <a:p>
             <a:fld id="{846CE7D5-CF57-46EF-B807-FDD0502418D4}" type="datetimeFigureOut">
               <a:rPr lang="en-US" smtClean="0"/>
-              <a:t>1/9/2025</a:t>
+              <a:t>1/15/2025</a:t>
             </a:fld>
             <a:endParaRPr lang="en-US"/>
           </a:p>
@@ -3668,7 +3668,7 @@
           <a:p>
             <a:fld id="{846CE7D5-CF57-46EF-B807-FDD0502418D4}" type="datetimeFigureOut">
               <a:rPr lang="en-US" smtClean="0"/>
-              <a:t>1/9/2025</a:t>
+              <a:t>1/15/2025</a:t>
             </a:fld>
             <a:endParaRPr lang="en-US"/>
           </a:p>
@@ -3925,7 +3925,7 @@
           <a:p>
             <a:fld id="{846CE7D5-CF57-46EF-B807-FDD0502418D4}" type="datetimeFigureOut">
               <a:rPr lang="en-US" smtClean="0"/>
-              <a:t>1/9/2025</a:t>
+              <a:t>1/15/2025</a:t>
             </a:fld>
             <a:endParaRPr lang="en-US"/>
           </a:p>
@@ -4138,7 +4138,7 @@
           <a:p>
             <a:fld id="{846CE7D5-CF57-46EF-B807-FDD0502418D4}" type="datetimeFigureOut">
               <a:rPr lang="en-US" smtClean="0"/>
-              <a:t>1/9/2025</a:t>
+              <a:t>1/15/2025</a:t>
             </a:fld>
             <a:endParaRPr lang="en-US"/>
           </a:p>
@@ -4607,759 +4607,6 @@
   <p:cSld>
     <p:spTree>
       <p:nvGrpSpPr>
-        <p:cNvPr id="1" name="">
-          <a:extLst>
-            <a:ext uri="{FF2B5EF4-FFF2-40B4-BE49-F238E27FC236}">
-              <a16:creationId xmlns:a16="http://schemas.microsoft.com/office/drawing/2014/main" id="{AFEB29A4-B11A-EB54-543E-D88BD1ADC5EB}"/>
-            </a:ext>
-          </a:extLst>
-        </p:cNvPr>
-        <p:cNvGrpSpPr/>
-        <p:nvPr/>
-      </p:nvGrpSpPr>
-      <p:grpSpPr>
-        <a:xfrm>
-          <a:off x="0" y="0"/>
-          <a:ext cx="0" cy="0"/>
-          <a:chOff x="0" y="0"/>
-          <a:chExt cx="0" cy="0"/>
-        </a:xfrm>
-      </p:grpSpPr>
-      <p:sp>
-        <p:nvSpPr>
-          <p:cNvPr id="2" name="TextBox 1">
-            <a:extLst>
-              <a:ext uri="{FF2B5EF4-FFF2-40B4-BE49-F238E27FC236}">
-                <a16:creationId xmlns:a16="http://schemas.microsoft.com/office/drawing/2014/main" id="{3B1948E4-E883-4768-F5F1-2F32725A582E}"/>
-              </a:ext>
-            </a:extLst>
-          </p:cNvPr>
-          <p:cNvSpPr txBox="1"/>
-          <p:nvPr/>
-        </p:nvSpPr>
-        <p:spPr>
-          <a:xfrm>
-            <a:off x="302563" y="1207105"/>
-            <a:ext cx="4550833" cy="369332"/>
-          </a:xfrm>
-          <a:prstGeom prst="rect">
-            <a:avLst/>
-          </a:prstGeom>
-          <a:noFill/>
-        </p:spPr>
-        <p:txBody>
-          <a:bodyPr rot="0" spcFirstLastPara="0" vertOverflow="overflow" horzOverflow="overflow" vert="horz" wrap="square" lIns="91440" tIns="45720" rIns="91440" bIns="45720" numCol="1" spcCol="0" rtlCol="0" fromWordArt="0" anchor="t" anchorCtr="0" forceAA="0" compatLnSpc="1">
-            <a:prstTxWarp prst="textNoShape">
-              <a:avLst/>
-            </a:prstTxWarp>
-            <a:spAutoFit/>
-          </a:bodyPr>
-          <a:lstStyle/>
-          <a:p>
-            <a:r>
-              <a:rPr lang="en-US" dirty="0"/>
-              <a:t>Force Plots in all the 3 axes in 45 Orientation</a:t>
-            </a:r>
-          </a:p>
-        </p:txBody>
-      </p:sp>
-      <p:pic>
-        <p:nvPicPr>
-          <p:cNvPr id="4" name="Picture 4" descr="MAGICIAN | Adra Association">
-            <a:extLst>
-              <a:ext uri="{FF2B5EF4-FFF2-40B4-BE49-F238E27FC236}">
-                <a16:creationId xmlns:a16="http://schemas.microsoft.com/office/drawing/2014/main" id="{1BD03EA6-AC84-2994-95CB-B9B90431F9B9}"/>
-              </a:ext>
-            </a:extLst>
-          </p:cNvPr>
-          <p:cNvPicPr>
-            <a:picLocks noChangeAspect="1" noChangeArrowheads="1"/>
-          </p:cNvPicPr>
-          <p:nvPr/>
-        </p:nvPicPr>
-        <p:blipFill rotWithShape="1">
-          <a:blip r:embed="rId2">
-            <a:extLst>
-              <a:ext uri="{28A0092B-C50C-407E-A947-70E740481C1C}">
-                <a14:useLocalDpi xmlns:a14="http://schemas.microsoft.com/office/drawing/2010/main" val="0"/>
-              </a:ext>
-            </a:extLst>
-          </a:blip>
-          <a:srcRect t="16424" b="19091"/>
-          <a:stretch/>
-        </p:blipFill>
-        <p:spPr bwMode="auto">
-          <a:xfrm>
-            <a:off x="10631306" y="0"/>
-            <a:ext cx="1444988" cy="931800"/>
-          </a:xfrm>
-          <a:prstGeom prst="rect">
-            <a:avLst/>
-          </a:prstGeom>
-          <a:noFill/>
-          <a:extLst>
-            <a:ext uri="{909E8E84-426E-40DD-AFC4-6F175D3DCCD1}">
-              <a14:hiddenFill xmlns:a14="http://schemas.microsoft.com/office/drawing/2010/main">
-                <a:solidFill>
-                  <a:srgbClr val="FFFFFF"/>
-                </a:solidFill>
-              </a14:hiddenFill>
-            </a:ext>
-          </a:extLst>
-        </p:spPr>
-      </p:pic>
-      <p:pic>
-        <p:nvPicPr>
-          <p:cNvPr id="5" name="Picture 12">
-            <a:extLst>
-              <a:ext uri="{FF2B5EF4-FFF2-40B4-BE49-F238E27FC236}">
-                <a16:creationId xmlns:a16="http://schemas.microsoft.com/office/drawing/2014/main" id="{C96517C1-1372-76E7-490B-275C65149543}"/>
-              </a:ext>
-            </a:extLst>
-          </p:cNvPr>
-          <p:cNvPicPr>
-            <a:picLocks noChangeAspect="1" noChangeArrowheads="1"/>
-          </p:cNvPicPr>
-          <p:nvPr/>
-        </p:nvPicPr>
-        <p:blipFill>
-          <a:blip r:embed="rId3">
-            <a:extLst>
-              <a:ext uri="{28A0092B-C50C-407E-A947-70E740481C1C}">
-                <a14:useLocalDpi xmlns:a14="http://schemas.microsoft.com/office/drawing/2010/main" val="0"/>
-              </a:ext>
-            </a:extLst>
-          </a:blip>
-          <a:srcRect/>
-          <a:stretch>
-            <a:fillRect/>
-          </a:stretch>
-        </p:blipFill>
-        <p:spPr bwMode="auto">
-          <a:xfrm>
-            <a:off x="115706" y="91981"/>
-            <a:ext cx="2379085" cy="582954"/>
-          </a:xfrm>
-          <a:prstGeom prst="rect">
-            <a:avLst/>
-          </a:prstGeom>
-          <a:noFill/>
-          <a:extLst>
-            <a:ext uri="{909E8E84-426E-40DD-AFC4-6F175D3DCCD1}">
-              <a14:hiddenFill xmlns:a14="http://schemas.microsoft.com/office/drawing/2010/main">
-                <a:solidFill>
-                  <a:srgbClr val="FFFFFF"/>
-                </a:solidFill>
-              </a14:hiddenFill>
-            </a:ext>
-          </a:extLst>
-        </p:spPr>
-      </p:pic>
-      <p:cxnSp>
-        <p:nvCxnSpPr>
-          <p:cNvPr id="6" name="Straight Connector 5">
-            <a:extLst>
-              <a:ext uri="{FF2B5EF4-FFF2-40B4-BE49-F238E27FC236}">
-                <a16:creationId xmlns:a16="http://schemas.microsoft.com/office/drawing/2014/main" id="{263A035B-1C6E-718A-81F6-0CBF22FC3447}"/>
-              </a:ext>
-            </a:extLst>
-          </p:cNvPr>
-          <p:cNvCxnSpPr>
-            <a:cxnSpLocks/>
-          </p:cNvCxnSpPr>
-          <p:nvPr/>
-        </p:nvCxnSpPr>
-        <p:spPr>
-          <a:xfrm>
-            <a:off x="0" y="1069452"/>
-            <a:ext cx="12192000" cy="0"/>
-          </a:xfrm>
-          <a:prstGeom prst="line">
-            <a:avLst/>
-          </a:prstGeom>
-        </p:spPr>
-        <p:style>
-          <a:lnRef idx="3">
-            <a:schemeClr val="accent3"/>
-          </a:lnRef>
-          <a:fillRef idx="0">
-            <a:schemeClr val="accent3"/>
-          </a:fillRef>
-          <a:effectRef idx="2">
-            <a:schemeClr val="accent3"/>
-          </a:effectRef>
-          <a:fontRef idx="minor">
-            <a:schemeClr val="tx1"/>
-          </a:fontRef>
-        </p:style>
-      </p:cxnSp>
-      <p:sp>
-        <p:nvSpPr>
-          <p:cNvPr id="7" name="TextBox 6">
-            <a:extLst>
-              <a:ext uri="{FF2B5EF4-FFF2-40B4-BE49-F238E27FC236}">
-                <a16:creationId xmlns:a16="http://schemas.microsoft.com/office/drawing/2014/main" id="{241D7FE4-4348-EB95-DD77-68F39F8CF13F}"/>
-              </a:ext>
-            </a:extLst>
-          </p:cNvPr>
-          <p:cNvSpPr txBox="1"/>
-          <p:nvPr/>
-        </p:nvSpPr>
-        <p:spPr>
-          <a:xfrm>
-            <a:off x="3569109" y="299352"/>
-            <a:ext cx="5712543" cy="400110"/>
-          </a:xfrm>
-          <a:prstGeom prst="rect">
-            <a:avLst/>
-          </a:prstGeom>
-          <a:noFill/>
-        </p:spPr>
-        <p:txBody>
-          <a:bodyPr wrap="square" rtlCol="0" anchor="ctr">
-            <a:spAutoFit/>
-          </a:bodyPr>
-          <a:lstStyle/>
-          <a:p>
-            <a:r>
-              <a:rPr lang="en-IN" sz="2000" dirty="0"/>
-              <a:t>Work Status Update for the </a:t>
-            </a:r>
-            <a:r>
-              <a:rPr lang="en-IN" sz="2000" b="1" dirty="0">
-                <a:solidFill>
-                  <a:schemeClr val="accent6">
-                    <a:lumMod val="50000"/>
-                  </a:schemeClr>
-                </a:solidFill>
-              </a:rPr>
-              <a:t>Project Magician</a:t>
-            </a:r>
-            <a:endParaRPr lang="en-GB" sz="2000" b="1" dirty="0">
-              <a:solidFill>
-                <a:schemeClr val="accent6">
-                  <a:lumMod val="50000"/>
-                </a:schemeClr>
-              </a:solidFill>
-            </a:endParaRPr>
-          </a:p>
-        </p:txBody>
-      </p:sp>
-      <p:pic>
-        <p:nvPicPr>
-          <p:cNvPr id="11" name="Picture 10" descr="A screenshot of a computer screen&#10;&#10;AI-generated content may be incorrect.">
-            <a:extLst>
-              <a:ext uri="{FF2B5EF4-FFF2-40B4-BE49-F238E27FC236}">
-                <a16:creationId xmlns:a16="http://schemas.microsoft.com/office/drawing/2014/main" id="{490950B3-8F6B-88D6-AB7D-627EAFCF534D}"/>
-              </a:ext>
-            </a:extLst>
-          </p:cNvPr>
-          <p:cNvPicPr>
-            <a:picLocks noChangeAspect="1"/>
-          </p:cNvPicPr>
-          <p:nvPr/>
-        </p:nvPicPr>
-        <p:blipFill>
-          <a:blip r:embed="rId4"/>
-          <a:stretch>
-            <a:fillRect/>
-          </a:stretch>
-        </p:blipFill>
-        <p:spPr>
-          <a:xfrm>
-            <a:off x="1381646" y="1714089"/>
-            <a:ext cx="9428708" cy="4635909"/>
-          </a:xfrm>
-          <a:prstGeom prst="rect">
-            <a:avLst/>
-          </a:prstGeom>
-        </p:spPr>
-      </p:pic>
-    </p:spTree>
-    <p:extLst>
-      <p:ext uri="{BB962C8B-B14F-4D97-AF65-F5344CB8AC3E}">
-        <p14:creationId xmlns:p14="http://schemas.microsoft.com/office/powerpoint/2010/main" val="1478134919"/>
-      </p:ext>
-    </p:extLst>
-  </p:cSld>
-  <p:clrMapOvr>
-    <a:masterClrMapping/>
-  </p:clrMapOvr>
-</p:sld>
-</file>
-
-<file path=ppt/slides/slide11.xml><?xml version="1.0" encoding="utf-8"?>
-<p:sld xmlns:a="http://schemas.openxmlformats.org/drawingml/2006/main" xmlns:r="http://schemas.openxmlformats.org/officeDocument/2006/relationships" xmlns:p="http://schemas.openxmlformats.org/presentationml/2006/main">
-  <p:cSld>
-    <p:spTree>
-      <p:nvGrpSpPr>
-        <p:cNvPr id="1" name="">
-          <a:extLst>
-            <a:ext uri="{FF2B5EF4-FFF2-40B4-BE49-F238E27FC236}">
-              <a16:creationId xmlns:a16="http://schemas.microsoft.com/office/drawing/2014/main" id="{34773982-693B-E75C-1262-626D2306D2B3}"/>
-            </a:ext>
-          </a:extLst>
-        </p:cNvPr>
-        <p:cNvGrpSpPr/>
-        <p:nvPr/>
-      </p:nvGrpSpPr>
-      <p:grpSpPr>
-        <a:xfrm>
-          <a:off x="0" y="0"/>
-          <a:ext cx="0" cy="0"/>
-          <a:chOff x="0" y="0"/>
-          <a:chExt cx="0" cy="0"/>
-        </a:xfrm>
-      </p:grpSpPr>
-      <p:pic>
-        <p:nvPicPr>
-          <p:cNvPr id="4" name="Picture 4" descr="MAGICIAN | Adra Association">
-            <a:extLst>
-              <a:ext uri="{FF2B5EF4-FFF2-40B4-BE49-F238E27FC236}">
-                <a16:creationId xmlns:a16="http://schemas.microsoft.com/office/drawing/2014/main" id="{9608C9CA-821F-0052-6F15-FB033C2981DD}"/>
-              </a:ext>
-            </a:extLst>
-          </p:cNvPr>
-          <p:cNvPicPr>
-            <a:picLocks noChangeAspect="1" noChangeArrowheads="1"/>
-          </p:cNvPicPr>
-          <p:nvPr/>
-        </p:nvPicPr>
-        <p:blipFill rotWithShape="1">
-          <a:blip r:embed="rId2">
-            <a:extLst>
-              <a:ext uri="{28A0092B-C50C-407E-A947-70E740481C1C}">
-                <a14:useLocalDpi xmlns:a14="http://schemas.microsoft.com/office/drawing/2010/main" val="0"/>
-              </a:ext>
-            </a:extLst>
-          </a:blip>
-          <a:srcRect t="16424" b="19091"/>
-          <a:stretch/>
-        </p:blipFill>
-        <p:spPr bwMode="auto">
-          <a:xfrm>
-            <a:off x="10631306" y="0"/>
-            <a:ext cx="1444988" cy="931800"/>
-          </a:xfrm>
-          <a:prstGeom prst="rect">
-            <a:avLst/>
-          </a:prstGeom>
-          <a:noFill/>
-          <a:extLst>
-            <a:ext uri="{909E8E84-426E-40DD-AFC4-6F175D3DCCD1}">
-              <a14:hiddenFill xmlns:a14="http://schemas.microsoft.com/office/drawing/2010/main">
-                <a:solidFill>
-                  <a:srgbClr val="FFFFFF"/>
-                </a:solidFill>
-              </a14:hiddenFill>
-            </a:ext>
-          </a:extLst>
-        </p:spPr>
-      </p:pic>
-      <p:pic>
-        <p:nvPicPr>
-          <p:cNvPr id="5" name="Picture 12">
-            <a:extLst>
-              <a:ext uri="{FF2B5EF4-FFF2-40B4-BE49-F238E27FC236}">
-                <a16:creationId xmlns:a16="http://schemas.microsoft.com/office/drawing/2014/main" id="{B0E19620-B908-16CA-16B5-B2F7759570A7}"/>
-              </a:ext>
-            </a:extLst>
-          </p:cNvPr>
-          <p:cNvPicPr>
-            <a:picLocks noChangeAspect="1" noChangeArrowheads="1"/>
-          </p:cNvPicPr>
-          <p:nvPr/>
-        </p:nvPicPr>
-        <p:blipFill>
-          <a:blip r:embed="rId3">
-            <a:extLst>
-              <a:ext uri="{28A0092B-C50C-407E-A947-70E740481C1C}">
-                <a14:useLocalDpi xmlns:a14="http://schemas.microsoft.com/office/drawing/2010/main" val="0"/>
-              </a:ext>
-            </a:extLst>
-          </a:blip>
-          <a:srcRect/>
-          <a:stretch>
-            <a:fillRect/>
-          </a:stretch>
-        </p:blipFill>
-        <p:spPr bwMode="auto">
-          <a:xfrm>
-            <a:off x="115706" y="91981"/>
-            <a:ext cx="2379085" cy="582954"/>
-          </a:xfrm>
-          <a:prstGeom prst="rect">
-            <a:avLst/>
-          </a:prstGeom>
-          <a:noFill/>
-          <a:extLst>
-            <a:ext uri="{909E8E84-426E-40DD-AFC4-6F175D3DCCD1}">
-              <a14:hiddenFill xmlns:a14="http://schemas.microsoft.com/office/drawing/2010/main">
-                <a:solidFill>
-                  <a:srgbClr val="FFFFFF"/>
-                </a:solidFill>
-              </a14:hiddenFill>
-            </a:ext>
-          </a:extLst>
-        </p:spPr>
-      </p:pic>
-      <p:cxnSp>
-        <p:nvCxnSpPr>
-          <p:cNvPr id="6" name="Straight Connector 5">
-            <a:extLst>
-              <a:ext uri="{FF2B5EF4-FFF2-40B4-BE49-F238E27FC236}">
-                <a16:creationId xmlns:a16="http://schemas.microsoft.com/office/drawing/2014/main" id="{EF623E5B-9B08-E0CA-B642-5C58E8E46C17}"/>
-              </a:ext>
-            </a:extLst>
-          </p:cNvPr>
-          <p:cNvCxnSpPr>
-            <a:cxnSpLocks/>
-          </p:cNvCxnSpPr>
-          <p:nvPr/>
-        </p:nvCxnSpPr>
-        <p:spPr>
-          <a:xfrm>
-            <a:off x="0" y="1069452"/>
-            <a:ext cx="12192000" cy="0"/>
-          </a:xfrm>
-          <a:prstGeom prst="line">
-            <a:avLst/>
-          </a:prstGeom>
-        </p:spPr>
-        <p:style>
-          <a:lnRef idx="3">
-            <a:schemeClr val="accent3"/>
-          </a:lnRef>
-          <a:fillRef idx="0">
-            <a:schemeClr val="accent3"/>
-          </a:fillRef>
-          <a:effectRef idx="2">
-            <a:schemeClr val="accent3"/>
-          </a:effectRef>
-          <a:fontRef idx="minor">
-            <a:schemeClr val="tx1"/>
-          </a:fontRef>
-        </p:style>
-      </p:cxnSp>
-      <p:sp>
-        <p:nvSpPr>
-          <p:cNvPr id="7" name="TextBox 6">
-            <a:extLst>
-              <a:ext uri="{FF2B5EF4-FFF2-40B4-BE49-F238E27FC236}">
-                <a16:creationId xmlns:a16="http://schemas.microsoft.com/office/drawing/2014/main" id="{0E68E9C0-CD66-AC43-4733-9B7C9115EB6C}"/>
-              </a:ext>
-            </a:extLst>
-          </p:cNvPr>
-          <p:cNvSpPr txBox="1"/>
-          <p:nvPr/>
-        </p:nvSpPr>
-        <p:spPr>
-          <a:xfrm>
-            <a:off x="3569109" y="299352"/>
-            <a:ext cx="5712543" cy="400110"/>
-          </a:xfrm>
-          <a:prstGeom prst="rect">
-            <a:avLst/>
-          </a:prstGeom>
-          <a:noFill/>
-        </p:spPr>
-        <p:txBody>
-          <a:bodyPr wrap="square" rtlCol="0" anchor="ctr">
-            <a:spAutoFit/>
-          </a:bodyPr>
-          <a:lstStyle/>
-          <a:p>
-            <a:r>
-              <a:rPr lang="en-IN" sz="2000" dirty="0"/>
-              <a:t>Work Status Update for the </a:t>
-            </a:r>
-            <a:r>
-              <a:rPr lang="en-IN" sz="2000" b="1" dirty="0">
-                <a:solidFill>
-                  <a:schemeClr val="accent6">
-                    <a:lumMod val="50000"/>
-                  </a:schemeClr>
-                </a:solidFill>
-              </a:rPr>
-              <a:t>Project Magician</a:t>
-            </a:r>
-            <a:endParaRPr lang="en-GB" sz="2000" b="1" dirty="0">
-              <a:solidFill>
-                <a:schemeClr val="accent6">
-                  <a:lumMod val="50000"/>
-                </a:schemeClr>
-              </a:solidFill>
-            </a:endParaRPr>
-          </a:p>
-        </p:txBody>
-      </p:sp>
-      <p:sp>
-        <p:nvSpPr>
-          <p:cNvPr id="10" name="TextBox 9">
-            <a:extLst>
-              <a:ext uri="{FF2B5EF4-FFF2-40B4-BE49-F238E27FC236}">
-                <a16:creationId xmlns:a16="http://schemas.microsoft.com/office/drawing/2014/main" id="{1BD62680-4FC5-9AF3-66EA-1AE2B430DDF9}"/>
-              </a:ext>
-            </a:extLst>
-          </p:cNvPr>
-          <p:cNvSpPr txBox="1"/>
-          <p:nvPr/>
-        </p:nvSpPr>
-        <p:spPr>
-          <a:xfrm>
-            <a:off x="914399" y="5305245"/>
-            <a:ext cx="3939397" cy="338554"/>
-          </a:xfrm>
-          <a:prstGeom prst="rect">
-            <a:avLst/>
-          </a:prstGeom>
-          <a:noFill/>
-        </p:spPr>
-        <p:txBody>
-          <a:bodyPr wrap="square" rtlCol="0">
-            <a:spAutoFit/>
-          </a:bodyPr>
-          <a:lstStyle/>
-          <a:p>
-            <a:r>
-              <a:rPr lang="en-IN" sz="1600" dirty="0"/>
-              <a:t>Frequency Range: 135 to approx. </a:t>
-            </a:r>
-            <a:r>
-              <a:rPr lang="en-GB" sz="1600" dirty="0"/>
-              <a:t>183 Hz</a:t>
-            </a:r>
-          </a:p>
-        </p:txBody>
-      </p:sp>
-      <p:sp>
-        <p:nvSpPr>
-          <p:cNvPr id="12" name="TextBox 11">
-            <a:extLst>
-              <a:ext uri="{FF2B5EF4-FFF2-40B4-BE49-F238E27FC236}">
-                <a16:creationId xmlns:a16="http://schemas.microsoft.com/office/drawing/2014/main" id="{28A62E25-9F78-1F61-335C-32F1EB069C23}"/>
-              </a:ext>
-            </a:extLst>
-          </p:cNvPr>
-          <p:cNvSpPr txBox="1"/>
-          <p:nvPr/>
-        </p:nvSpPr>
-        <p:spPr>
-          <a:xfrm>
-            <a:off x="7338204" y="5305245"/>
-            <a:ext cx="4040038" cy="338554"/>
-          </a:xfrm>
-          <a:prstGeom prst="rect">
-            <a:avLst/>
-          </a:prstGeom>
-          <a:noFill/>
-        </p:spPr>
-        <p:txBody>
-          <a:bodyPr wrap="square" rtlCol="0">
-            <a:spAutoFit/>
-          </a:bodyPr>
-          <a:lstStyle/>
-          <a:p>
-            <a:r>
-              <a:rPr lang="en-IN" sz="1600" dirty="0"/>
-              <a:t>Stiffness Range: 1.1 e6 to approx. 2 e6 N/m</a:t>
-            </a:r>
-            <a:endParaRPr lang="en-GB" sz="1600" dirty="0"/>
-          </a:p>
-        </p:txBody>
-      </p:sp>
-      <p:sp>
-        <p:nvSpPr>
-          <p:cNvPr id="2" name="TextBox 1">
-            <a:extLst>
-              <a:ext uri="{FF2B5EF4-FFF2-40B4-BE49-F238E27FC236}">
-                <a16:creationId xmlns:a16="http://schemas.microsoft.com/office/drawing/2014/main" id="{DCABAF66-EDE9-0192-3B7E-2A0217FF3F62}"/>
-              </a:ext>
-            </a:extLst>
-          </p:cNvPr>
-          <p:cNvSpPr txBox="1"/>
-          <p:nvPr/>
-        </p:nvSpPr>
-        <p:spPr>
-          <a:xfrm>
-            <a:off x="132694" y="1214201"/>
-            <a:ext cx="4988277" cy="369332"/>
-          </a:xfrm>
-          <a:prstGeom prst="rect">
-            <a:avLst/>
-          </a:prstGeom>
-          <a:noFill/>
-        </p:spPr>
-        <p:txBody>
-          <a:bodyPr rot="0" spcFirstLastPara="0" vertOverflow="overflow" horzOverflow="overflow" vert="horz" wrap="square" lIns="91440" tIns="45720" rIns="91440" bIns="45720" numCol="1" spcCol="0" rtlCol="0" fromWordArt="0" anchor="t" anchorCtr="0" forceAA="0" compatLnSpc="1">
-            <a:prstTxWarp prst="textNoShape">
-              <a:avLst/>
-            </a:prstTxWarp>
-            <a:spAutoFit/>
-          </a:bodyPr>
-          <a:lstStyle/>
-          <a:p>
-            <a:r>
-              <a:rPr lang="en-US" dirty="0"/>
-              <a:t>Frequency and Stiffness Plots at 45 Orientation</a:t>
-            </a:r>
-          </a:p>
-        </p:txBody>
-      </p:sp>
-      <p:pic>
-        <p:nvPicPr>
-          <p:cNvPr id="11" name="Picture 10" descr="A graph showing different speeds&#10;&#10;AI-generated content may be incorrect.">
-            <a:extLst>
-              <a:ext uri="{FF2B5EF4-FFF2-40B4-BE49-F238E27FC236}">
-                <a16:creationId xmlns:a16="http://schemas.microsoft.com/office/drawing/2014/main" id="{C463DF88-C9A3-91BC-A2F1-1C8AD8D00722}"/>
-              </a:ext>
-            </a:extLst>
-          </p:cNvPr>
-          <p:cNvPicPr>
-            <a:picLocks noChangeAspect="1"/>
-          </p:cNvPicPr>
-          <p:nvPr/>
-        </p:nvPicPr>
-        <p:blipFill>
-          <a:blip r:embed="rId4"/>
-          <a:srcRect l="8655" t="76" r="8156" b="-101"/>
-          <a:stretch/>
-        </p:blipFill>
-        <p:spPr>
-          <a:xfrm>
-            <a:off x="132694" y="1583533"/>
-            <a:ext cx="5964899" cy="3325514"/>
-          </a:xfrm>
-          <a:prstGeom prst="rect">
-            <a:avLst/>
-          </a:prstGeom>
-        </p:spPr>
-      </p:pic>
-      <p:pic>
-        <p:nvPicPr>
-          <p:cNvPr id="13" name="Picture 12">
-            <a:extLst>
-              <a:ext uri="{FF2B5EF4-FFF2-40B4-BE49-F238E27FC236}">
-                <a16:creationId xmlns:a16="http://schemas.microsoft.com/office/drawing/2014/main" id="{0F2B2308-8DAC-5D6E-0733-EDFAB46FF6CC}"/>
-              </a:ext>
-            </a:extLst>
-          </p:cNvPr>
-          <p:cNvPicPr>
-            <a:picLocks noChangeAspect="1"/>
-          </p:cNvPicPr>
-          <p:nvPr/>
-        </p:nvPicPr>
-        <p:blipFill>
-          <a:blip r:embed="rId5"/>
-          <a:srcRect l="9414" r="7906"/>
-          <a:stretch/>
-        </p:blipFill>
-        <p:spPr>
-          <a:xfrm>
-            <a:off x="6095734" y="1610442"/>
-            <a:ext cx="5849241" cy="3324812"/>
-          </a:xfrm>
-          <a:prstGeom prst="rect">
-            <a:avLst/>
-          </a:prstGeom>
-        </p:spPr>
-      </p:pic>
-      <p:cxnSp>
-        <p:nvCxnSpPr>
-          <p:cNvPr id="17" name="Straight Arrow Connector 16">
-            <a:extLst>
-              <a:ext uri="{FF2B5EF4-FFF2-40B4-BE49-F238E27FC236}">
-                <a16:creationId xmlns:a16="http://schemas.microsoft.com/office/drawing/2014/main" id="{AAF35E1A-5194-9D9F-2682-F7A3E429548A}"/>
-              </a:ext>
-            </a:extLst>
-          </p:cNvPr>
-          <p:cNvCxnSpPr/>
-          <p:nvPr/>
-        </p:nvCxnSpPr>
-        <p:spPr>
-          <a:xfrm flipV="1">
-            <a:off x="1406106" y="1940943"/>
-            <a:ext cx="2812211" cy="414068"/>
-          </a:xfrm>
-          <a:prstGeom prst="straightConnector1">
-            <a:avLst/>
-          </a:prstGeom>
-          <a:ln>
-            <a:tailEnd type="triangle"/>
-          </a:ln>
-        </p:spPr>
-        <p:style>
-          <a:lnRef idx="2">
-            <a:schemeClr val="accent1"/>
-          </a:lnRef>
-          <a:fillRef idx="0">
-            <a:schemeClr val="accent1"/>
-          </a:fillRef>
-          <a:effectRef idx="1">
-            <a:schemeClr val="accent1"/>
-          </a:effectRef>
-          <a:fontRef idx="minor">
-            <a:schemeClr val="tx1"/>
-          </a:fontRef>
-        </p:style>
-      </p:cxnSp>
-      <p:cxnSp>
-        <p:nvCxnSpPr>
-          <p:cNvPr id="19" name="Straight Arrow Connector 18">
-            <a:extLst>
-              <a:ext uri="{FF2B5EF4-FFF2-40B4-BE49-F238E27FC236}">
-                <a16:creationId xmlns:a16="http://schemas.microsoft.com/office/drawing/2014/main" id="{4426ECB0-A761-1E45-FD81-0C1937EBAE9E}"/>
-              </a:ext>
-            </a:extLst>
-          </p:cNvPr>
-          <p:cNvCxnSpPr/>
-          <p:nvPr/>
-        </p:nvCxnSpPr>
-        <p:spPr>
-          <a:xfrm flipV="1">
-            <a:off x="7177177" y="1940943"/>
-            <a:ext cx="2898476" cy="698740"/>
-          </a:xfrm>
-          <a:prstGeom prst="straightConnector1">
-            <a:avLst/>
-          </a:prstGeom>
-          <a:ln>
-            <a:tailEnd type="triangle"/>
-          </a:ln>
-        </p:spPr>
-        <p:style>
-          <a:lnRef idx="2">
-            <a:schemeClr val="accent1"/>
-          </a:lnRef>
-          <a:fillRef idx="0">
-            <a:schemeClr val="accent1"/>
-          </a:fillRef>
-          <a:effectRef idx="1">
-            <a:schemeClr val="accent1"/>
-          </a:effectRef>
-          <a:fontRef idx="minor">
-            <a:schemeClr val="tx1"/>
-          </a:fontRef>
-        </p:style>
-      </p:cxnSp>
-    </p:spTree>
-    <p:extLst>
-      <p:ext uri="{BB962C8B-B14F-4D97-AF65-F5344CB8AC3E}">
-        <p14:creationId xmlns:p14="http://schemas.microsoft.com/office/powerpoint/2010/main" val="2063765822"/>
-      </p:ext>
-    </p:extLst>
-  </p:cSld>
-  <p:clrMapOvr>
-    <a:masterClrMapping/>
-  </p:clrMapOvr>
-</p:sld>
-</file>
-
-<file path=ppt/slides/slide12.xml><?xml version="1.0" encoding="utf-8"?>
-<p:sld xmlns:a="http://schemas.openxmlformats.org/drawingml/2006/main" xmlns:r="http://schemas.openxmlformats.org/officeDocument/2006/relationships" xmlns:p="http://schemas.openxmlformats.org/presentationml/2006/main">
-  <p:cSld>
-    <p:spTree>
-      <p:nvGrpSpPr>
         <p:cNvPr id="1" name=""/>
         <p:cNvGrpSpPr/>
         <p:nvPr/>
@@ -5627,7 +4874,7 @@
 </p:sld>
 </file>
 
-<file path=ppt/slides/slide13.xml><?xml version="1.0" encoding="utf-8"?>
+<file path=ppt/slides/slide11.xml><?xml version="1.0" encoding="utf-8"?>
 <p:sld xmlns:a="http://schemas.openxmlformats.org/drawingml/2006/main" xmlns:r="http://schemas.openxmlformats.org/officeDocument/2006/relationships" xmlns:p="http://schemas.openxmlformats.org/presentationml/2006/main">
   <p:cSld>
     <p:spTree>
@@ -6023,7 +5270,7 @@
           <p:nvPr/>
         </p:nvPicPr>
         <p:blipFill rotWithShape="1">
-          <a:blip r:embed="rId5">
+          <a:blip r:embed="rId5" cstate="print">
             <a:extLst>
               <a:ext uri="{28A0092B-C50C-407E-A947-70E740481C1C}">
                 <a14:useLocalDpi xmlns:a14="http://schemas.microsoft.com/office/drawing/2010/main" val="0"/>
@@ -6096,7 +5343,7 @@
 </p:sld>
 </file>
 
-<file path=ppt/slides/slide14.xml><?xml version="1.0" encoding="utf-8"?>
+<file path=ppt/slides/slide12.xml><?xml version="1.0" encoding="utf-8"?>
 <p:sld xmlns:a="http://schemas.openxmlformats.org/drawingml/2006/main" xmlns:r="http://schemas.openxmlformats.org/officeDocument/2006/relationships" xmlns:p="http://schemas.openxmlformats.org/presentationml/2006/main">
   <p:cSld>
     <p:spTree>
@@ -6811,8 +6058,8 @@
           </a:p>
         </p:txBody>
       </p:sp>
-      <mc:AlternateContent xmlns:mc="http://schemas.openxmlformats.org/markup-compatibility/2006">
-        <mc:Choice xmlns:a14="http://schemas.microsoft.com/office/drawing/2010/main" Requires="a14">
+      <mc:AlternateContent xmlns:mc="http://schemas.openxmlformats.org/markup-compatibility/2006" xmlns:a14="http://schemas.microsoft.com/office/drawing/2010/main">
+        <mc:Choice Requires="a14">
           <p:sp>
             <p:nvSpPr>
               <p:cNvPr id="20" name="TextBox 19">
@@ -6997,7 +6244,7 @@
             </p:txBody>
           </p:sp>
         </mc:Choice>
-        <mc:Fallback>
+        <mc:Fallback xmlns="">
           <p:sp>
             <p:nvSpPr>
               <p:cNvPr id="20" name="TextBox 19">
@@ -7137,7 +6384,7 @@
 </p:sld>
 </file>
 
-<file path=ppt/slides/slide15.xml><?xml version="1.0" encoding="utf-8"?>
+<file path=ppt/slides/slide13.xml><?xml version="1.0" encoding="utf-8"?>
 <p:sld xmlns:a="http://schemas.openxmlformats.org/drawingml/2006/main" xmlns:r="http://schemas.openxmlformats.org/officeDocument/2006/relationships" xmlns:p="http://schemas.openxmlformats.org/presentationml/2006/main">
   <p:cSld>
     <p:spTree>
@@ -7608,7 +6855,7 @@
 </p:sld>
 </file>
 
-<file path=ppt/slides/slide16.xml><?xml version="1.0" encoding="utf-8"?>
+<file path=ppt/slides/slide14.xml><?xml version="1.0" encoding="utf-8"?>
 <p:sld xmlns:a="http://schemas.openxmlformats.org/drawingml/2006/main" xmlns:r="http://schemas.openxmlformats.org/officeDocument/2006/relationships" xmlns:p="http://schemas.openxmlformats.org/presentationml/2006/main">
   <p:cSld>
     <p:spTree>
@@ -7654,7 +6901,7 @@
           <a:p>
             <a:fld id="{05AE938B-E86B-459F-99D5-F33DEE6BC8B0}" type="slidenum">
               <a:rPr lang="en-GB" smtClean="0"/>
-              <a:t>16</a:t>
+              <a:t>14</a:t>
             </a:fld>
             <a:endParaRPr lang="en-GB"/>
           </a:p>
@@ -7988,6 +7235,578 @@
     <p:extLst>
       <p:ext uri="{BB962C8B-B14F-4D97-AF65-F5344CB8AC3E}">
         <p14:creationId xmlns:p14="http://schemas.microsoft.com/office/powerpoint/2010/main" val="3353873551"/>
+      </p:ext>
+    </p:extLst>
+  </p:cSld>
+  <p:clrMapOvr>
+    <a:masterClrMapping/>
+  </p:clrMapOvr>
+</p:sld>
+</file>
+
+<file path=ppt/slides/slide15.xml><?xml version="1.0" encoding="utf-8"?>
+<p:sld xmlns:a="http://schemas.openxmlformats.org/drawingml/2006/main" xmlns:r="http://schemas.openxmlformats.org/officeDocument/2006/relationships" xmlns:p="http://schemas.openxmlformats.org/presentationml/2006/main" show="0">
+  <p:cSld>
+    <p:spTree>
+      <p:nvGrpSpPr>
+        <p:cNvPr id="1" name="">
+          <a:extLst>
+            <a:ext uri="{FF2B5EF4-FFF2-40B4-BE49-F238E27FC236}">
+              <a16:creationId xmlns:a16="http://schemas.microsoft.com/office/drawing/2014/main" id="{5084074D-5EB2-1749-8CBD-8A172D2C3416}"/>
+            </a:ext>
+          </a:extLst>
+        </p:cNvPr>
+        <p:cNvGrpSpPr/>
+        <p:nvPr/>
+      </p:nvGrpSpPr>
+      <p:grpSpPr>
+        <a:xfrm>
+          <a:off x="0" y="0"/>
+          <a:ext cx="0" cy="0"/>
+          <a:chOff x="0" y="0"/>
+          <a:chExt cx="0" cy="0"/>
+        </a:xfrm>
+      </p:grpSpPr>
+      <p:sp>
+        <p:nvSpPr>
+          <p:cNvPr id="2" name="TextBox 1">
+            <a:extLst>
+              <a:ext uri="{FF2B5EF4-FFF2-40B4-BE49-F238E27FC236}">
+                <a16:creationId xmlns:a16="http://schemas.microsoft.com/office/drawing/2014/main" id="{7E3F43F2-EB14-DF34-123E-AB73FCC2147C}"/>
+              </a:ext>
+            </a:extLst>
+          </p:cNvPr>
+          <p:cNvSpPr txBox="1"/>
+          <p:nvPr/>
+        </p:nvSpPr>
+        <p:spPr>
+          <a:xfrm>
+            <a:off x="302563" y="1207105"/>
+            <a:ext cx="4550833" cy="369332"/>
+          </a:xfrm>
+          <a:prstGeom prst="rect">
+            <a:avLst/>
+          </a:prstGeom>
+          <a:noFill/>
+        </p:spPr>
+        <p:txBody>
+          <a:bodyPr rot="0" spcFirstLastPara="0" vertOverflow="overflow" horzOverflow="overflow" vert="horz" wrap="square" lIns="91440" tIns="45720" rIns="91440" bIns="45720" numCol="1" spcCol="0" rtlCol="0" fromWordArt="0" anchor="t" anchorCtr="0" forceAA="0" compatLnSpc="1">
+            <a:prstTxWarp prst="textNoShape">
+              <a:avLst/>
+            </a:prstTxWarp>
+            <a:spAutoFit/>
+          </a:bodyPr>
+          <a:lstStyle/>
+          <a:p>
+            <a:r>
+              <a:rPr lang="en-US" dirty="0"/>
+              <a:t>Force Plots in all the 3 axes in 45 Orientation</a:t>
+            </a:r>
+          </a:p>
+        </p:txBody>
+      </p:sp>
+      <p:pic>
+        <p:nvPicPr>
+          <p:cNvPr id="4" name="Picture 4" descr="MAGICIAN | Adra Association">
+            <a:extLst>
+              <a:ext uri="{FF2B5EF4-FFF2-40B4-BE49-F238E27FC236}">
+                <a16:creationId xmlns:a16="http://schemas.microsoft.com/office/drawing/2014/main" id="{DEAF8738-4EF0-D3B2-5F8D-7DD638749224}"/>
+              </a:ext>
+            </a:extLst>
+          </p:cNvPr>
+          <p:cNvPicPr>
+            <a:picLocks noChangeAspect="1" noChangeArrowheads="1"/>
+          </p:cNvPicPr>
+          <p:nvPr/>
+        </p:nvPicPr>
+        <p:blipFill rotWithShape="1">
+          <a:blip r:embed="rId2">
+            <a:extLst>
+              <a:ext uri="{28A0092B-C50C-407E-A947-70E740481C1C}">
+                <a14:useLocalDpi xmlns:a14="http://schemas.microsoft.com/office/drawing/2010/main" val="0"/>
+              </a:ext>
+            </a:extLst>
+          </a:blip>
+          <a:srcRect t="16424" b="19091"/>
+          <a:stretch/>
+        </p:blipFill>
+        <p:spPr bwMode="auto">
+          <a:xfrm>
+            <a:off x="10631306" y="0"/>
+            <a:ext cx="1444988" cy="931800"/>
+          </a:xfrm>
+          <a:prstGeom prst="rect">
+            <a:avLst/>
+          </a:prstGeom>
+          <a:noFill/>
+          <a:extLst>
+            <a:ext uri="{909E8E84-426E-40DD-AFC4-6F175D3DCCD1}">
+              <a14:hiddenFill xmlns:a14="http://schemas.microsoft.com/office/drawing/2010/main">
+                <a:solidFill>
+                  <a:srgbClr val="FFFFFF"/>
+                </a:solidFill>
+              </a14:hiddenFill>
+            </a:ext>
+          </a:extLst>
+        </p:spPr>
+      </p:pic>
+      <p:pic>
+        <p:nvPicPr>
+          <p:cNvPr id="5" name="Picture 12">
+            <a:extLst>
+              <a:ext uri="{FF2B5EF4-FFF2-40B4-BE49-F238E27FC236}">
+                <a16:creationId xmlns:a16="http://schemas.microsoft.com/office/drawing/2014/main" id="{709FECBA-5392-A78B-0EB9-85A7E5110BC1}"/>
+              </a:ext>
+            </a:extLst>
+          </p:cNvPr>
+          <p:cNvPicPr>
+            <a:picLocks noChangeAspect="1" noChangeArrowheads="1"/>
+          </p:cNvPicPr>
+          <p:nvPr/>
+        </p:nvPicPr>
+        <p:blipFill>
+          <a:blip r:embed="rId3">
+            <a:extLst>
+              <a:ext uri="{28A0092B-C50C-407E-A947-70E740481C1C}">
+                <a14:useLocalDpi xmlns:a14="http://schemas.microsoft.com/office/drawing/2010/main" val="0"/>
+              </a:ext>
+            </a:extLst>
+          </a:blip>
+          <a:srcRect/>
+          <a:stretch>
+            <a:fillRect/>
+          </a:stretch>
+        </p:blipFill>
+        <p:spPr bwMode="auto">
+          <a:xfrm>
+            <a:off x="115706" y="91981"/>
+            <a:ext cx="2379085" cy="582954"/>
+          </a:xfrm>
+          <a:prstGeom prst="rect">
+            <a:avLst/>
+          </a:prstGeom>
+          <a:noFill/>
+          <a:extLst>
+            <a:ext uri="{909E8E84-426E-40DD-AFC4-6F175D3DCCD1}">
+              <a14:hiddenFill xmlns:a14="http://schemas.microsoft.com/office/drawing/2010/main">
+                <a:solidFill>
+                  <a:srgbClr val="FFFFFF"/>
+                </a:solidFill>
+              </a14:hiddenFill>
+            </a:ext>
+          </a:extLst>
+        </p:spPr>
+      </p:pic>
+      <p:cxnSp>
+        <p:nvCxnSpPr>
+          <p:cNvPr id="6" name="Straight Connector 5">
+            <a:extLst>
+              <a:ext uri="{FF2B5EF4-FFF2-40B4-BE49-F238E27FC236}">
+                <a16:creationId xmlns:a16="http://schemas.microsoft.com/office/drawing/2014/main" id="{8F1BB088-B120-A412-9DEA-52AFF06F0AC5}"/>
+              </a:ext>
+            </a:extLst>
+          </p:cNvPr>
+          <p:cNvCxnSpPr>
+            <a:cxnSpLocks/>
+          </p:cNvCxnSpPr>
+          <p:nvPr/>
+        </p:nvCxnSpPr>
+        <p:spPr>
+          <a:xfrm>
+            <a:off x="0" y="1069452"/>
+            <a:ext cx="12192000" cy="0"/>
+          </a:xfrm>
+          <a:prstGeom prst="line">
+            <a:avLst/>
+          </a:prstGeom>
+        </p:spPr>
+        <p:style>
+          <a:lnRef idx="3">
+            <a:schemeClr val="accent3"/>
+          </a:lnRef>
+          <a:fillRef idx="0">
+            <a:schemeClr val="accent3"/>
+          </a:fillRef>
+          <a:effectRef idx="2">
+            <a:schemeClr val="accent3"/>
+          </a:effectRef>
+          <a:fontRef idx="minor">
+            <a:schemeClr val="tx1"/>
+          </a:fontRef>
+        </p:style>
+      </p:cxnSp>
+      <p:sp>
+        <p:nvSpPr>
+          <p:cNvPr id="7" name="TextBox 6">
+            <a:extLst>
+              <a:ext uri="{FF2B5EF4-FFF2-40B4-BE49-F238E27FC236}">
+                <a16:creationId xmlns:a16="http://schemas.microsoft.com/office/drawing/2014/main" id="{E4021659-F547-F31C-E430-FD551B72998F}"/>
+              </a:ext>
+            </a:extLst>
+          </p:cNvPr>
+          <p:cNvSpPr txBox="1"/>
+          <p:nvPr/>
+        </p:nvSpPr>
+        <p:spPr>
+          <a:xfrm>
+            <a:off x="3569109" y="299352"/>
+            <a:ext cx="5712543" cy="400110"/>
+          </a:xfrm>
+          <a:prstGeom prst="rect">
+            <a:avLst/>
+          </a:prstGeom>
+          <a:noFill/>
+        </p:spPr>
+        <p:txBody>
+          <a:bodyPr wrap="square" rtlCol="0" anchor="ctr">
+            <a:spAutoFit/>
+          </a:bodyPr>
+          <a:lstStyle/>
+          <a:p>
+            <a:r>
+              <a:rPr lang="en-IN" sz="2000" dirty="0"/>
+              <a:t>Work Status Update for the </a:t>
+            </a:r>
+            <a:r>
+              <a:rPr lang="en-IN" sz="2000" b="1" dirty="0">
+                <a:solidFill>
+                  <a:schemeClr val="accent6">
+                    <a:lumMod val="50000"/>
+                  </a:schemeClr>
+                </a:solidFill>
+              </a:rPr>
+              <a:t>Project Magician</a:t>
+            </a:r>
+            <a:endParaRPr lang="en-GB" sz="2000" b="1" dirty="0">
+              <a:solidFill>
+                <a:schemeClr val="accent6">
+                  <a:lumMod val="50000"/>
+                </a:schemeClr>
+              </a:solidFill>
+            </a:endParaRPr>
+          </a:p>
+        </p:txBody>
+      </p:sp>
+      <p:pic>
+        <p:nvPicPr>
+          <p:cNvPr id="11" name="Picture 10" descr="A screenshot of a computer screen&#10;&#10;AI-generated content may be incorrect.">
+            <a:extLst>
+              <a:ext uri="{FF2B5EF4-FFF2-40B4-BE49-F238E27FC236}">
+                <a16:creationId xmlns:a16="http://schemas.microsoft.com/office/drawing/2014/main" id="{1BEF93F9-9887-EAB9-7925-EDC3B68E4F30}"/>
+              </a:ext>
+            </a:extLst>
+          </p:cNvPr>
+          <p:cNvPicPr>
+            <a:picLocks noChangeAspect="1"/>
+          </p:cNvPicPr>
+          <p:nvPr/>
+        </p:nvPicPr>
+        <p:blipFill>
+          <a:blip r:embed="rId4"/>
+          <a:stretch>
+            <a:fillRect/>
+          </a:stretch>
+        </p:blipFill>
+        <p:spPr>
+          <a:xfrm>
+            <a:off x="1381646" y="1714089"/>
+            <a:ext cx="9428708" cy="4635909"/>
+          </a:xfrm>
+          <a:prstGeom prst="rect">
+            <a:avLst/>
+          </a:prstGeom>
+        </p:spPr>
+      </p:pic>
+    </p:spTree>
+    <p:extLst>
+      <p:ext uri="{BB962C8B-B14F-4D97-AF65-F5344CB8AC3E}">
+        <p14:creationId xmlns:p14="http://schemas.microsoft.com/office/powerpoint/2010/main" val="1326325659"/>
+      </p:ext>
+    </p:extLst>
+  </p:cSld>
+  <p:clrMapOvr>
+    <a:masterClrMapping/>
+  </p:clrMapOvr>
+</p:sld>
+</file>
+
+<file path=ppt/slides/slide16.xml><?xml version="1.0" encoding="utf-8"?>
+<p:sld xmlns:a="http://schemas.openxmlformats.org/drawingml/2006/main" xmlns:r="http://schemas.openxmlformats.org/officeDocument/2006/relationships" xmlns:p="http://schemas.openxmlformats.org/presentationml/2006/main" show="0">
+  <p:cSld>
+    <p:spTree>
+      <p:nvGrpSpPr>
+        <p:cNvPr id="1" name="">
+          <a:extLst>
+            <a:ext uri="{FF2B5EF4-FFF2-40B4-BE49-F238E27FC236}">
+              <a16:creationId xmlns:a16="http://schemas.microsoft.com/office/drawing/2014/main" id="{8EFD3FD5-6E50-54A0-8BC3-E0D3082A36E8}"/>
+            </a:ext>
+          </a:extLst>
+        </p:cNvPr>
+        <p:cNvGrpSpPr/>
+        <p:nvPr/>
+      </p:nvGrpSpPr>
+      <p:grpSpPr>
+        <a:xfrm>
+          <a:off x="0" y="0"/>
+          <a:ext cx="0" cy="0"/>
+          <a:chOff x="0" y="0"/>
+          <a:chExt cx="0" cy="0"/>
+        </a:xfrm>
+      </p:grpSpPr>
+      <p:sp>
+        <p:nvSpPr>
+          <p:cNvPr id="2" name="TextBox 1">
+            <a:extLst>
+              <a:ext uri="{FF2B5EF4-FFF2-40B4-BE49-F238E27FC236}">
+                <a16:creationId xmlns:a16="http://schemas.microsoft.com/office/drawing/2014/main" id="{14DE29EF-0156-6CCB-8FB2-B0857D98EB03}"/>
+              </a:ext>
+            </a:extLst>
+          </p:cNvPr>
+          <p:cNvSpPr txBox="1"/>
+          <p:nvPr/>
+        </p:nvSpPr>
+        <p:spPr>
+          <a:xfrm>
+            <a:off x="302563" y="1207105"/>
+            <a:ext cx="4550833" cy="369332"/>
+          </a:xfrm>
+          <a:prstGeom prst="rect">
+            <a:avLst/>
+          </a:prstGeom>
+          <a:noFill/>
+        </p:spPr>
+        <p:txBody>
+          <a:bodyPr rot="0" spcFirstLastPara="0" vertOverflow="overflow" horzOverflow="overflow" vert="horz" wrap="square" lIns="91440" tIns="45720" rIns="91440" bIns="45720" numCol="1" spcCol="0" rtlCol="0" fromWordArt="0" anchor="t" anchorCtr="0" forceAA="0" compatLnSpc="1">
+            <a:prstTxWarp prst="textNoShape">
+              <a:avLst/>
+            </a:prstTxWarp>
+            <a:spAutoFit/>
+          </a:bodyPr>
+          <a:lstStyle/>
+          <a:p>
+            <a:r>
+              <a:rPr lang="en-US" dirty="0"/>
+              <a:t>Force Plots in all the 3 axes in 45 Orientation</a:t>
+            </a:r>
+          </a:p>
+        </p:txBody>
+      </p:sp>
+      <p:pic>
+        <p:nvPicPr>
+          <p:cNvPr id="4" name="Picture 4" descr="MAGICIAN | Adra Association">
+            <a:extLst>
+              <a:ext uri="{FF2B5EF4-FFF2-40B4-BE49-F238E27FC236}">
+                <a16:creationId xmlns:a16="http://schemas.microsoft.com/office/drawing/2014/main" id="{AE5CB897-EAC3-500E-0A17-9016567A88FE}"/>
+              </a:ext>
+            </a:extLst>
+          </p:cNvPr>
+          <p:cNvPicPr>
+            <a:picLocks noChangeAspect="1" noChangeArrowheads="1"/>
+          </p:cNvPicPr>
+          <p:nvPr/>
+        </p:nvPicPr>
+        <p:blipFill rotWithShape="1">
+          <a:blip r:embed="rId2">
+            <a:extLst>
+              <a:ext uri="{28A0092B-C50C-407E-A947-70E740481C1C}">
+                <a14:useLocalDpi xmlns:a14="http://schemas.microsoft.com/office/drawing/2010/main" val="0"/>
+              </a:ext>
+            </a:extLst>
+          </a:blip>
+          <a:srcRect t="16424" b="19091"/>
+          <a:stretch/>
+        </p:blipFill>
+        <p:spPr bwMode="auto">
+          <a:xfrm>
+            <a:off x="10631306" y="0"/>
+            <a:ext cx="1444988" cy="931800"/>
+          </a:xfrm>
+          <a:prstGeom prst="rect">
+            <a:avLst/>
+          </a:prstGeom>
+          <a:noFill/>
+          <a:extLst>
+            <a:ext uri="{909E8E84-426E-40DD-AFC4-6F175D3DCCD1}">
+              <a14:hiddenFill xmlns:a14="http://schemas.microsoft.com/office/drawing/2010/main">
+                <a:solidFill>
+                  <a:srgbClr val="FFFFFF"/>
+                </a:solidFill>
+              </a14:hiddenFill>
+            </a:ext>
+          </a:extLst>
+        </p:spPr>
+      </p:pic>
+      <p:pic>
+        <p:nvPicPr>
+          <p:cNvPr id="5" name="Picture 12">
+            <a:extLst>
+              <a:ext uri="{FF2B5EF4-FFF2-40B4-BE49-F238E27FC236}">
+                <a16:creationId xmlns:a16="http://schemas.microsoft.com/office/drawing/2014/main" id="{40D023F4-F051-1AF2-1558-25392AFD6E3C}"/>
+              </a:ext>
+            </a:extLst>
+          </p:cNvPr>
+          <p:cNvPicPr>
+            <a:picLocks noChangeAspect="1" noChangeArrowheads="1"/>
+          </p:cNvPicPr>
+          <p:nvPr/>
+        </p:nvPicPr>
+        <p:blipFill>
+          <a:blip r:embed="rId3">
+            <a:extLst>
+              <a:ext uri="{28A0092B-C50C-407E-A947-70E740481C1C}">
+                <a14:useLocalDpi xmlns:a14="http://schemas.microsoft.com/office/drawing/2010/main" val="0"/>
+              </a:ext>
+            </a:extLst>
+          </a:blip>
+          <a:srcRect/>
+          <a:stretch>
+            <a:fillRect/>
+          </a:stretch>
+        </p:blipFill>
+        <p:spPr bwMode="auto">
+          <a:xfrm>
+            <a:off x="115706" y="91981"/>
+            <a:ext cx="2379085" cy="582954"/>
+          </a:xfrm>
+          <a:prstGeom prst="rect">
+            <a:avLst/>
+          </a:prstGeom>
+          <a:noFill/>
+          <a:extLst>
+            <a:ext uri="{909E8E84-426E-40DD-AFC4-6F175D3DCCD1}">
+              <a14:hiddenFill xmlns:a14="http://schemas.microsoft.com/office/drawing/2010/main">
+                <a:solidFill>
+                  <a:srgbClr val="FFFFFF"/>
+                </a:solidFill>
+              </a14:hiddenFill>
+            </a:ext>
+          </a:extLst>
+        </p:spPr>
+      </p:pic>
+      <p:cxnSp>
+        <p:nvCxnSpPr>
+          <p:cNvPr id="6" name="Straight Connector 5">
+            <a:extLst>
+              <a:ext uri="{FF2B5EF4-FFF2-40B4-BE49-F238E27FC236}">
+                <a16:creationId xmlns:a16="http://schemas.microsoft.com/office/drawing/2014/main" id="{ED28AC2C-646C-DF15-F2A6-5B7D73282714}"/>
+              </a:ext>
+            </a:extLst>
+          </p:cNvPr>
+          <p:cNvCxnSpPr>
+            <a:cxnSpLocks/>
+          </p:cNvCxnSpPr>
+          <p:nvPr/>
+        </p:nvCxnSpPr>
+        <p:spPr>
+          <a:xfrm>
+            <a:off x="0" y="1069452"/>
+            <a:ext cx="12192000" cy="0"/>
+          </a:xfrm>
+          <a:prstGeom prst="line">
+            <a:avLst/>
+          </a:prstGeom>
+        </p:spPr>
+        <p:style>
+          <a:lnRef idx="3">
+            <a:schemeClr val="accent3"/>
+          </a:lnRef>
+          <a:fillRef idx="0">
+            <a:schemeClr val="accent3"/>
+          </a:fillRef>
+          <a:effectRef idx="2">
+            <a:schemeClr val="accent3"/>
+          </a:effectRef>
+          <a:fontRef idx="minor">
+            <a:schemeClr val="tx1"/>
+          </a:fontRef>
+        </p:style>
+      </p:cxnSp>
+      <p:sp>
+        <p:nvSpPr>
+          <p:cNvPr id="7" name="TextBox 6">
+            <a:extLst>
+              <a:ext uri="{FF2B5EF4-FFF2-40B4-BE49-F238E27FC236}">
+                <a16:creationId xmlns:a16="http://schemas.microsoft.com/office/drawing/2014/main" id="{44F077F0-4079-9BB1-870D-CD0B1BB61B23}"/>
+              </a:ext>
+            </a:extLst>
+          </p:cNvPr>
+          <p:cNvSpPr txBox="1"/>
+          <p:nvPr/>
+        </p:nvSpPr>
+        <p:spPr>
+          <a:xfrm>
+            <a:off x="3569109" y="299352"/>
+            <a:ext cx="5712543" cy="400110"/>
+          </a:xfrm>
+          <a:prstGeom prst="rect">
+            <a:avLst/>
+          </a:prstGeom>
+          <a:noFill/>
+        </p:spPr>
+        <p:txBody>
+          <a:bodyPr wrap="square" rtlCol="0" anchor="ctr">
+            <a:spAutoFit/>
+          </a:bodyPr>
+          <a:lstStyle/>
+          <a:p>
+            <a:r>
+              <a:rPr lang="en-IN" sz="2000" dirty="0"/>
+              <a:t>Work Status Update for the </a:t>
+            </a:r>
+            <a:r>
+              <a:rPr lang="en-IN" sz="2000" b="1" dirty="0">
+                <a:solidFill>
+                  <a:schemeClr val="accent6">
+                    <a:lumMod val="50000"/>
+                  </a:schemeClr>
+                </a:solidFill>
+              </a:rPr>
+              <a:t>Project Magician</a:t>
+            </a:r>
+            <a:endParaRPr lang="en-GB" sz="2000" b="1" dirty="0">
+              <a:solidFill>
+                <a:schemeClr val="accent6">
+                  <a:lumMod val="50000"/>
+                </a:schemeClr>
+              </a:solidFill>
+            </a:endParaRPr>
+          </a:p>
+        </p:txBody>
+      </p:sp>
+      <p:pic>
+        <p:nvPicPr>
+          <p:cNvPr id="11" name="Picture 10" descr="A screenshot of a computer screen&#10;&#10;AI-generated content may be incorrect.">
+            <a:extLst>
+              <a:ext uri="{FF2B5EF4-FFF2-40B4-BE49-F238E27FC236}">
+                <a16:creationId xmlns:a16="http://schemas.microsoft.com/office/drawing/2014/main" id="{88C1F538-6626-80BA-D677-A506BFAD792E}"/>
+              </a:ext>
+            </a:extLst>
+          </p:cNvPr>
+          <p:cNvPicPr>
+            <a:picLocks noChangeAspect="1"/>
+          </p:cNvPicPr>
+          <p:nvPr/>
+        </p:nvPicPr>
+        <p:blipFill>
+          <a:blip r:embed="rId4"/>
+          <a:stretch>
+            <a:fillRect/>
+          </a:stretch>
+        </p:blipFill>
+        <p:spPr>
+          <a:xfrm>
+            <a:off x="1381646" y="1714089"/>
+            <a:ext cx="9428708" cy="4635909"/>
+          </a:xfrm>
+          <a:prstGeom prst="rect">
+            <a:avLst/>
+          </a:prstGeom>
+        </p:spPr>
+      </p:pic>
+    </p:spTree>
+    <p:extLst>
+      <p:ext uri="{BB962C8B-B14F-4D97-AF65-F5344CB8AC3E}">
+        <p14:creationId xmlns:p14="http://schemas.microsoft.com/office/powerpoint/2010/main" val="3015810363"/>
       </p:ext>
     </p:extLst>
   </p:cSld>
@@ -8276,7 +8095,7 @@
           <a:p>
             <a:fld id="{D03AC618-9949-4DCD-86D0-97CB081E6E13}" type="datetime1">
               <a:rPr lang="en-GB" smtClean="0"/>
-              <a:t>09/01/2025</a:t>
+              <a:t>15/01/2025</a:t>
             </a:fld>
             <a:endParaRPr lang="en-GB"/>
           </a:p>
@@ -8804,7 +8623,7 @@
           <p:nvPr/>
         </p:nvPicPr>
         <p:blipFill rotWithShape="1">
-          <a:blip r:embed="rId4">
+          <a:blip r:embed="rId4" cstate="print">
             <a:extLst>
               <a:ext uri="{28A0092B-C50C-407E-A947-70E740481C1C}">
                 <a14:useLocalDpi xmlns:a14="http://schemas.microsoft.com/office/drawing/2010/main" val="0"/>
@@ -8987,7 +8806,7 @@
           <p:nvPr/>
         </p:nvPicPr>
         <p:blipFill rotWithShape="1">
-          <a:blip r:embed="rId5">
+          <a:blip r:embed="rId5" cstate="print">
             <a:extLst>
               <a:ext uri="{28A0092B-C50C-407E-A947-70E740481C1C}">
                 <a14:useLocalDpi xmlns:a14="http://schemas.microsoft.com/office/drawing/2010/main" val="0"/>
@@ -9032,7 +8851,7 @@
           <p:nvPr/>
         </p:nvPicPr>
         <p:blipFill rotWithShape="1">
-          <a:blip r:embed="rId6">
+          <a:blip r:embed="rId6" cstate="print">
             <a:extLst>
               <a:ext uri="{28A0092B-C50C-407E-A947-70E740481C1C}">
                 <a14:useLocalDpi xmlns:a14="http://schemas.microsoft.com/office/drawing/2010/main" val="0"/>
@@ -9545,578 +9364,6 @@
         <p:cNvPr id="1" name="">
           <a:extLst>
             <a:ext uri="{FF2B5EF4-FFF2-40B4-BE49-F238E27FC236}">
-              <a16:creationId xmlns:a16="http://schemas.microsoft.com/office/drawing/2014/main" id="{BA5A5B3E-BDD7-21D6-0D2A-282E29F91038}"/>
-            </a:ext>
-          </a:extLst>
-        </p:cNvPr>
-        <p:cNvGrpSpPr/>
-        <p:nvPr/>
-      </p:nvGrpSpPr>
-      <p:grpSpPr>
-        <a:xfrm>
-          <a:off x="0" y="0"/>
-          <a:ext cx="0" cy="0"/>
-          <a:chOff x="0" y="0"/>
-          <a:chExt cx="0" cy="0"/>
-        </a:xfrm>
-      </p:grpSpPr>
-      <p:sp>
-        <p:nvSpPr>
-          <p:cNvPr id="2" name="TextBox 1">
-            <a:extLst>
-              <a:ext uri="{FF2B5EF4-FFF2-40B4-BE49-F238E27FC236}">
-                <a16:creationId xmlns:a16="http://schemas.microsoft.com/office/drawing/2014/main" id="{0AFB435F-02EE-A6E4-ED6A-DFBF9FBC21D9}"/>
-              </a:ext>
-            </a:extLst>
-          </p:cNvPr>
-          <p:cNvSpPr txBox="1"/>
-          <p:nvPr/>
-        </p:nvSpPr>
-        <p:spPr>
-          <a:xfrm>
-            <a:off x="302563" y="1207105"/>
-            <a:ext cx="4550833" cy="369332"/>
-          </a:xfrm>
-          <a:prstGeom prst="rect">
-            <a:avLst/>
-          </a:prstGeom>
-          <a:noFill/>
-        </p:spPr>
-        <p:txBody>
-          <a:bodyPr rot="0" spcFirstLastPara="0" vertOverflow="overflow" horzOverflow="overflow" vert="horz" wrap="square" lIns="91440" tIns="45720" rIns="91440" bIns="45720" numCol="1" spcCol="0" rtlCol="0" fromWordArt="0" anchor="t" anchorCtr="0" forceAA="0" compatLnSpc="1">
-            <a:prstTxWarp prst="textNoShape">
-              <a:avLst/>
-            </a:prstTxWarp>
-            <a:spAutoFit/>
-          </a:bodyPr>
-          <a:lstStyle/>
-          <a:p>
-            <a:r>
-              <a:rPr lang="en-US" dirty="0"/>
-              <a:t>Force Plots in all the 3 axes in 90 Orientation</a:t>
-            </a:r>
-          </a:p>
-        </p:txBody>
-      </p:sp>
-      <p:pic>
-        <p:nvPicPr>
-          <p:cNvPr id="4" name="Picture 4" descr="MAGICIAN | Adra Association">
-            <a:extLst>
-              <a:ext uri="{FF2B5EF4-FFF2-40B4-BE49-F238E27FC236}">
-                <a16:creationId xmlns:a16="http://schemas.microsoft.com/office/drawing/2014/main" id="{42B15DDA-BCA4-30B4-D43A-9C493E60D47C}"/>
-              </a:ext>
-            </a:extLst>
-          </p:cNvPr>
-          <p:cNvPicPr>
-            <a:picLocks noChangeAspect="1" noChangeArrowheads="1"/>
-          </p:cNvPicPr>
-          <p:nvPr/>
-        </p:nvPicPr>
-        <p:blipFill rotWithShape="1">
-          <a:blip r:embed="rId2">
-            <a:extLst>
-              <a:ext uri="{28A0092B-C50C-407E-A947-70E740481C1C}">
-                <a14:useLocalDpi xmlns:a14="http://schemas.microsoft.com/office/drawing/2010/main" val="0"/>
-              </a:ext>
-            </a:extLst>
-          </a:blip>
-          <a:srcRect t="16424" b="19091"/>
-          <a:stretch/>
-        </p:blipFill>
-        <p:spPr bwMode="auto">
-          <a:xfrm>
-            <a:off x="10631306" y="0"/>
-            <a:ext cx="1444988" cy="931800"/>
-          </a:xfrm>
-          <a:prstGeom prst="rect">
-            <a:avLst/>
-          </a:prstGeom>
-          <a:noFill/>
-          <a:extLst>
-            <a:ext uri="{909E8E84-426E-40DD-AFC4-6F175D3DCCD1}">
-              <a14:hiddenFill xmlns:a14="http://schemas.microsoft.com/office/drawing/2010/main">
-                <a:solidFill>
-                  <a:srgbClr val="FFFFFF"/>
-                </a:solidFill>
-              </a14:hiddenFill>
-            </a:ext>
-          </a:extLst>
-        </p:spPr>
-      </p:pic>
-      <p:pic>
-        <p:nvPicPr>
-          <p:cNvPr id="5" name="Picture 12">
-            <a:extLst>
-              <a:ext uri="{FF2B5EF4-FFF2-40B4-BE49-F238E27FC236}">
-                <a16:creationId xmlns:a16="http://schemas.microsoft.com/office/drawing/2014/main" id="{AE45022D-74A8-DF9C-5308-D79B9AB21DF1}"/>
-              </a:ext>
-            </a:extLst>
-          </p:cNvPr>
-          <p:cNvPicPr>
-            <a:picLocks noChangeAspect="1" noChangeArrowheads="1"/>
-          </p:cNvPicPr>
-          <p:nvPr/>
-        </p:nvPicPr>
-        <p:blipFill>
-          <a:blip r:embed="rId3">
-            <a:extLst>
-              <a:ext uri="{28A0092B-C50C-407E-A947-70E740481C1C}">
-                <a14:useLocalDpi xmlns:a14="http://schemas.microsoft.com/office/drawing/2010/main" val="0"/>
-              </a:ext>
-            </a:extLst>
-          </a:blip>
-          <a:srcRect/>
-          <a:stretch>
-            <a:fillRect/>
-          </a:stretch>
-        </p:blipFill>
-        <p:spPr bwMode="auto">
-          <a:xfrm>
-            <a:off x="115706" y="91981"/>
-            <a:ext cx="2379085" cy="582954"/>
-          </a:xfrm>
-          <a:prstGeom prst="rect">
-            <a:avLst/>
-          </a:prstGeom>
-          <a:noFill/>
-          <a:extLst>
-            <a:ext uri="{909E8E84-426E-40DD-AFC4-6F175D3DCCD1}">
-              <a14:hiddenFill xmlns:a14="http://schemas.microsoft.com/office/drawing/2010/main">
-                <a:solidFill>
-                  <a:srgbClr val="FFFFFF"/>
-                </a:solidFill>
-              </a14:hiddenFill>
-            </a:ext>
-          </a:extLst>
-        </p:spPr>
-      </p:pic>
-      <p:cxnSp>
-        <p:nvCxnSpPr>
-          <p:cNvPr id="6" name="Straight Connector 5">
-            <a:extLst>
-              <a:ext uri="{FF2B5EF4-FFF2-40B4-BE49-F238E27FC236}">
-                <a16:creationId xmlns:a16="http://schemas.microsoft.com/office/drawing/2014/main" id="{8F4B6D4A-F72E-6644-CE3D-8D8D348963F3}"/>
-              </a:ext>
-            </a:extLst>
-          </p:cNvPr>
-          <p:cNvCxnSpPr>
-            <a:cxnSpLocks/>
-          </p:cNvCxnSpPr>
-          <p:nvPr/>
-        </p:nvCxnSpPr>
-        <p:spPr>
-          <a:xfrm>
-            <a:off x="0" y="1069452"/>
-            <a:ext cx="12192000" cy="0"/>
-          </a:xfrm>
-          <a:prstGeom prst="line">
-            <a:avLst/>
-          </a:prstGeom>
-        </p:spPr>
-        <p:style>
-          <a:lnRef idx="3">
-            <a:schemeClr val="accent3"/>
-          </a:lnRef>
-          <a:fillRef idx="0">
-            <a:schemeClr val="accent3"/>
-          </a:fillRef>
-          <a:effectRef idx="2">
-            <a:schemeClr val="accent3"/>
-          </a:effectRef>
-          <a:fontRef idx="minor">
-            <a:schemeClr val="tx1"/>
-          </a:fontRef>
-        </p:style>
-      </p:cxnSp>
-      <p:sp>
-        <p:nvSpPr>
-          <p:cNvPr id="7" name="TextBox 6">
-            <a:extLst>
-              <a:ext uri="{FF2B5EF4-FFF2-40B4-BE49-F238E27FC236}">
-                <a16:creationId xmlns:a16="http://schemas.microsoft.com/office/drawing/2014/main" id="{4B511F9D-EDDD-3C40-BA28-544B27B4DC4B}"/>
-              </a:ext>
-            </a:extLst>
-          </p:cNvPr>
-          <p:cNvSpPr txBox="1"/>
-          <p:nvPr/>
-        </p:nvSpPr>
-        <p:spPr>
-          <a:xfrm>
-            <a:off x="3569109" y="299352"/>
-            <a:ext cx="5712543" cy="400110"/>
-          </a:xfrm>
-          <a:prstGeom prst="rect">
-            <a:avLst/>
-          </a:prstGeom>
-          <a:noFill/>
-        </p:spPr>
-        <p:txBody>
-          <a:bodyPr wrap="square" rtlCol="0" anchor="ctr">
-            <a:spAutoFit/>
-          </a:bodyPr>
-          <a:lstStyle/>
-          <a:p>
-            <a:r>
-              <a:rPr lang="en-IN" sz="2000" dirty="0"/>
-              <a:t>Work Status Update for the </a:t>
-            </a:r>
-            <a:r>
-              <a:rPr lang="en-IN" sz="2000" b="1" dirty="0">
-                <a:solidFill>
-                  <a:schemeClr val="accent6">
-                    <a:lumMod val="50000"/>
-                  </a:schemeClr>
-                </a:solidFill>
-              </a:rPr>
-              <a:t>Project Magician</a:t>
-            </a:r>
-            <a:endParaRPr lang="en-GB" sz="2000" b="1" dirty="0">
-              <a:solidFill>
-                <a:schemeClr val="accent6">
-                  <a:lumMod val="50000"/>
-                </a:schemeClr>
-              </a:solidFill>
-            </a:endParaRPr>
-          </a:p>
-        </p:txBody>
-      </p:sp>
-      <p:pic>
-        <p:nvPicPr>
-          <p:cNvPr id="13" name="Picture 12" descr="A screenshot of a computer&#10;&#10;AI-generated content may be incorrect.">
-            <a:extLst>
-              <a:ext uri="{FF2B5EF4-FFF2-40B4-BE49-F238E27FC236}">
-                <a16:creationId xmlns:a16="http://schemas.microsoft.com/office/drawing/2014/main" id="{38126B16-4951-AADC-D016-89F1B17C0DEF}"/>
-              </a:ext>
-            </a:extLst>
-          </p:cNvPr>
-          <p:cNvPicPr>
-            <a:picLocks noChangeAspect="1"/>
-          </p:cNvPicPr>
-          <p:nvPr/>
-        </p:nvPicPr>
-        <p:blipFill>
-          <a:blip r:embed="rId4"/>
-          <a:stretch>
-            <a:fillRect/>
-          </a:stretch>
-        </p:blipFill>
-        <p:spPr>
-          <a:xfrm>
-            <a:off x="1055083" y="1714089"/>
-            <a:ext cx="9641673" cy="4775405"/>
-          </a:xfrm>
-          <a:prstGeom prst="rect">
-            <a:avLst/>
-          </a:prstGeom>
-        </p:spPr>
-      </p:pic>
-    </p:spTree>
-    <p:extLst>
-      <p:ext uri="{BB962C8B-B14F-4D97-AF65-F5344CB8AC3E}">
-        <p14:creationId xmlns:p14="http://schemas.microsoft.com/office/powerpoint/2010/main" val="1189005181"/>
-      </p:ext>
-    </p:extLst>
-  </p:cSld>
-  <p:clrMapOvr>
-    <a:masterClrMapping/>
-  </p:clrMapOvr>
-</p:sld>
-</file>
-
-<file path=ppt/slides/slide6.xml><?xml version="1.0" encoding="utf-8"?>
-<p:sld xmlns:a="http://schemas.openxmlformats.org/drawingml/2006/main" xmlns:r="http://schemas.openxmlformats.org/officeDocument/2006/relationships" xmlns:p="http://schemas.openxmlformats.org/presentationml/2006/main">
-  <p:cSld>
-    <p:spTree>
-      <p:nvGrpSpPr>
-        <p:cNvPr id="1" name="">
-          <a:extLst>
-            <a:ext uri="{FF2B5EF4-FFF2-40B4-BE49-F238E27FC236}">
-              <a16:creationId xmlns:a16="http://schemas.microsoft.com/office/drawing/2014/main" id="{8EFD3FD5-6E50-54A0-8BC3-E0D3082A36E8}"/>
-            </a:ext>
-          </a:extLst>
-        </p:cNvPr>
-        <p:cNvGrpSpPr/>
-        <p:nvPr/>
-      </p:nvGrpSpPr>
-      <p:grpSpPr>
-        <a:xfrm>
-          <a:off x="0" y="0"/>
-          <a:ext cx="0" cy="0"/>
-          <a:chOff x="0" y="0"/>
-          <a:chExt cx="0" cy="0"/>
-        </a:xfrm>
-      </p:grpSpPr>
-      <p:sp>
-        <p:nvSpPr>
-          <p:cNvPr id="2" name="TextBox 1">
-            <a:extLst>
-              <a:ext uri="{FF2B5EF4-FFF2-40B4-BE49-F238E27FC236}">
-                <a16:creationId xmlns:a16="http://schemas.microsoft.com/office/drawing/2014/main" id="{14DE29EF-0156-6CCB-8FB2-B0857D98EB03}"/>
-              </a:ext>
-            </a:extLst>
-          </p:cNvPr>
-          <p:cNvSpPr txBox="1"/>
-          <p:nvPr/>
-        </p:nvSpPr>
-        <p:spPr>
-          <a:xfrm>
-            <a:off x="302563" y="1207105"/>
-            <a:ext cx="4550833" cy="369332"/>
-          </a:xfrm>
-          <a:prstGeom prst="rect">
-            <a:avLst/>
-          </a:prstGeom>
-          <a:noFill/>
-        </p:spPr>
-        <p:txBody>
-          <a:bodyPr rot="0" spcFirstLastPara="0" vertOverflow="overflow" horzOverflow="overflow" vert="horz" wrap="square" lIns="91440" tIns="45720" rIns="91440" bIns="45720" numCol="1" spcCol="0" rtlCol="0" fromWordArt="0" anchor="t" anchorCtr="0" forceAA="0" compatLnSpc="1">
-            <a:prstTxWarp prst="textNoShape">
-              <a:avLst/>
-            </a:prstTxWarp>
-            <a:spAutoFit/>
-          </a:bodyPr>
-          <a:lstStyle/>
-          <a:p>
-            <a:r>
-              <a:rPr lang="en-US" dirty="0"/>
-              <a:t>Force Plots in all the 3 axes in 45 Orientation</a:t>
-            </a:r>
-          </a:p>
-        </p:txBody>
-      </p:sp>
-      <p:pic>
-        <p:nvPicPr>
-          <p:cNvPr id="4" name="Picture 4" descr="MAGICIAN | Adra Association">
-            <a:extLst>
-              <a:ext uri="{FF2B5EF4-FFF2-40B4-BE49-F238E27FC236}">
-                <a16:creationId xmlns:a16="http://schemas.microsoft.com/office/drawing/2014/main" id="{AE5CB897-EAC3-500E-0A17-9016567A88FE}"/>
-              </a:ext>
-            </a:extLst>
-          </p:cNvPr>
-          <p:cNvPicPr>
-            <a:picLocks noChangeAspect="1" noChangeArrowheads="1"/>
-          </p:cNvPicPr>
-          <p:nvPr/>
-        </p:nvPicPr>
-        <p:blipFill rotWithShape="1">
-          <a:blip r:embed="rId2">
-            <a:extLst>
-              <a:ext uri="{28A0092B-C50C-407E-A947-70E740481C1C}">
-                <a14:useLocalDpi xmlns:a14="http://schemas.microsoft.com/office/drawing/2010/main" val="0"/>
-              </a:ext>
-            </a:extLst>
-          </a:blip>
-          <a:srcRect t="16424" b="19091"/>
-          <a:stretch/>
-        </p:blipFill>
-        <p:spPr bwMode="auto">
-          <a:xfrm>
-            <a:off x="10631306" y="0"/>
-            <a:ext cx="1444988" cy="931800"/>
-          </a:xfrm>
-          <a:prstGeom prst="rect">
-            <a:avLst/>
-          </a:prstGeom>
-          <a:noFill/>
-          <a:extLst>
-            <a:ext uri="{909E8E84-426E-40DD-AFC4-6F175D3DCCD1}">
-              <a14:hiddenFill xmlns:a14="http://schemas.microsoft.com/office/drawing/2010/main">
-                <a:solidFill>
-                  <a:srgbClr val="FFFFFF"/>
-                </a:solidFill>
-              </a14:hiddenFill>
-            </a:ext>
-          </a:extLst>
-        </p:spPr>
-      </p:pic>
-      <p:pic>
-        <p:nvPicPr>
-          <p:cNvPr id="5" name="Picture 12">
-            <a:extLst>
-              <a:ext uri="{FF2B5EF4-FFF2-40B4-BE49-F238E27FC236}">
-                <a16:creationId xmlns:a16="http://schemas.microsoft.com/office/drawing/2014/main" id="{40D023F4-F051-1AF2-1558-25392AFD6E3C}"/>
-              </a:ext>
-            </a:extLst>
-          </p:cNvPr>
-          <p:cNvPicPr>
-            <a:picLocks noChangeAspect="1" noChangeArrowheads="1"/>
-          </p:cNvPicPr>
-          <p:nvPr/>
-        </p:nvPicPr>
-        <p:blipFill>
-          <a:blip r:embed="rId3">
-            <a:extLst>
-              <a:ext uri="{28A0092B-C50C-407E-A947-70E740481C1C}">
-                <a14:useLocalDpi xmlns:a14="http://schemas.microsoft.com/office/drawing/2010/main" val="0"/>
-              </a:ext>
-            </a:extLst>
-          </a:blip>
-          <a:srcRect/>
-          <a:stretch>
-            <a:fillRect/>
-          </a:stretch>
-        </p:blipFill>
-        <p:spPr bwMode="auto">
-          <a:xfrm>
-            <a:off x="115706" y="91981"/>
-            <a:ext cx="2379085" cy="582954"/>
-          </a:xfrm>
-          <a:prstGeom prst="rect">
-            <a:avLst/>
-          </a:prstGeom>
-          <a:noFill/>
-          <a:extLst>
-            <a:ext uri="{909E8E84-426E-40DD-AFC4-6F175D3DCCD1}">
-              <a14:hiddenFill xmlns:a14="http://schemas.microsoft.com/office/drawing/2010/main">
-                <a:solidFill>
-                  <a:srgbClr val="FFFFFF"/>
-                </a:solidFill>
-              </a14:hiddenFill>
-            </a:ext>
-          </a:extLst>
-        </p:spPr>
-      </p:pic>
-      <p:cxnSp>
-        <p:nvCxnSpPr>
-          <p:cNvPr id="6" name="Straight Connector 5">
-            <a:extLst>
-              <a:ext uri="{FF2B5EF4-FFF2-40B4-BE49-F238E27FC236}">
-                <a16:creationId xmlns:a16="http://schemas.microsoft.com/office/drawing/2014/main" id="{ED28AC2C-646C-DF15-F2A6-5B7D73282714}"/>
-              </a:ext>
-            </a:extLst>
-          </p:cNvPr>
-          <p:cNvCxnSpPr>
-            <a:cxnSpLocks/>
-          </p:cNvCxnSpPr>
-          <p:nvPr/>
-        </p:nvCxnSpPr>
-        <p:spPr>
-          <a:xfrm>
-            <a:off x="0" y="1069452"/>
-            <a:ext cx="12192000" cy="0"/>
-          </a:xfrm>
-          <a:prstGeom prst="line">
-            <a:avLst/>
-          </a:prstGeom>
-        </p:spPr>
-        <p:style>
-          <a:lnRef idx="3">
-            <a:schemeClr val="accent3"/>
-          </a:lnRef>
-          <a:fillRef idx="0">
-            <a:schemeClr val="accent3"/>
-          </a:fillRef>
-          <a:effectRef idx="2">
-            <a:schemeClr val="accent3"/>
-          </a:effectRef>
-          <a:fontRef idx="minor">
-            <a:schemeClr val="tx1"/>
-          </a:fontRef>
-        </p:style>
-      </p:cxnSp>
-      <p:sp>
-        <p:nvSpPr>
-          <p:cNvPr id="7" name="TextBox 6">
-            <a:extLst>
-              <a:ext uri="{FF2B5EF4-FFF2-40B4-BE49-F238E27FC236}">
-                <a16:creationId xmlns:a16="http://schemas.microsoft.com/office/drawing/2014/main" id="{44F077F0-4079-9BB1-870D-CD0B1BB61B23}"/>
-              </a:ext>
-            </a:extLst>
-          </p:cNvPr>
-          <p:cNvSpPr txBox="1"/>
-          <p:nvPr/>
-        </p:nvSpPr>
-        <p:spPr>
-          <a:xfrm>
-            <a:off x="3569109" y="299352"/>
-            <a:ext cx="5712543" cy="400110"/>
-          </a:xfrm>
-          <a:prstGeom prst="rect">
-            <a:avLst/>
-          </a:prstGeom>
-          <a:noFill/>
-        </p:spPr>
-        <p:txBody>
-          <a:bodyPr wrap="square" rtlCol="0" anchor="ctr">
-            <a:spAutoFit/>
-          </a:bodyPr>
-          <a:lstStyle/>
-          <a:p>
-            <a:r>
-              <a:rPr lang="en-IN" sz="2000" dirty="0"/>
-              <a:t>Work Status Update for the </a:t>
-            </a:r>
-            <a:r>
-              <a:rPr lang="en-IN" sz="2000" b="1" dirty="0">
-                <a:solidFill>
-                  <a:schemeClr val="accent6">
-                    <a:lumMod val="50000"/>
-                  </a:schemeClr>
-                </a:solidFill>
-              </a:rPr>
-              <a:t>Project Magician</a:t>
-            </a:r>
-            <a:endParaRPr lang="en-GB" sz="2000" b="1" dirty="0">
-              <a:solidFill>
-                <a:schemeClr val="accent6">
-                  <a:lumMod val="50000"/>
-                </a:schemeClr>
-              </a:solidFill>
-            </a:endParaRPr>
-          </a:p>
-        </p:txBody>
-      </p:sp>
-      <p:pic>
-        <p:nvPicPr>
-          <p:cNvPr id="11" name="Picture 10" descr="A screenshot of a computer screen&#10;&#10;AI-generated content may be incorrect.">
-            <a:extLst>
-              <a:ext uri="{FF2B5EF4-FFF2-40B4-BE49-F238E27FC236}">
-                <a16:creationId xmlns:a16="http://schemas.microsoft.com/office/drawing/2014/main" id="{88C1F538-6626-80BA-D677-A506BFAD792E}"/>
-              </a:ext>
-            </a:extLst>
-          </p:cNvPr>
-          <p:cNvPicPr>
-            <a:picLocks noChangeAspect="1"/>
-          </p:cNvPicPr>
-          <p:nvPr/>
-        </p:nvPicPr>
-        <p:blipFill>
-          <a:blip r:embed="rId4"/>
-          <a:stretch>
-            <a:fillRect/>
-          </a:stretch>
-        </p:blipFill>
-        <p:spPr>
-          <a:xfrm>
-            <a:off x="1381646" y="1714089"/>
-            <a:ext cx="9428708" cy="4635909"/>
-          </a:xfrm>
-          <a:prstGeom prst="rect">
-            <a:avLst/>
-          </a:prstGeom>
-        </p:spPr>
-      </p:pic>
-    </p:spTree>
-    <p:extLst>
-      <p:ext uri="{BB962C8B-B14F-4D97-AF65-F5344CB8AC3E}">
-        <p14:creationId xmlns:p14="http://schemas.microsoft.com/office/powerpoint/2010/main" val="3015810363"/>
-      </p:ext>
-    </p:extLst>
-  </p:cSld>
-  <p:clrMapOvr>
-    <a:masterClrMapping/>
-  </p:clrMapOvr>
-</p:sld>
-</file>
-
-<file path=ppt/slides/slide7.xml><?xml version="1.0" encoding="utf-8"?>
-<p:sld xmlns:a="http://schemas.openxmlformats.org/drawingml/2006/main" xmlns:r="http://schemas.openxmlformats.org/officeDocument/2006/relationships" xmlns:p="http://schemas.openxmlformats.org/presentationml/2006/main">
-  <p:cSld>
-    <p:spTree>
-      <p:nvGrpSpPr>
-        <p:cNvPr id="1" name="">
-          <a:extLst>
-            <a:ext uri="{FF2B5EF4-FFF2-40B4-BE49-F238E27FC236}">
               <a16:creationId xmlns:a16="http://schemas.microsoft.com/office/drawing/2014/main" id="{4681FEB3-A735-B1CB-71A8-28CF67763C2A}"/>
             </a:ext>
           </a:extLst>
@@ -10576,7 +9823,7 @@
 </p:sld>
 </file>
 
-<file path=ppt/slides/slide8.xml><?xml version="1.0" encoding="utf-8"?>
+<file path=ppt/slides/slide6.xml><?xml version="1.0" encoding="utf-8"?>
 <p:sld xmlns:a="http://schemas.openxmlformats.org/drawingml/2006/main" xmlns:r="http://schemas.openxmlformats.org/officeDocument/2006/relationships" xmlns:p="http://schemas.openxmlformats.org/presentationml/2006/main">
   <p:cSld>
     <p:spTree>
@@ -10584,7 +9831,7 @@
         <p:cNvPr id="1" name="">
           <a:extLst>
             <a:ext uri="{FF2B5EF4-FFF2-40B4-BE49-F238E27FC236}">
-              <a16:creationId xmlns:a16="http://schemas.microsoft.com/office/drawing/2014/main" id="{5084074D-5EB2-1749-8CBD-8A172D2C3416}"/>
+              <a16:creationId xmlns:a16="http://schemas.microsoft.com/office/drawing/2014/main" id="{AFEB29A4-B11A-EB54-543E-D88BD1ADC5EB}"/>
             </a:ext>
           </a:extLst>
         </p:cNvPr>
@@ -10604,7 +9851,7 @@
           <p:cNvPr id="2" name="TextBox 1">
             <a:extLst>
               <a:ext uri="{FF2B5EF4-FFF2-40B4-BE49-F238E27FC236}">
-                <a16:creationId xmlns:a16="http://schemas.microsoft.com/office/drawing/2014/main" id="{7E3F43F2-EB14-DF34-123E-AB73FCC2147C}"/>
+                <a16:creationId xmlns:a16="http://schemas.microsoft.com/office/drawing/2014/main" id="{3B1948E4-E883-4768-F5F1-2F32725A582E}"/>
               </a:ext>
             </a:extLst>
           </p:cNvPr>
@@ -10642,7 +9889,7 @@
           <p:cNvPr id="4" name="Picture 4" descr="MAGICIAN | Adra Association">
             <a:extLst>
               <a:ext uri="{FF2B5EF4-FFF2-40B4-BE49-F238E27FC236}">
-                <a16:creationId xmlns:a16="http://schemas.microsoft.com/office/drawing/2014/main" id="{DEAF8738-4EF0-D3B2-5F8D-7DD638749224}"/>
+                <a16:creationId xmlns:a16="http://schemas.microsoft.com/office/drawing/2014/main" id="{1BD03EA6-AC84-2994-95CB-B9B90431F9B9}"/>
               </a:ext>
             </a:extLst>
           </p:cNvPr>
@@ -10687,7 +9934,7 @@
           <p:cNvPr id="5" name="Picture 12">
             <a:extLst>
               <a:ext uri="{FF2B5EF4-FFF2-40B4-BE49-F238E27FC236}">
-                <a16:creationId xmlns:a16="http://schemas.microsoft.com/office/drawing/2014/main" id="{709FECBA-5392-A78B-0EB9-85A7E5110BC1}"/>
+                <a16:creationId xmlns:a16="http://schemas.microsoft.com/office/drawing/2014/main" id="{C96517C1-1372-76E7-490B-275C65149543}"/>
               </a:ext>
             </a:extLst>
           </p:cNvPr>
@@ -10734,7 +9981,7 @@
           <p:cNvPr id="6" name="Straight Connector 5">
             <a:extLst>
               <a:ext uri="{FF2B5EF4-FFF2-40B4-BE49-F238E27FC236}">
-                <a16:creationId xmlns:a16="http://schemas.microsoft.com/office/drawing/2014/main" id="{8F1BB088-B120-A412-9DEA-52AFF06F0AC5}"/>
+                <a16:creationId xmlns:a16="http://schemas.microsoft.com/office/drawing/2014/main" id="{263A035B-1C6E-718A-81F6-0CBF22FC3447}"/>
               </a:ext>
             </a:extLst>
           </p:cNvPr>
@@ -10772,7 +10019,7 @@
           <p:cNvPr id="7" name="TextBox 6">
             <a:extLst>
               <a:ext uri="{FF2B5EF4-FFF2-40B4-BE49-F238E27FC236}">
-                <a16:creationId xmlns:a16="http://schemas.microsoft.com/office/drawing/2014/main" id="{E4021659-F547-F31C-E430-FD551B72998F}"/>
+                <a16:creationId xmlns:a16="http://schemas.microsoft.com/office/drawing/2014/main" id="{241D7FE4-4348-EB95-DD77-68F39F8CF13F}"/>
               </a:ext>
             </a:extLst>
           </p:cNvPr>
@@ -10824,7 +10071,7 @@
           <p:cNvPr id="11" name="Picture 10" descr="A screenshot of a computer screen&#10;&#10;AI-generated content may be incorrect.">
             <a:extLst>
               <a:ext uri="{FF2B5EF4-FFF2-40B4-BE49-F238E27FC236}">
-                <a16:creationId xmlns:a16="http://schemas.microsoft.com/office/drawing/2014/main" id="{1BEF93F9-9887-EAB9-7925-EDC3B68E4F30}"/>
+                <a16:creationId xmlns:a16="http://schemas.microsoft.com/office/drawing/2014/main" id="{490950B3-8F6B-88D6-AB7D-627EAFCF534D}"/>
               </a:ext>
             </a:extLst>
           </p:cNvPr>
@@ -10852,7 +10099,760 @@
     </p:spTree>
     <p:extLst>
       <p:ext uri="{BB962C8B-B14F-4D97-AF65-F5344CB8AC3E}">
-        <p14:creationId xmlns:p14="http://schemas.microsoft.com/office/powerpoint/2010/main" val="1326325659"/>
+        <p14:creationId xmlns:p14="http://schemas.microsoft.com/office/powerpoint/2010/main" val="1478134919"/>
+      </p:ext>
+    </p:extLst>
+  </p:cSld>
+  <p:clrMapOvr>
+    <a:masterClrMapping/>
+  </p:clrMapOvr>
+</p:sld>
+</file>
+
+<file path=ppt/slides/slide7.xml><?xml version="1.0" encoding="utf-8"?>
+<p:sld xmlns:a="http://schemas.openxmlformats.org/drawingml/2006/main" xmlns:r="http://schemas.openxmlformats.org/officeDocument/2006/relationships" xmlns:p="http://schemas.openxmlformats.org/presentationml/2006/main">
+  <p:cSld>
+    <p:spTree>
+      <p:nvGrpSpPr>
+        <p:cNvPr id="1" name="">
+          <a:extLst>
+            <a:ext uri="{FF2B5EF4-FFF2-40B4-BE49-F238E27FC236}">
+              <a16:creationId xmlns:a16="http://schemas.microsoft.com/office/drawing/2014/main" id="{34773982-693B-E75C-1262-626D2306D2B3}"/>
+            </a:ext>
+          </a:extLst>
+        </p:cNvPr>
+        <p:cNvGrpSpPr/>
+        <p:nvPr/>
+      </p:nvGrpSpPr>
+      <p:grpSpPr>
+        <a:xfrm>
+          <a:off x="0" y="0"/>
+          <a:ext cx="0" cy="0"/>
+          <a:chOff x="0" y="0"/>
+          <a:chExt cx="0" cy="0"/>
+        </a:xfrm>
+      </p:grpSpPr>
+      <p:pic>
+        <p:nvPicPr>
+          <p:cNvPr id="4" name="Picture 4" descr="MAGICIAN | Adra Association">
+            <a:extLst>
+              <a:ext uri="{FF2B5EF4-FFF2-40B4-BE49-F238E27FC236}">
+                <a16:creationId xmlns:a16="http://schemas.microsoft.com/office/drawing/2014/main" id="{9608C9CA-821F-0052-6F15-FB033C2981DD}"/>
+              </a:ext>
+            </a:extLst>
+          </p:cNvPr>
+          <p:cNvPicPr>
+            <a:picLocks noChangeAspect="1" noChangeArrowheads="1"/>
+          </p:cNvPicPr>
+          <p:nvPr/>
+        </p:nvPicPr>
+        <p:blipFill rotWithShape="1">
+          <a:blip r:embed="rId2">
+            <a:extLst>
+              <a:ext uri="{28A0092B-C50C-407E-A947-70E740481C1C}">
+                <a14:useLocalDpi xmlns:a14="http://schemas.microsoft.com/office/drawing/2010/main" val="0"/>
+              </a:ext>
+            </a:extLst>
+          </a:blip>
+          <a:srcRect t="16424" b="19091"/>
+          <a:stretch/>
+        </p:blipFill>
+        <p:spPr bwMode="auto">
+          <a:xfrm>
+            <a:off x="10631306" y="0"/>
+            <a:ext cx="1444988" cy="931800"/>
+          </a:xfrm>
+          <a:prstGeom prst="rect">
+            <a:avLst/>
+          </a:prstGeom>
+          <a:noFill/>
+          <a:extLst>
+            <a:ext uri="{909E8E84-426E-40DD-AFC4-6F175D3DCCD1}">
+              <a14:hiddenFill xmlns:a14="http://schemas.microsoft.com/office/drawing/2010/main">
+                <a:solidFill>
+                  <a:srgbClr val="FFFFFF"/>
+                </a:solidFill>
+              </a14:hiddenFill>
+            </a:ext>
+          </a:extLst>
+        </p:spPr>
+      </p:pic>
+      <p:pic>
+        <p:nvPicPr>
+          <p:cNvPr id="5" name="Picture 12">
+            <a:extLst>
+              <a:ext uri="{FF2B5EF4-FFF2-40B4-BE49-F238E27FC236}">
+                <a16:creationId xmlns:a16="http://schemas.microsoft.com/office/drawing/2014/main" id="{B0E19620-B908-16CA-16B5-B2F7759570A7}"/>
+              </a:ext>
+            </a:extLst>
+          </p:cNvPr>
+          <p:cNvPicPr>
+            <a:picLocks noChangeAspect="1" noChangeArrowheads="1"/>
+          </p:cNvPicPr>
+          <p:nvPr/>
+        </p:nvPicPr>
+        <p:blipFill>
+          <a:blip r:embed="rId3">
+            <a:extLst>
+              <a:ext uri="{28A0092B-C50C-407E-A947-70E740481C1C}">
+                <a14:useLocalDpi xmlns:a14="http://schemas.microsoft.com/office/drawing/2010/main" val="0"/>
+              </a:ext>
+            </a:extLst>
+          </a:blip>
+          <a:srcRect/>
+          <a:stretch>
+            <a:fillRect/>
+          </a:stretch>
+        </p:blipFill>
+        <p:spPr bwMode="auto">
+          <a:xfrm>
+            <a:off x="115706" y="91981"/>
+            <a:ext cx="2379085" cy="582954"/>
+          </a:xfrm>
+          <a:prstGeom prst="rect">
+            <a:avLst/>
+          </a:prstGeom>
+          <a:noFill/>
+          <a:extLst>
+            <a:ext uri="{909E8E84-426E-40DD-AFC4-6F175D3DCCD1}">
+              <a14:hiddenFill xmlns:a14="http://schemas.microsoft.com/office/drawing/2010/main">
+                <a:solidFill>
+                  <a:srgbClr val="FFFFFF"/>
+                </a:solidFill>
+              </a14:hiddenFill>
+            </a:ext>
+          </a:extLst>
+        </p:spPr>
+      </p:pic>
+      <p:cxnSp>
+        <p:nvCxnSpPr>
+          <p:cNvPr id="6" name="Straight Connector 5">
+            <a:extLst>
+              <a:ext uri="{FF2B5EF4-FFF2-40B4-BE49-F238E27FC236}">
+                <a16:creationId xmlns:a16="http://schemas.microsoft.com/office/drawing/2014/main" id="{EF623E5B-9B08-E0CA-B642-5C58E8E46C17}"/>
+              </a:ext>
+            </a:extLst>
+          </p:cNvPr>
+          <p:cNvCxnSpPr>
+            <a:cxnSpLocks/>
+          </p:cNvCxnSpPr>
+          <p:nvPr/>
+        </p:nvCxnSpPr>
+        <p:spPr>
+          <a:xfrm>
+            <a:off x="0" y="1069452"/>
+            <a:ext cx="12192000" cy="0"/>
+          </a:xfrm>
+          <a:prstGeom prst="line">
+            <a:avLst/>
+          </a:prstGeom>
+        </p:spPr>
+        <p:style>
+          <a:lnRef idx="3">
+            <a:schemeClr val="accent3"/>
+          </a:lnRef>
+          <a:fillRef idx="0">
+            <a:schemeClr val="accent3"/>
+          </a:fillRef>
+          <a:effectRef idx="2">
+            <a:schemeClr val="accent3"/>
+          </a:effectRef>
+          <a:fontRef idx="minor">
+            <a:schemeClr val="tx1"/>
+          </a:fontRef>
+        </p:style>
+      </p:cxnSp>
+      <p:sp>
+        <p:nvSpPr>
+          <p:cNvPr id="7" name="TextBox 6">
+            <a:extLst>
+              <a:ext uri="{FF2B5EF4-FFF2-40B4-BE49-F238E27FC236}">
+                <a16:creationId xmlns:a16="http://schemas.microsoft.com/office/drawing/2014/main" id="{0E68E9C0-CD66-AC43-4733-9B7C9115EB6C}"/>
+              </a:ext>
+            </a:extLst>
+          </p:cNvPr>
+          <p:cNvSpPr txBox="1"/>
+          <p:nvPr/>
+        </p:nvSpPr>
+        <p:spPr>
+          <a:xfrm>
+            <a:off x="3569109" y="299352"/>
+            <a:ext cx="5712543" cy="400110"/>
+          </a:xfrm>
+          <a:prstGeom prst="rect">
+            <a:avLst/>
+          </a:prstGeom>
+          <a:noFill/>
+        </p:spPr>
+        <p:txBody>
+          <a:bodyPr wrap="square" rtlCol="0" anchor="ctr">
+            <a:spAutoFit/>
+          </a:bodyPr>
+          <a:lstStyle/>
+          <a:p>
+            <a:r>
+              <a:rPr lang="en-IN" sz="2000" dirty="0"/>
+              <a:t>Work Status Update for the </a:t>
+            </a:r>
+            <a:r>
+              <a:rPr lang="en-IN" sz="2000" b="1" dirty="0">
+                <a:solidFill>
+                  <a:schemeClr val="accent6">
+                    <a:lumMod val="50000"/>
+                  </a:schemeClr>
+                </a:solidFill>
+              </a:rPr>
+              <a:t>Project Magician</a:t>
+            </a:r>
+            <a:endParaRPr lang="en-GB" sz="2000" b="1" dirty="0">
+              <a:solidFill>
+                <a:schemeClr val="accent6">
+                  <a:lumMod val="50000"/>
+                </a:schemeClr>
+              </a:solidFill>
+            </a:endParaRPr>
+          </a:p>
+        </p:txBody>
+      </p:sp>
+      <p:sp>
+        <p:nvSpPr>
+          <p:cNvPr id="10" name="TextBox 9">
+            <a:extLst>
+              <a:ext uri="{FF2B5EF4-FFF2-40B4-BE49-F238E27FC236}">
+                <a16:creationId xmlns:a16="http://schemas.microsoft.com/office/drawing/2014/main" id="{1BD62680-4FC5-9AF3-66EA-1AE2B430DDF9}"/>
+              </a:ext>
+            </a:extLst>
+          </p:cNvPr>
+          <p:cNvSpPr txBox="1"/>
+          <p:nvPr/>
+        </p:nvSpPr>
+        <p:spPr>
+          <a:xfrm>
+            <a:off x="914399" y="5305245"/>
+            <a:ext cx="3939397" cy="338554"/>
+          </a:xfrm>
+          <a:prstGeom prst="rect">
+            <a:avLst/>
+          </a:prstGeom>
+          <a:noFill/>
+        </p:spPr>
+        <p:txBody>
+          <a:bodyPr wrap="square" rtlCol="0">
+            <a:spAutoFit/>
+          </a:bodyPr>
+          <a:lstStyle/>
+          <a:p>
+            <a:r>
+              <a:rPr lang="en-IN" sz="1600" dirty="0"/>
+              <a:t>Frequency Range: 135 to approx. </a:t>
+            </a:r>
+            <a:r>
+              <a:rPr lang="en-GB" sz="1600" dirty="0"/>
+              <a:t>183 Hz</a:t>
+            </a:r>
+          </a:p>
+        </p:txBody>
+      </p:sp>
+      <p:sp>
+        <p:nvSpPr>
+          <p:cNvPr id="12" name="TextBox 11">
+            <a:extLst>
+              <a:ext uri="{FF2B5EF4-FFF2-40B4-BE49-F238E27FC236}">
+                <a16:creationId xmlns:a16="http://schemas.microsoft.com/office/drawing/2014/main" id="{28A62E25-9F78-1F61-335C-32F1EB069C23}"/>
+              </a:ext>
+            </a:extLst>
+          </p:cNvPr>
+          <p:cNvSpPr txBox="1"/>
+          <p:nvPr/>
+        </p:nvSpPr>
+        <p:spPr>
+          <a:xfrm>
+            <a:off x="7338204" y="5305245"/>
+            <a:ext cx="4040038" cy="338554"/>
+          </a:xfrm>
+          <a:prstGeom prst="rect">
+            <a:avLst/>
+          </a:prstGeom>
+          <a:noFill/>
+        </p:spPr>
+        <p:txBody>
+          <a:bodyPr wrap="square" rtlCol="0">
+            <a:spAutoFit/>
+          </a:bodyPr>
+          <a:lstStyle/>
+          <a:p>
+            <a:r>
+              <a:rPr lang="en-IN" sz="1600" dirty="0"/>
+              <a:t>Stiffness Range: 1.1 e6 to approx. 2 e6 N/m</a:t>
+            </a:r>
+            <a:endParaRPr lang="en-GB" sz="1600" dirty="0"/>
+          </a:p>
+        </p:txBody>
+      </p:sp>
+      <p:sp>
+        <p:nvSpPr>
+          <p:cNvPr id="2" name="TextBox 1">
+            <a:extLst>
+              <a:ext uri="{FF2B5EF4-FFF2-40B4-BE49-F238E27FC236}">
+                <a16:creationId xmlns:a16="http://schemas.microsoft.com/office/drawing/2014/main" id="{DCABAF66-EDE9-0192-3B7E-2A0217FF3F62}"/>
+              </a:ext>
+            </a:extLst>
+          </p:cNvPr>
+          <p:cNvSpPr txBox="1"/>
+          <p:nvPr/>
+        </p:nvSpPr>
+        <p:spPr>
+          <a:xfrm>
+            <a:off x="132694" y="1214201"/>
+            <a:ext cx="4988277" cy="369332"/>
+          </a:xfrm>
+          <a:prstGeom prst="rect">
+            <a:avLst/>
+          </a:prstGeom>
+          <a:noFill/>
+        </p:spPr>
+        <p:txBody>
+          <a:bodyPr rot="0" spcFirstLastPara="0" vertOverflow="overflow" horzOverflow="overflow" vert="horz" wrap="square" lIns="91440" tIns="45720" rIns="91440" bIns="45720" numCol="1" spcCol="0" rtlCol="0" fromWordArt="0" anchor="t" anchorCtr="0" forceAA="0" compatLnSpc="1">
+            <a:prstTxWarp prst="textNoShape">
+              <a:avLst/>
+            </a:prstTxWarp>
+            <a:spAutoFit/>
+          </a:bodyPr>
+          <a:lstStyle/>
+          <a:p>
+            <a:r>
+              <a:rPr lang="en-US" dirty="0"/>
+              <a:t>Frequency and Stiffness Plots at 45 Orientation</a:t>
+            </a:r>
+          </a:p>
+        </p:txBody>
+      </p:sp>
+      <p:pic>
+        <p:nvPicPr>
+          <p:cNvPr id="11" name="Picture 10" descr="A graph showing different speeds&#10;&#10;AI-generated content may be incorrect.">
+            <a:extLst>
+              <a:ext uri="{FF2B5EF4-FFF2-40B4-BE49-F238E27FC236}">
+                <a16:creationId xmlns:a16="http://schemas.microsoft.com/office/drawing/2014/main" id="{C463DF88-C9A3-91BC-A2F1-1C8AD8D00722}"/>
+              </a:ext>
+            </a:extLst>
+          </p:cNvPr>
+          <p:cNvPicPr>
+            <a:picLocks noChangeAspect="1"/>
+          </p:cNvPicPr>
+          <p:nvPr/>
+        </p:nvPicPr>
+        <p:blipFill>
+          <a:blip r:embed="rId4"/>
+          <a:srcRect l="8655" t="76" r="8156" b="-101"/>
+          <a:stretch/>
+        </p:blipFill>
+        <p:spPr>
+          <a:xfrm>
+            <a:off x="132694" y="1583533"/>
+            <a:ext cx="5964899" cy="3325514"/>
+          </a:xfrm>
+          <a:prstGeom prst="rect">
+            <a:avLst/>
+          </a:prstGeom>
+        </p:spPr>
+      </p:pic>
+      <p:pic>
+        <p:nvPicPr>
+          <p:cNvPr id="13" name="Picture 12">
+            <a:extLst>
+              <a:ext uri="{FF2B5EF4-FFF2-40B4-BE49-F238E27FC236}">
+                <a16:creationId xmlns:a16="http://schemas.microsoft.com/office/drawing/2014/main" id="{0F2B2308-8DAC-5D6E-0733-EDFAB46FF6CC}"/>
+              </a:ext>
+            </a:extLst>
+          </p:cNvPr>
+          <p:cNvPicPr>
+            <a:picLocks noChangeAspect="1"/>
+          </p:cNvPicPr>
+          <p:nvPr/>
+        </p:nvPicPr>
+        <p:blipFill>
+          <a:blip r:embed="rId5"/>
+          <a:srcRect l="9414" r="7906"/>
+          <a:stretch/>
+        </p:blipFill>
+        <p:spPr>
+          <a:xfrm>
+            <a:off x="6095734" y="1610442"/>
+            <a:ext cx="5849241" cy="3324812"/>
+          </a:xfrm>
+          <a:prstGeom prst="rect">
+            <a:avLst/>
+          </a:prstGeom>
+        </p:spPr>
+      </p:pic>
+      <p:cxnSp>
+        <p:nvCxnSpPr>
+          <p:cNvPr id="17" name="Straight Arrow Connector 16">
+            <a:extLst>
+              <a:ext uri="{FF2B5EF4-FFF2-40B4-BE49-F238E27FC236}">
+                <a16:creationId xmlns:a16="http://schemas.microsoft.com/office/drawing/2014/main" id="{AAF35E1A-5194-9D9F-2682-F7A3E429548A}"/>
+              </a:ext>
+            </a:extLst>
+          </p:cNvPr>
+          <p:cNvCxnSpPr/>
+          <p:nvPr/>
+        </p:nvCxnSpPr>
+        <p:spPr>
+          <a:xfrm flipV="1">
+            <a:off x="1406106" y="1940943"/>
+            <a:ext cx="2812211" cy="414068"/>
+          </a:xfrm>
+          <a:prstGeom prst="straightConnector1">
+            <a:avLst/>
+          </a:prstGeom>
+          <a:ln>
+            <a:tailEnd type="triangle"/>
+          </a:ln>
+        </p:spPr>
+        <p:style>
+          <a:lnRef idx="2">
+            <a:schemeClr val="accent1"/>
+          </a:lnRef>
+          <a:fillRef idx="0">
+            <a:schemeClr val="accent1"/>
+          </a:fillRef>
+          <a:effectRef idx="1">
+            <a:schemeClr val="accent1"/>
+          </a:effectRef>
+          <a:fontRef idx="minor">
+            <a:schemeClr val="tx1"/>
+          </a:fontRef>
+        </p:style>
+      </p:cxnSp>
+      <p:cxnSp>
+        <p:nvCxnSpPr>
+          <p:cNvPr id="19" name="Straight Arrow Connector 18">
+            <a:extLst>
+              <a:ext uri="{FF2B5EF4-FFF2-40B4-BE49-F238E27FC236}">
+                <a16:creationId xmlns:a16="http://schemas.microsoft.com/office/drawing/2014/main" id="{4426ECB0-A761-1E45-FD81-0C1937EBAE9E}"/>
+              </a:ext>
+            </a:extLst>
+          </p:cNvPr>
+          <p:cNvCxnSpPr/>
+          <p:nvPr/>
+        </p:nvCxnSpPr>
+        <p:spPr>
+          <a:xfrm flipV="1">
+            <a:off x="7177177" y="1940943"/>
+            <a:ext cx="2898476" cy="698740"/>
+          </a:xfrm>
+          <a:prstGeom prst="straightConnector1">
+            <a:avLst/>
+          </a:prstGeom>
+          <a:ln>
+            <a:tailEnd type="triangle"/>
+          </a:ln>
+        </p:spPr>
+        <p:style>
+          <a:lnRef idx="2">
+            <a:schemeClr val="accent1"/>
+          </a:lnRef>
+          <a:fillRef idx="0">
+            <a:schemeClr val="accent1"/>
+          </a:fillRef>
+          <a:effectRef idx="1">
+            <a:schemeClr val="accent1"/>
+          </a:effectRef>
+          <a:fontRef idx="minor">
+            <a:schemeClr val="tx1"/>
+          </a:fontRef>
+        </p:style>
+      </p:cxnSp>
+    </p:spTree>
+    <p:extLst>
+      <p:ext uri="{BB962C8B-B14F-4D97-AF65-F5344CB8AC3E}">
+        <p14:creationId xmlns:p14="http://schemas.microsoft.com/office/powerpoint/2010/main" val="2063765822"/>
+      </p:ext>
+    </p:extLst>
+  </p:cSld>
+  <p:clrMapOvr>
+    <a:masterClrMapping/>
+  </p:clrMapOvr>
+</p:sld>
+</file>
+
+<file path=ppt/slides/slide8.xml><?xml version="1.0" encoding="utf-8"?>
+<p:sld xmlns:a="http://schemas.openxmlformats.org/drawingml/2006/main" xmlns:r="http://schemas.openxmlformats.org/officeDocument/2006/relationships" xmlns:p="http://schemas.openxmlformats.org/presentationml/2006/main">
+  <p:cSld>
+    <p:spTree>
+      <p:nvGrpSpPr>
+        <p:cNvPr id="1" name="">
+          <a:extLst>
+            <a:ext uri="{FF2B5EF4-FFF2-40B4-BE49-F238E27FC236}">
+              <a16:creationId xmlns:a16="http://schemas.microsoft.com/office/drawing/2014/main" id="{BA5A5B3E-BDD7-21D6-0D2A-282E29F91038}"/>
+            </a:ext>
+          </a:extLst>
+        </p:cNvPr>
+        <p:cNvGrpSpPr/>
+        <p:nvPr/>
+      </p:nvGrpSpPr>
+      <p:grpSpPr>
+        <a:xfrm>
+          <a:off x="0" y="0"/>
+          <a:ext cx="0" cy="0"/>
+          <a:chOff x="0" y="0"/>
+          <a:chExt cx="0" cy="0"/>
+        </a:xfrm>
+      </p:grpSpPr>
+      <p:sp>
+        <p:nvSpPr>
+          <p:cNvPr id="2" name="TextBox 1">
+            <a:extLst>
+              <a:ext uri="{FF2B5EF4-FFF2-40B4-BE49-F238E27FC236}">
+                <a16:creationId xmlns:a16="http://schemas.microsoft.com/office/drawing/2014/main" id="{0AFB435F-02EE-A6E4-ED6A-DFBF9FBC21D9}"/>
+              </a:ext>
+            </a:extLst>
+          </p:cNvPr>
+          <p:cNvSpPr txBox="1"/>
+          <p:nvPr/>
+        </p:nvSpPr>
+        <p:spPr>
+          <a:xfrm>
+            <a:off x="302563" y="1207105"/>
+            <a:ext cx="4550833" cy="369332"/>
+          </a:xfrm>
+          <a:prstGeom prst="rect">
+            <a:avLst/>
+          </a:prstGeom>
+          <a:noFill/>
+        </p:spPr>
+        <p:txBody>
+          <a:bodyPr rot="0" spcFirstLastPara="0" vertOverflow="overflow" horzOverflow="overflow" vert="horz" wrap="square" lIns="91440" tIns="45720" rIns="91440" bIns="45720" numCol="1" spcCol="0" rtlCol="0" fromWordArt="0" anchor="t" anchorCtr="0" forceAA="0" compatLnSpc="1">
+            <a:prstTxWarp prst="textNoShape">
+              <a:avLst/>
+            </a:prstTxWarp>
+            <a:spAutoFit/>
+          </a:bodyPr>
+          <a:lstStyle/>
+          <a:p>
+            <a:r>
+              <a:rPr lang="en-US" dirty="0"/>
+              <a:t>Force Plots in all the 3 axes in 90 Orientation</a:t>
+            </a:r>
+          </a:p>
+        </p:txBody>
+      </p:sp>
+      <p:pic>
+        <p:nvPicPr>
+          <p:cNvPr id="4" name="Picture 4" descr="MAGICIAN | Adra Association">
+            <a:extLst>
+              <a:ext uri="{FF2B5EF4-FFF2-40B4-BE49-F238E27FC236}">
+                <a16:creationId xmlns:a16="http://schemas.microsoft.com/office/drawing/2014/main" id="{42B15DDA-BCA4-30B4-D43A-9C493E60D47C}"/>
+              </a:ext>
+            </a:extLst>
+          </p:cNvPr>
+          <p:cNvPicPr>
+            <a:picLocks noChangeAspect="1" noChangeArrowheads="1"/>
+          </p:cNvPicPr>
+          <p:nvPr/>
+        </p:nvPicPr>
+        <p:blipFill rotWithShape="1">
+          <a:blip r:embed="rId2">
+            <a:extLst>
+              <a:ext uri="{28A0092B-C50C-407E-A947-70E740481C1C}">
+                <a14:useLocalDpi xmlns:a14="http://schemas.microsoft.com/office/drawing/2010/main" val="0"/>
+              </a:ext>
+            </a:extLst>
+          </a:blip>
+          <a:srcRect t="16424" b="19091"/>
+          <a:stretch/>
+        </p:blipFill>
+        <p:spPr bwMode="auto">
+          <a:xfrm>
+            <a:off x="10631306" y="0"/>
+            <a:ext cx="1444988" cy="931800"/>
+          </a:xfrm>
+          <a:prstGeom prst="rect">
+            <a:avLst/>
+          </a:prstGeom>
+          <a:noFill/>
+          <a:extLst>
+            <a:ext uri="{909E8E84-426E-40DD-AFC4-6F175D3DCCD1}">
+              <a14:hiddenFill xmlns:a14="http://schemas.microsoft.com/office/drawing/2010/main">
+                <a:solidFill>
+                  <a:srgbClr val="FFFFFF"/>
+                </a:solidFill>
+              </a14:hiddenFill>
+            </a:ext>
+          </a:extLst>
+        </p:spPr>
+      </p:pic>
+      <p:pic>
+        <p:nvPicPr>
+          <p:cNvPr id="5" name="Picture 12">
+            <a:extLst>
+              <a:ext uri="{FF2B5EF4-FFF2-40B4-BE49-F238E27FC236}">
+                <a16:creationId xmlns:a16="http://schemas.microsoft.com/office/drawing/2014/main" id="{AE45022D-74A8-DF9C-5308-D79B9AB21DF1}"/>
+              </a:ext>
+            </a:extLst>
+          </p:cNvPr>
+          <p:cNvPicPr>
+            <a:picLocks noChangeAspect="1" noChangeArrowheads="1"/>
+          </p:cNvPicPr>
+          <p:nvPr/>
+        </p:nvPicPr>
+        <p:blipFill>
+          <a:blip r:embed="rId3">
+            <a:extLst>
+              <a:ext uri="{28A0092B-C50C-407E-A947-70E740481C1C}">
+                <a14:useLocalDpi xmlns:a14="http://schemas.microsoft.com/office/drawing/2010/main" val="0"/>
+              </a:ext>
+            </a:extLst>
+          </a:blip>
+          <a:srcRect/>
+          <a:stretch>
+            <a:fillRect/>
+          </a:stretch>
+        </p:blipFill>
+        <p:spPr bwMode="auto">
+          <a:xfrm>
+            <a:off x="115706" y="91981"/>
+            <a:ext cx="2379085" cy="582954"/>
+          </a:xfrm>
+          <a:prstGeom prst="rect">
+            <a:avLst/>
+          </a:prstGeom>
+          <a:noFill/>
+          <a:extLst>
+            <a:ext uri="{909E8E84-426E-40DD-AFC4-6F175D3DCCD1}">
+              <a14:hiddenFill xmlns:a14="http://schemas.microsoft.com/office/drawing/2010/main">
+                <a:solidFill>
+                  <a:srgbClr val="FFFFFF"/>
+                </a:solidFill>
+              </a14:hiddenFill>
+            </a:ext>
+          </a:extLst>
+        </p:spPr>
+      </p:pic>
+      <p:cxnSp>
+        <p:nvCxnSpPr>
+          <p:cNvPr id="6" name="Straight Connector 5">
+            <a:extLst>
+              <a:ext uri="{FF2B5EF4-FFF2-40B4-BE49-F238E27FC236}">
+                <a16:creationId xmlns:a16="http://schemas.microsoft.com/office/drawing/2014/main" id="{8F4B6D4A-F72E-6644-CE3D-8D8D348963F3}"/>
+              </a:ext>
+            </a:extLst>
+          </p:cNvPr>
+          <p:cNvCxnSpPr>
+            <a:cxnSpLocks/>
+          </p:cNvCxnSpPr>
+          <p:nvPr/>
+        </p:nvCxnSpPr>
+        <p:spPr>
+          <a:xfrm>
+            <a:off x="0" y="1069452"/>
+            <a:ext cx="12192000" cy="0"/>
+          </a:xfrm>
+          <a:prstGeom prst="line">
+            <a:avLst/>
+          </a:prstGeom>
+        </p:spPr>
+        <p:style>
+          <a:lnRef idx="3">
+            <a:schemeClr val="accent3"/>
+          </a:lnRef>
+          <a:fillRef idx="0">
+            <a:schemeClr val="accent3"/>
+          </a:fillRef>
+          <a:effectRef idx="2">
+            <a:schemeClr val="accent3"/>
+          </a:effectRef>
+          <a:fontRef idx="minor">
+            <a:schemeClr val="tx1"/>
+          </a:fontRef>
+        </p:style>
+      </p:cxnSp>
+      <p:sp>
+        <p:nvSpPr>
+          <p:cNvPr id="7" name="TextBox 6">
+            <a:extLst>
+              <a:ext uri="{FF2B5EF4-FFF2-40B4-BE49-F238E27FC236}">
+                <a16:creationId xmlns:a16="http://schemas.microsoft.com/office/drawing/2014/main" id="{4B511F9D-EDDD-3C40-BA28-544B27B4DC4B}"/>
+              </a:ext>
+            </a:extLst>
+          </p:cNvPr>
+          <p:cNvSpPr txBox="1"/>
+          <p:nvPr/>
+        </p:nvSpPr>
+        <p:spPr>
+          <a:xfrm>
+            <a:off x="3569109" y="299352"/>
+            <a:ext cx="5712543" cy="400110"/>
+          </a:xfrm>
+          <a:prstGeom prst="rect">
+            <a:avLst/>
+          </a:prstGeom>
+          <a:noFill/>
+        </p:spPr>
+        <p:txBody>
+          <a:bodyPr wrap="square" rtlCol="0" anchor="ctr">
+            <a:spAutoFit/>
+          </a:bodyPr>
+          <a:lstStyle/>
+          <a:p>
+            <a:r>
+              <a:rPr lang="en-IN" sz="2000" dirty="0"/>
+              <a:t>Work Status Update for the </a:t>
+            </a:r>
+            <a:r>
+              <a:rPr lang="en-IN" sz="2000" b="1" dirty="0">
+                <a:solidFill>
+                  <a:schemeClr val="accent6">
+                    <a:lumMod val="50000"/>
+                  </a:schemeClr>
+                </a:solidFill>
+              </a:rPr>
+              <a:t>Project Magician</a:t>
+            </a:r>
+            <a:endParaRPr lang="en-GB" sz="2000" b="1" dirty="0">
+              <a:solidFill>
+                <a:schemeClr val="accent6">
+                  <a:lumMod val="50000"/>
+                </a:schemeClr>
+              </a:solidFill>
+            </a:endParaRPr>
+          </a:p>
+        </p:txBody>
+      </p:sp>
+      <p:pic>
+        <p:nvPicPr>
+          <p:cNvPr id="13" name="Picture 12" descr="A screenshot of a computer&#10;&#10;AI-generated content may be incorrect.">
+            <a:extLst>
+              <a:ext uri="{FF2B5EF4-FFF2-40B4-BE49-F238E27FC236}">
+                <a16:creationId xmlns:a16="http://schemas.microsoft.com/office/drawing/2014/main" id="{38126B16-4951-AADC-D016-89F1B17C0DEF}"/>
+              </a:ext>
+            </a:extLst>
+          </p:cNvPr>
+          <p:cNvPicPr>
+            <a:picLocks noChangeAspect="1"/>
+          </p:cNvPicPr>
+          <p:nvPr/>
+        </p:nvPicPr>
+        <p:blipFill>
+          <a:blip r:embed="rId4"/>
+          <a:stretch>
+            <a:fillRect/>
+          </a:stretch>
+        </p:blipFill>
+        <p:spPr>
+          <a:xfrm>
+            <a:off x="1055083" y="1714089"/>
+            <a:ext cx="9641673" cy="4775405"/>
+          </a:xfrm>
+          <a:prstGeom prst="rect">
+            <a:avLst/>
+          </a:prstGeom>
+        </p:spPr>
+      </p:pic>
+    </p:spTree>
+    <p:extLst>
+      <p:ext uri="{BB962C8B-B14F-4D97-AF65-F5344CB8AC3E}">
+        <p14:creationId xmlns:p14="http://schemas.microsoft.com/office/powerpoint/2010/main" val="1189005181"/>
       </p:ext>
     </p:extLst>
   </p:cSld>
